--- a/angular2/slides/05_templates.pptx
+++ b/angular2/slides/05_templates.pptx
@@ -5,36 +5,35 @@
     <p:sldMasterId id="2147483772" r:id="rId1"/>
   </p:sldMasterIdLst>
   <p:notesMasterIdLst>
-    <p:notesMasterId r:id="rId26"/>
+    <p:notesMasterId r:id="rId25"/>
   </p:notesMasterIdLst>
   <p:handoutMasterIdLst>
-    <p:handoutMasterId r:id="rId27"/>
+    <p:handoutMasterId r:id="rId26"/>
   </p:handoutMasterIdLst>
   <p:sldIdLst>
     <p:sldId id="327" r:id="rId2"/>
     <p:sldId id="328" r:id="rId3"/>
     <p:sldId id="329" r:id="rId4"/>
-    <p:sldId id="330" r:id="rId5"/>
-    <p:sldId id="331" r:id="rId6"/>
-    <p:sldId id="333" r:id="rId7"/>
-    <p:sldId id="332" r:id="rId8"/>
-    <p:sldId id="334" r:id="rId9"/>
-    <p:sldId id="335" r:id="rId10"/>
-    <p:sldId id="341" r:id="rId11"/>
-    <p:sldId id="336" r:id="rId12"/>
-    <p:sldId id="337" r:id="rId13"/>
-    <p:sldId id="338" r:id="rId14"/>
-    <p:sldId id="339" r:id="rId15"/>
-    <p:sldId id="340" r:id="rId16"/>
-    <p:sldId id="342" r:id="rId17"/>
-    <p:sldId id="343" r:id="rId18"/>
-    <p:sldId id="345" r:id="rId19"/>
-    <p:sldId id="344" r:id="rId20"/>
-    <p:sldId id="346" r:id="rId21"/>
-    <p:sldId id="347" r:id="rId22"/>
-    <p:sldId id="348" r:id="rId23"/>
-    <p:sldId id="349" r:id="rId24"/>
-    <p:sldId id="350" r:id="rId25"/>
+    <p:sldId id="331" r:id="rId5"/>
+    <p:sldId id="333" r:id="rId6"/>
+    <p:sldId id="332" r:id="rId7"/>
+    <p:sldId id="334" r:id="rId8"/>
+    <p:sldId id="335" r:id="rId9"/>
+    <p:sldId id="341" r:id="rId10"/>
+    <p:sldId id="336" r:id="rId11"/>
+    <p:sldId id="337" r:id="rId12"/>
+    <p:sldId id="338" r:id="rId13"/>
+    <p:sldId id="339" r:id="rId14"/>
+    <p:sldId id="340" r:id="rId15"/>
+    <p:sldId id="342" r:id="rId16"/>
+    <p:sldId id="343" r:id="rId17"/>
+    <p:sldId id="345" r:id="rId18"/>
+    <p:sldId id="344" r:id="rId19"/>
+    <p:sldId id="346" r:id="rId20"/>
+    <p:sldId id="347" r:id="rId21"/>
+    <p:sldId id="348" r:id="rId22"/>
+    <p:sldId id="349" r:id="rId23"/>
+    <p:sldId id="350" r:id="rId24"/>
   </p:sldIdLst>
   <p:sldSz cx="9144000" cy="6858000" type="screen4x3"/>
   <p:notesSz cx="7302500" cy="9588500"/>
@@ -287,7 +286,7 @@
               <a:pPr>
                 <a:defRPr/>
               </a:pPr>
-              <a:t>12/25/2015</a:t>
+              <a:t>12/26/2015</a:t>
             </a:fld>
             <a:endParaRPr lang="en-US"/>
           </a:p>
@@ -2416,7 +2415,6 @@
               <a:rPr lang="en-US" sz="3200" dirty="0" smtClean="0"/>
               <a:t>Templates</a:t>
             </a:r>
-            <a:endParaRPr lang="en-US" sz="3200" dirty="0" smtClean="0"/>
           </a:p>
           <a:p>
             <a:pPr defTabSz="914400" eaLnBrk="1" hangingPunct="1"/>
@@ -2424,7 +2422,6 @@
               <a:rPr lang="en-US" dirty="0" smtClean="0"/>
               <a:t>{{ binding }}</a:t>
             </a:r>
-            <a:endParaRPr lang="en-US" dirty="0" smtClean="0"/>
           </a:p>
         </p:txBody>
       </p:sp>
@@ -2477,6 +2474,13 @@
   <p:transition>
     <p:fade/>
   </p:transition>
+  <p:timing>
+    <p:tnLst>
+      <p:par>
+        <p:cTn id="1" dur="indefinite" restart="never" nodeType="tmRoot"/>
+      </p:par>
+    </p:tnLst>
+  </p:timing>
 </p:sld>
 </file>
 
@@ -2514,11 +2518,7 @@
           <a:p>
             <a:r>
               <a:rPr lang="en-US" dirty="0" smtClean="0"/>
-              <a:t>Class Binding versus </a:t>
-            </a:r>
-            <a:r>
-              <a:rPr lang="en-US" dirty="0" err="1" smtClean="0"/>
-              <a:t>NgClass</a:t>
+              <a:t>Event Binding</a:t>
             </a:r>
             <a:endParaRPr lang="en-US" dirty="0"/>
           </a:p>
@@ -2539,14 +2539,52 @@
           <a:bodyPr/>
           <a:lstStyle/>
           <a:p>
-            <a:endParaRPr lang="en-US"/>
-          </a:p>
-        </p:txBody>
-      </p:sp>
+            <a:r>
+              <a:rPr lang="en-US" dirty="0" smtClean="0"/>
+              <a:t>Use ( ) or </a:t>
+            </a:r>
+            <a:r>
+              <a:rPr lang="en-US" i="1" dirty="0" smtClean="0"/>
+              <a:t>on with any DOM event</a:t>
+            </a:r>
+          </a:p>
+          <a:p>
+            <a:r>
+              <a:rPr lang="en-US" dirty="0" smtClean="0"/>
+              <a:t>No special directives needed for new events</a:t>
+            </a:r>
+            <a:endParaRPr lang="en-US" dirty="0"/>
+          </a:p>
+        </p:txBody>
+      </p:sp>
+      <p:pic>
+        <p:nvPicPr>
+          <p:cNvPr id="4" name="Picture 3"/>
+          <p:cNvPicPr>
+            <a:picLocks noChangeAspect="1"/>
+          </p:cNvPicPr>
+          <p:nvPr/>
+        </p:nvPicPr>
+        <p:blipFill>
+          <a:blip r:embed="rId2"/>
+          <a:stretch>
+            <a:fillRect/>
+          </a:stretch>
+        </p:blipFill>
+        <p:spPr>
+          <a:xfrm>
+            <a:off x="1066800" y="3048000"/>
+            <a:ext cx="6791325" cy="1009650"/>
+          </a:xfrm>
+          <a:prstGeom prst="rect">
+            <a:avLst/>
+          </a:prstGeom>
+        </p:spPr>
+      </p:pic>
     </p:spTree>
     <p:extLst>
       <p:ext uri="{BB962C8B-B14F-4D97-AF65-F5344CB8AC3E}">
-        <p14:creationId xmlns:p14="http://schemas.microsoft.com/office/powerpoint/2010/main" val="1359330568"/>
+        <p14:creationId xmlns:p14="http://schemas.microsoft.com/office/powerpoint/2010/main" val="550282267"/>
       </p:ext>
     </p:extLst>
   </p:cSld>
@@ -2556,6 +2594,13 @@
   <p:transition>
     <p:fade/>
   </p:transition>
+  <p:timing>
+    <p:tnLst>
+      <p:par>
+        <p:cTn id="1" dur="indefinite" restart="never" nodeType="tmRoot"/>
+      </p:par>
+    </p:tnLst>
+  </p:timing>
 </p:sld>
 </file>
 
@@ -2593,7 +2638,7 @@
           <a:p>
             <a:r>
               <a:rPr lang="en-US" dirty="0" smtClean="0"/>
-              <a:t>Event Binding</a:t>
+              <a:t>$event</a:t>
             </a:r>
             <a:endParaRPr lang="en-US" dirty="0"/>
           </a:p>
@@ -2614,14 +2659,74 @@
           <a:bodyPr/>
           <a:lstStyle/>
           <a:p>
-            <a:endParaRPr lang="en-US"/>
-          </a:p>
-        </p:txBody>
-      </p:sp>
+            <a:r>
+              <a:rPr lang="en-US" dirty="0" smtClean="0"/>
+              <a:t>Send DOM event information to event handler</a:t>
+            </a:r>
+          </a:p>
+          <a:p>
+            <a:r>
+              <a:rPr lang="en-US" dirty="0" smtClean="0"/>
+              <a:t>Directives can also emit events (more later)</a:t>
+            </a:r>
+          </a:p>
+          <a:p>
+            <a:endParaRPr lang="en-US" dirty="0"/>
+          </a:p>
+        </p:txBody>
+      </p:sp>
+      <p:pic>
+        <p:nvPicPr>
+          <p:cNvPr id="4" name="Picture 3"/>
+          <p:cNvPicPr>
+            <a:picLocks noChangeAspect="1"/>
+          </p:cNvPicPr>
+          <p:nvPr/>
+        </p:nvPicPr>
+        <p:blipFill>
+          <a:blip r:embed="rId2"/>
+          <a:stretch>
+            <a:fillRect/>
+          </a:stretch>
+        </p:blipFill>
+        <p:spPr>
+          <a:xfrm>
+            <a:off x="838200" y="2819400"/>
+            <a:ext cx="4924425" cy="914400"/>
+          </a:xfrm>
+          <a:prstGeom prst="rect">
+            <a:avLst/>
+          </a:prstGeom>
+        </p:spPr>
+      </p:pic>
+      <p:pic>
+        <p:nvPicPr>
+          <p:cNvPr id="5" name="Picture 4"/>
+          <p:cNvPicPr>
+            <a:picLocks noChangeAspect="1"/>
+          </p:cNvPicPr>
+          <p:nvPr/>
+        </p:nvPicPr>
+        <p:blipFill>
+          <a:blip r:embed="rId3"/>
+          <a:stretch>
+            <a:fillRect/>
+          </a:stretch>
+        </p:blipFill>
+        <p:spPr>
+          <a:xfrm>
+            <a:off x="3581400" y="4038600"/>
+            <a:ext cx="5000625" cy="1228725"/>
+          </a:xfrm>
+          <a:prstGeom prst="rect">
+            <a:avLst/>
+          </a:prstGeom>
+        </p:spPr>
+      </p:pic>
     </p:spTree>
     <p:extLst>
       <p:ext uri="{BB962C8B-B14F-4D97-AF65-F5344CB8AC3E}">
-        <p14:creationId xmlns:p14="http://schemas.microsoft.com/office/powerpoint/2010/main" val="550282267"/>
+        <p14:creationId xmlns:p14="http://schemas.microsoft.com/office/powerpoint/2010/main" val="1938899228"/>
       </p:ext>
     </p:extLst>
   </p:cSld>
@@ -2631,6 +2736,13 @@
   <p:transition>
     <p:fade/>
   </p:transition>
+  <p:timing>
+    <p:tnLst>
+      <p:par>
+        <p:cTn id="1" dur="indefinite" restart="never" nodeType="tmRoot"/>
+      </p:par>
+    </p:tnLst>
+  </p:timing>
 </p:sld>
 </file>
 
@@ -2668,7 +2780,7 @@
           <a:p>
             <a:r>
               <a:rPr lang="en-US" dirty="0" smtClean="0"/>
-              <a:t>$event</a:t>
+              <a:t>Event Bubbling</a:t>
             </a:r>
             <a:endParaRPr lang="en-US" dirty="0"/>
           </a:p>
@@ -2689,14 +2801,37 @@
           <a:bodyPr/>
           <a:lstStyle/>
           <a:p>
-            <a:endParaRPr lang="en-US"/>
+            <a:r>
+              <a:rPr lang="en-US" dirty="0" smtClean="0"/>
+              <a:t>Many DOM events bubble upwards</a:t>
+            </a:r>
+          </a:p>
+          <a:p>
+            <a:r>
+              <a:rPr lang="en-US" dirty="0" smtClean="0"/>
+              <a:t>Return false event to stop propagation</a:t>
+            </a:r>
+          </a:p>
+          <a:p>
+            <a:pPr lvl="1"/>
+            <a:r>
+              <a:rPr lang="en-US" dirty="0" smtClean="0"/>
+              <a:t>Currently not working </a:t>
+            </a:r>
+            <a:r>
+              <a:rPr lang="en-US" dirty="0" smtClean="0">
+                <a:sym typeface="Wingdings" panose="05000000000000000000" pitchFamily="2" charset="2"/>
+              </a:rPr>
+              <a:t></a:t>
+            </a:r>
+            <a:endParaRPr lang="en-US" dirty="0"/>
           </a:p>
         </p:txBody>
       </p:sp>
     </p:spTree>
     <p:extLst>
       <p:ext uri="{BB962C8B-B14F-4D97-AF65-F5344CB8AC3E}">
-        <p14:creationId xmlns:p14="http://schemas.microsoft.com/office/powerpoint/2010/main" val="1938899228"/>
+        <p14:creationId xmlns:p14="http://schemas.microsoft.com/office/powerpoint/2010/main" val="3891972535"/>
       </p:ext>
     </p:extLst>
   </p:cSld>
@@ -2706,6 +2841,13 @@
   <p:transition>
     <p:fade/>
   </p:transition>
+  <p:timing>
+    <p:tnLst>
+      <p:par>
+        <p:cTn id="1" dur="indefinite" restart="never" nodeType="tmRoot"/>
+      </p:par>
+    </p:tnLst>
+  </p:timing>
 </p:sld>
 </file>
 
@@ -2743,7 +2885,7 @@
           <a:p>
             <a:r>
               <a:rPr lang="en-US" dirty="0" smtClean="0"/>
-              <a:t>Event Bubbling</a:t>
+              <a:t>Two Way Binding</a:t>
             </a:r>
             <a:endParaRPr lang="en-US" dirty="0"/>
           </a:p>
@@ -2771,7 +2913,7 @@
     </p:spTree>
     <p:extLst>
       <p:ext uri="{BB962C8B-B14F-4D97-AF65-F5344CB8AC3E}">
-        <p14:creationId xmlns:p14="http://schemas.microsoft.com/office/powerpoint/2010/main" val="3891972535"/>
+        <p14:creationId xmlns:p14="http://schemas.microsoft.com/office/powerpoint/2010/main" val="3930046567"/>
       </p:ext>
     </p:extLst>
   </p:cSld>
@@ -2781,6 +2923,13 @@
   <p:transition>
     <p:fade/>
   </p:transition>
+  <p:timing>
+    <p:tnLst>
+      <p:par>
+        <p:cTn id="1" dur="indefinite" restart="never" nodeType="tmRoot"/>
+      </p:par>
+    </p:tnLst>
+  </p:timing>
 </p:sld>
 </file>
 
@@ -2817,8 +2966,8 @@
           <a:lstStyle/>
           <a:p>
             <a:r>
-              <a:rPr lang="en-US" dirty="0" smtClean="0"/>
-              <a:t>Two Way Binding</a:t>
+              <a:rPr lang="en-US" dirty="0" err="1" smtClean="0"/>
+              <a:t>NgIf</a:t>
             </a:r>
             <a:endParaRPr lang="en-US" dirty="0"/>
           </a:p>
@@ -2846,7 +2995,7 @@
     </p:spTree>
     <p:extLst>
       <p:ext uri="{BB962C8B-B14F-4D97-AF65-F5344CB8AC3E}">
-        <p14:creationId xmlns:p14="http://schemas.microsoft.com/office/powerpoint/2010/main" val="3930046567"/>
+        <p14:creationId xmlns:p14="http://schemas.microsoft.com/office/powerpoint/2010/main" val="2194562411"/>
       </p:ext>
     </p:extLst>
   </p:cSld>
@@ -2856,6 +3005,13 @@
   <p:transition>
     <p:fade/>
   </p:transition>
+  <p:timing>
+    <p:tnLst>
+      <p:par>
+        <p:cTn id="1" dur="indefinite" restart="never" nodeType="tmRoot"/>
+      </p:par>
+    </p:tnLst>
+  </p:timing>
 </p:sld>
 </file>
 
@@ -2893,7 +3049,7 @@
           <a:p>
             <a:r>
               <a:rPr lang="en-US" dirty="0" err="1" smtClean="0"/>
-              <a:t>NgIf</a:t>
+              <a:t>NgSwitch</a:t>
             </a:r>
             <a:endParaRPr lang="en-US" dirty="0"/>
           </a:p>
@@ -2921,7 +3077,7 @@
     </p:spTree>
     <p:extLst>
       <p:ext uri="{BB962C8B-B14F-4D97-AF65-F5344CB8AC3E}">
-        <p14:creationId xmlns:p14="http://schemas.microsoft.com/office/powerpoint/2010/main" val="2194562411"/>
+        <p14:creationId xmlns:p14="http://schemas.microsoft.com/office/powerpoint/2010/main" val="1018361556"/>
       </p:ext>
     </p:extLst>
   </p:cSld>
@@ -2968,7 +3124,7 @@
           <a:p>
             <a:r>
               <a:rPr lang="en-US" dirty="0" err="1" smtClean="0"/>
-              <a:t>NgSwitch</a:t>
+              <a:t>NgFor</a:t>
             </a:r>
             <a:endParaRPr lang="en-US" dirty="0"/>
           </a:p>
@@ -2996,7 +3152,7 @@
     </p:spTree>
     <p:extLst>
       <p:ext uri="{BB962C8B-B14F-4D97-AF65-F5344CB8AC3E}">
-        <p14:creationId xmlns:p14="http://schemas.microsoft.com/office/powerpoint/2010/main" val="1018361556"/>
+        <p14:creationId xmlns:p14="http://schemas.microsoft.com/office/powerpoint/2010/main" val="1714634696"/>
       </p:ext>
     </p:extLst>
   </p:cSld>
@@ -3042,8 +3198,8 @@
           <a:lstStyle/>
           <a:p>
             <a:r>
-              <a:rPr lang="en-US" dirty="0" err="1" smtClean="0"/>
-              <a:t>NgFor</a:t>
+              <a:rPr lang="en-US" dirty="0" smtClean="0"/>
+              <a:t>Templates and Directives</a:t>
             </a:r>
             <a:endParaRPr lang="en-US" dirty="0"/>
           </a:p>
@@ -3064,14 +3220,18 @@
           <a:bodyPr/>
           <a:lstStyle/>
           <a:p>
-            <a:endParaRPr lang="en-US"/>
+            <a:r>
+              <a:rPr lang="en-US" dirty="0" smtClean="0"/>
+              <a:t>* syntax</a:t>
+            </a:r>
+            <a:endParaRPr lang="en-US" dirty="0"/>
           </a:p>
         </p:txBody>
       </p:sp>
     </p:spTree>
     <p:extLst>
       <p:ext uri="{BB962C8B-B14F-4D97-AF65-F5344CB8AC3E}">
-        <p14:creationId xmlns:p14="http://schemas.microsoft.com/office/powerpoint/2010/main" val="1714634696"/>
+        <p14:creationId xmlns:p14="http://schemas.microsoft.com/office/powerpoint/2010/main" val="2042164005"/>
       </p:ext>
     </p:extLst>
   </p:cSld>
@@ -3118,7 +3278,7 @@
           <a:p>
             <a:r>
               <a:rPr lang="en-US" dirty="0" smtClean="0"/>
-              <a:t>Templates and Directives</a:t>
+              <a:t>Template Variables</a:t>
             </a:r>
             <a:endParaRPr lang="en-US" dirty="0"/>
           </a:p>
@@ -3139,18 +3299,14 @@
           <a:bodyPr/>
           <a:lstStyle/>
           <a:p>
-            <a:r>
-              <a:rPr lang="en-US" dirty="0" smtClean="0"/>
-              <a:t>* syntax</a:t>
-            </a:r>
-            <a:endParaRPr lang="en-US" dirty="0"/>
+            <a:endParaRPr lang="en-US"/>
           </a:p>
         </p:txBody>
       </p:sp>
     </p:spTree>
     <p:extLst>
       <p:ext uri="{BB962C8B-B14F-4D97-AF65-F5344CB8AC3E}">
-        <p14:creationId xmlns:p14="http://schemas.microsoft.com/office/powerpoint/2010/main" val="2042164005"/>
+        <p14:creationId xmlns:p14="http://schemas.microsoft.com/office/powerpoint/2010/main" val="2205769234"/>
       </p:ext>
     </p:extLst>
   </p:cSld>
@@ -3197,7 +3353,7 @@
           <a:p>
             <a:r>
               <a:rPr lang="en-US" dirty="0" smtClean="0"/>
-              <a:t>Template Variables</a:t>
+              <a:t>Null Conditional (Elvis) Operators</a:t>
             </a:r>
             <a:endParaRPr lang="en-US" dirty="0"/>
           </a:p>
@@ -3225,7 +3381,7 @@
     </p:spTree>
     <p:extLst>
       <p:ext uri="{BB962C8B-B14F-4D97-AF65-F5344CB8AC3E}">
-        <p14:creationId xmlns:p14="http://schemas.microsoft.com/office/powerpoint/2010/main" val="2205769234"/>
+        <p14:creationId xmlns:p14="http://schemas.microsoft.com/office/powerpoint/2010/main" val="1817446445"/>
       </p:ext>
     </p:extLst>
   </p:cSld>
@@ -3280,20 +3436,469 @@
       </p:sp>
       <p:sp>
         <p:nvSpPr>
-          <p:cNvPr id="3" name="Text Placeholder 2"/>
-          <p:cNvSpPr>
-            <a:spLocks noGrp="1"/>
+          <p:cNvPr id="4" name="Text Placeholder 2"/>
+          <p:cNvSpPr txBox="1">
+            <a:spLocks/>
           </p:cNvSpPr>
-          <p:nvPr>
-            <p:ph type="body" idx="1"/>
-          </p:nvPr>
-        </p:nvSpPr>
-        <p:spPr/>
-        <p:txBody>
-          <a:bodyPr/>
+          <p:nvPr/>
+        </p:nvSpPr>
+        <p:spPr bwMode="auto">
+          <a:xfrm>
+            <a:off x="457200" y="1447800"/>
+            <a:ext cx="8229600" cy="4495800"/>
+          </a:xfrm>
+          <a:prstGeom prst="rect">
+            <a:avLst/>
+          </a:prstGeom>
+          <a:noFill/>
+          <a:ln w="9525">
+            <a:noFill/>
+            <a:miter lim="800000"/>
+            <a:headEnd/>
+            <a:tailEnd/>
+          </a:ln>
+        </p:spPr>
+        <p:txBody>
+          <a:bodyPr vert="horz" wrap="square" lIns="91440" tIns="45720" rIns="91440" bIns="45720" numCol="1" rtlCol="0" anchor="t" anchorCtr="0" compatLnSpc="1">
+            <a:prstTxWarp prst="textNoShape">
+              <a:avLst/>
+            </a:prstTxWarp>
+          </a:bodyPr>
+          <a:lstStyle>
+            <a:lvl1pPr marL="342900" indent="-342900" algn="l" defTabSz="-13873163" rtl="0" eaLnBrk="1" fontAlgn="base" hangingPunct="1">
+              <a:spcBef>
+                <a:spcPct val="20000"/>
+              </a:spcBef>
+              <a:spcAft>
+                <a:spcPct val="0"/>
+              </a:spcAft>
+              <a:buClrTx/>
+              <a:buFont typeface="Wingdings" pitchFamily="2" charset="2"/>
+              <a:buChar char="§"/>
+              <a:defRPr sz="2000" b="1">
+                <a:solidFill>
+                  <a:schemeClr val="tx1"/>
+                </a:solidFill>
+                <a:latin typeface="Myriad Pro Light" pitchFamily="34" charset="0"/>
+                <a:ea typeface="+mn-ea"/>
+                <a:cs typeface="Segoe UI" pitchFamily="34" charset="0"/>
+              </a:defRPr>
+            </a:lvl1pPr>
+            <a:lvl2pPr marL="742950" indent="-285750" algn="l" defTabSz="-13873163" rtl="0" eaLnBrk="1" fontAlgn="base" hangingPunct="1">
+              <a:spcBef>
+                <a:spcPct val="20000"/>
+              </a:spcBef>
+              <a:spcAft>
+                <a:spcPct val="0"/>
+              </a:spcAft>
+              <a:buClrTx/>
+              <a:buSzPct val="50000"/>
+              <a:buFont typeface="Wingdings" pitchFamily="2" charset="2"/>
+              <a:buChar char="o"/>
+              <a:defRPr sz="1800" b="0">
+                <a:solidFill>
+                  <a:schemeClr val="tx1"/>
+                </a:solidFill>
+                <a:latin typeface="Myriad Pro" pitchFamily="34" charset="0"/>
+                <a:cs typeface="Segoe UI" pitchFamily="34" charset="0"/>
+              </a:defRPr>
+            </a:lvl2pPr>
+            <a:lvl3pPr marL="1143000" indent="-228600" algn="l" defTabSz="-13873163" rtl="0" eaLnBrk="1" fontAlgn="base" hangingPunct="1">
+              <a:spcBef>
+                <a:spcPct val="20000"/>
+              </a:spcBef>
+              <a:spcAft>
+                <a:spcPct val="0"/>
+              </a:spcAft>
+              <a:buClrTx/>
+              <a:buSzPct val="50000"/>
+              <a:buFont typeface="Wingdings" pitchFamily="2" charset="2"/>
+              <a:buChar char="o"/>
+              <a:defRPr sz="1600" b="0">
+                <a:solidFill>
+                  <a:schemeClr val="tx1"/>
+                </a:solidFill>
+                <a:latin typeface="Myriad Pro" pitchFamily="34" charset="0"/>
+                <a:cs typeface="Segoe UI" pitchFamily="34" charset="0"/>
+              </a:defRPr>
+            </a:lvl3pPr>
+            <a:lvl4pPr marL="1600200" indent="-228600" algn="l" defTabSz="-13873163" rtl="0" eaLnBrk="1" fontAlgn="base" hangingPunct="1">
+              <a:spcBef>
+                <a:spcPct val="20000"/>
+              </a:spcBef>
+              <a:spcAft>
+                <a:spcPct val="0"/>
+              </a:spcAft>
+              <a:buClrTx/>
+              <a:buSzPct val="50000"/>
+              <a:buFont typeface="Wingdings" pitchFamily="2" charset="2"/>
+              <a:buChar char="o"/>
+              <a:defRPr sz="1400" b="0">
+                <a:solidFill>
+                  <a:schemeClr val="tx1"/>
+                </a:solidFill>
+                <a:latin typeface="Myriad Pro" pitchFamily="34" charset="0"/>
+                <a:cs typeface="Segoe UI" pitchFamily="34" charset="0"/>
+              </a:defRPr>
+            </a:lvl4pPr>
+            <a:lvl5pPr marL="2057400" indent="-228600" algn="l" defTabSz="-13873163" rtl="0" eaLnBrk="1" fontAlgn="base" hangingPunct="1">
+              <a:spcBef>
+                <a:spcPct val="20000"/>
+              </a:spcBef>
+              <a:spcAft>
+                <a:spcPct val="0"/>
+              </a:spcAft>
+              <a:buClrTx/>
+              <a:buSzPct val="50000"/>
+              <a:buFont typeface="Wingdings" pitchFamily="2" charset="2"/>
+              <a:buChar char="o"/>
+              <a:defRPr sz="1200" b="0">
+                <a:solidFill>
+                  <a:schemeClr val="tx1"/>
+                </a:solidFill>
+                <a:latin typeface="Myriad Pro" pitchFamily="34" charset="0"/>
+                <a:cs typeface="Segoe UI" pitchFamily="34" charset="0"/>
+              </a:defRPr>
+            </a:lvl5pPr>
+            <a:lvl6pPr marL="2514600" indent="-228600" algn="l" eaLnBrk="1" fontAlgn="base" hangingPunct="1">
+              <a:spcBef>
+                <a:spcPct val="20000"/>
+              </a:spcBef>
+              <a:spcAft>
+                <a:spcPct val="0"/>
+              </a:spcAft>
+              <a:buClr>
+                <a:schemeClr val="accent1">
+                  <a:alpha val="100000"/>
+                </a:schemeClr>
+              </a:buClr>
+              <a:buFont typeface="Wingdings"/>
+              <a:buChar char=""/>
+              <a:defRPr sz="1400" b="1">
+                <a:solidFill>
+                  <a:schemeClr val="tx1">
+                    <a:alpha val="100000"/>
+                  </a:schemeClr>
+                </a:solidFill>
+                <a:latin typeface="+mn-lt"/>
+              </a:defRPr>
+            </a:lvl6pPr>
+            <a:lvl7pPr marL="2971800" indent="-228600" algn="l" eaLnBrk="1" fontAlgn="base" hangingPunct="1">
+              <a:spcBef>
+                <a:spcPct val="20000"/>
+              </a:spcBef>
+              <a:spcAft>
+                <a:spcPct val="0"/>
+              </a:spcAft>
+              <a:buClr>
+                <a:schemeClr val="accent1">
+                  <a:alpha val="100000"/>
+                </a:schemeClr>
+              </a:buClr>
+              <a:buFont typeface="Wingdings"/>
+              <a:buChar char=""/>
+              <a:defRPr sz="1400" b="1">
+                <a:solidFill>
+                  <a:schemeClr val="tx1">
+                    <a:alpha val="100000"/>
+                  </a:schemeClr>
+                </a:solidFill>
+                <a:latin typeface="+mn-lt"/>
+              </a:defRPr>
+            </a:lvl7pPr>
+            <a:lvl8pPr marL="3429000" indent="-228600" algn="l" eaLnBrk="1" fontAlgn="base" hangingPunct="1">
+              <a:spcBef>
+                <a:spcPct val="20000"/>
+              </a:spcBef>
+              <a:spcAft>
+                <a:spcPct val="0"/>
+              </a:spcAft>
+              <a:buClr>
+                <a:schemeClr val="accent1">
+                  <a:alpha val="100000"/>
+                </a:schemeClr>
+              </a:buClr>
+              <a:buFont typeface="Wingdings"/>
+              <a:buChar char=""/>
+              <a:defRPr sz="1400" b="1">
+                <a:solidFill>
+                  <a:schemeClr val="tx1">
+                    <a:alpha val="100000"/>
+                  </a:schemeClr>
+                </a:solidFill>
+                <a:latin typeface="+mn-lt"/>
+              </a:defRPr>
+            </a:lvl8pPr>
+            <a:lvl9pPr marL="3886200" indent="-228600" algn="l" eaLnBrk="1" fontAlgn="base" hangingPunct="1">
+              <a:spcBef>
+                <a:spcPct val="20000"/>
+              </a:spcBef>
+              <a:spcAft>
+                <a:spcPct val="0"/>
+              </a:spcAft>
+              <a:buClr>
+                <a:schemeClr val="accent1">
+                  <a:alpha val="100000"/>
+                </a:schemeClr>
+              </a:buClr>
+              <a:buFont typeface="Wingdings"/>
+              <a:buChar char=""/>
+              <a:defRPr sz="1400" b="1">
+                <a:solidFill>
+                  <a:schemeClr val="tx1">
+                    <a:alpha val="100000"/>
+                  </a:schemeClr>
+                </a:solidFill>
+                <a:latin typeface="+mn-lt"/>
+              </a:defRPr>
+            </a:lvl9pPr>
+          </a:lstStyle>
+          <a:p>
+            <a:r>
+              <a:rPr lang="en-US" kern="0" smtClean="0"/>
+              <a:t>Components</a:t>
+            </a:r>
+          </a:p>
+          <a:p>
+            <a:pPr lvl="1"/>
+            <a:r>
+              <a:rPr lang="en-US" kern="0" smtClean="0"/>
+              <a:t>No direct DOM manipulation</a:t>
+            </a:r>
+          </a:p>
+          <a:p>
+            <a:r>
+              <a:rPr lang="en-US" kern="0" smtClean="0"/>
+              <a:t>Templates</a:t>
+            </a:r>
+          </a:p>
+          <a:p>
+            <a:pPr lvl="1"/>
+            <a:r>
+              <a:rPr lang="en-US" kern="0" smtClean="0"/>
+              <a:t>No serious model manipulation</a:t>
+            </a:r>
+            <a:endParaRPr lang="en-US" kern="0" dirty="0"/>
+          </a:p>
+        </p:txBody>
+      </p:sp>
+      <p:sp>
+        <p:nvSpPr>
+          <p:cNvPr id="5" name="Rectangle 4"/>
+          <p:cNvSpPr/>
+          <p:nvPr/>
+        </p:nvSpPr>
+        <p:spPr bwMode="auto">
+          <a:xfrm>
+            <a:off x="5535930" y="1371600"/>
+            <a:ext cx="2819400" cy="990600"/>
+          </a:xfrm>
+          <a:prstGeom prst="rect">
+            <a:avLst/>
+          </a:prstGeom>
+          <a:ln>
+            <a:headEnd/>
+            <a:tailEnd/>
+          </a:ln>
+        </p:spPr>
+        <p:style>
+          <a:lnRef idx="2">
+            <a:schemeClr val="accent2">
+              <a:shade val="50000"/>
+            </a:schemeClr>
+          </a:lnRef>
+          <a:fillRef idx="1">
+            <a:schemeClr val="accent2"/>
+          </a:fillRef>
+          <a:effectRef idx="0">
+            <a:schemeClr val="accent2"/>
+          </a:effectRef>
+          <a:fontRef idx="minor">
+            <a:schemeClr val="lt1"/>
+          </a:fontRef>
+        </p:style>
+        <p:txBody>
+          <a:bodyPr wrap="none" rtlCol="0" anchor="ctr"/>
           <a:lstStyle/>
           <a:p>
-            <a:endParaRPr lang="en-US"/>
+            <a:pPr algn="ctr"/>
+            <a:r>
+              <a:rPr lang="en-US" sz="2000" dirty="0" smtClean="0">
+                <a:solidFill>
+                  <a:schemeClr val="tx1"/>
+                </a:solidFill>
+                <a:latin typeface="Tekton Pro" pitchFamily="34" charset="0"/>
+              </a:rPr>
+              <a:t>&lt;template&gt;</a:t>
+            </a:r>
+            <a:endParaRPr lang="en-US" sz="2000" dirty="0">
+              <a:solidFill>
+                <a:schemeClr val="tx1"/>
+              </a:solidFill>
+              <a:latin typeface="Tekton Pro" pitchFamily="34" charset="0"/>
+            </a:endParaRPr>
+          </a:p>
+        </p:txBody>
+      </p:sp>
+      <p:sp>
+        <p:nvSpPr>
+          <p:cNvPr id="6" name="Rectangle 5"/>
+          <p:cNvSpPr/>
+          <p:nvPr/>
+        </p:nvSpPr>
+        <p:spPr bwMode="auto">
+          <a:xfrm>
+            <a:off x="5535930" y="4648200"/>
+            <a:ext cx="2819400" cy="1143000"/>
+          </a:xfrm>
+          <a:prstGeom prst="rect">
+            <a:avLst/>
+          </a:prstGeom>
+          <a:ln>
+            <a:headEnd/>
+            <a:tailEnd/>
+          </a:ln>
+        </p:spPr>
+        <p:style>
+          <a:lnRef idx="2">
+            <a:schemeClr val="accent2">
+              <a:shade val="50000"/>
+            </a:schemeClr>
+          </a:lnRef>
+          <a:fillRef idx="1">
+            <a:schemeClr val="accent2"/>
+          </a:fillRef>
+          <a:effectRef idx="0">
+            <a:schemeClr val="accent2"/>
+          </a:effectRef>
+          <a:fontRef idx="minor">
+            <a:schemeClr val="lt1"/>
+          </a:fontRef>
+        </p:style>
+        <p:txBody>
+          <a:bodyPr wrap="none" rtlCol="0" anchor="ctr"/>
+          <a:lstStyle/>
+          <a:p>
+            <a:pPr algn="ctr"/>
+            <a:r>
+              <a:rPr lang="en-US" sz="2000" dirty="0" smtClean="0">
+                <a:solidFill>
+                  <a:schemeClr val="tx1"/>
+                </a:solidFill>
+                <a:latin typeface="Tekton Pro" pitchFamily="34" charset="0"/>
+              </a:rPr>
+              <a:t>@Component</a:t>
+            </a:r>
+            <a:endParaRPr lang="en-US" sz="2000" dirty="0">
+              <a:solidFill>
+                <a:schemeClr val="tx1"/>
+              </a:solidFill>
+              <a:latin typeface="Tekton Pro" pitchFamily="34" charset="0"/>
+            </a:endParaRPr>
+          </a:p>
+        </p:txBody>
+      </p:sp>
+      <p:sp>
+        <p:nvSpPr>
+          <p:cNvPr id="7" name="Up Arrow 6"/>
+          <p:cNvSpPr/>
+          <p:nvPr/>
+        </p:nvSpPr>
+        <p:spPr bwMode="auto">
+          <a:xfrm>
+            <a:off x="5543550" y="2171700"/>
+            <a:ext cx="914400" cy="2667000"/>
+          </a:xfrm>
+          <a:prstGeom prst="upArrow">
+            <a:avLst/>
+          </a:prstGeom>
+          <a:ln>
+            <a:headEnd/>
+            <a:tailEnd/>
+          </a:ln>
+        </p:spPr>
+        <p:style>
+          <a:lnRef idx="2">
+            <a:schemeClr val="accent6">
+              <a:shade val="50000"/>
+            </a:schemeClr>
+          </a:lnRef>
+          <a:fillRef idx="1">
+            <a:schemeClr val="accent6"/>
+          </a:fillRef>
+          <a:effectRef idx="0">
+            <a:schemeClr val="accent6"/>
+          </a:effectRef>
+          <a:fontRef idx="minor">
+            <a:schemeClr val="lt1"/>
+          </a:fontRef>
+        </p:style>
+        <p:txBody>
+          <a:bodyPr vert="vert" wrap="none" rtlCol="0" anchor="ctr"/>
+          <a:lstStyle/>
+          <a:p>
+            <a:pPr algn="ctr"/>
+            <a:r>
+              <a:rPr lang="en-US" sz="2000" dirty="0" smtClean="0">
+                <a:latin typeface="Tekton Pro" pitchFamily="34" charset="0"/>
+              </a:rPr>
+              <a:t>properties</a:t>
+            </a:r>
+            <a:endParaRPr lang="en-US" sz="2000" dirty="0">
+              <a:latin typeface="Tekton Pro" pitchFamily="34" charset="0"/>
+            </a:endParaRPr>
+          </a:p>
+        </p:txBody>
+      </p:sp>
+      <p:sp>
+        <p:nvSpPr>
+          <p:cNvPr id="8" name="Up Arrow 7"/>
+          <p:cNvSpPr/>
+          <p:nvPr/>
+        </p:nvSpPr>
+        <p:spPr bwMode="auto">
+          <a:xfrm rot="10800000">
+            <a:off x="7463790" y="2209800"/>
+            <a:ext cx="914400" cy="2667000"/>
+          </a:xfrm>
+          <a:prstGeom prst="upArrow">
+            <a:avLst/>
+          </a:prstGeom>
+          <a:ln>
+            <a:headEnd/>
+            <a:tailEnd/>
+          </a:ln>
+        </p:spPr>
+        <p:style>
+          <a:lnRef idx="2">
+            <a:schemeClr val="accent6">
+              <a:shade val="50000"/>
+            </a:schemeClr>
+          </a:lnRef>
+          <a:fillRef idx="1">
+            <a:schemeClr val="accent6"/>
+          </a:fillRef>
+          <a:effectRef idx="0">
+            <a:schemeClr val="accent6"/>
+          </a:effectRef>
+          <a:fontRef idx="minor">
+            <a:schemeClr val="lt1"/>
+          </a:fontRef>
+        </p:style>
+        <p:txBody>
+          <a:bodyPr vert="vert270" wrap="none" rtlCol="0" anchor="ctr"/>
+          <a:lstStyle/>
+          <a:p>
+            <a:pPr algn="ctr"/>
+            <a:r>
+              <a:rPr lang="en-US" sz="2000" dirty="0" smtClean="0">
+                <a:latin typeface="Tekton Pro" pitchFamily="34" charset="0"/>
+              </a:rPr>
+              <a:t>events</a:t>
+            </a:r>
+            <a:endParaRPr lang="en-US" sz="2000" dirty="0">
+              <a:latin typeface="Tekton Pro" pitchFamily="34" charset="0"/>
+            </a:endParaRPr>
           </a:p>
         </p:txBody>
       </p:sp>
@@ -3310,6 +3915,462 @@
   <p:transition>
     <p:fade/>
   </p:transition>
+  <p:timing>
+    <p:tnLst>
+      <p:par>
+        <p:cTn id="1" dur="indefinite" restart="never" nodeType="tmRoot">
+          <p:childTnLst>
+            <p:seq concurrent="1" nextAc="seek">
+              <p:cTn id="2" dur="indefinite" nodeType="mainSeq">
+                <p:childTnLst>
+                  <p:par>
+                    <p:cTn id="3" fill="hold">
+                      <p:stCondLst>
+                        <p:cond delay="indefinite"/>
+                      </p:stCondLst>
+                      <p:childTnLst>
+                        <p:par>
+                          <p:cTn id="4" fill="hold">
+                            <p:stCondLst>
+                              <p:cond delay="0"/>
+                            </p:stCondLst>
+                            <p:childTnLst>
+                              <p:par>
+                                <p:cTn id="5" presetID="10" presetClass="entr" presetSubtype="0" fill="hold" nodeType="clickEffect">
+                                  <p:stCondLst>
+                                    <p:cond delay="0"/>
+                                  </p:stCondLst>
+                                  <p:childTnLst>
+                                    <p:set>
+                                      <p:cBhvr>
+                                        <p:cTn id="6" dur="1" fill="hold">
+                                          <p:stCondLst>
+                                            <p:cond delay="0"/>
+                                          </p:stCondLst>
+                                        </p:cTn>
+                                        <p:tgtEl>
+                                          <p:spTgt spid="4">
+                                            <p:txEl>
+                                              <p:pRg st="0" end="0"/>
+                                            </p:txEl>
+                                          </p:spTgt>
+                                        </p:tgtEl>
+                                        <p:attrNameLst>
+                                          <p:attrName>style.visibility</p:attrName>
+                                        </p:attrNameLst>
+                                      </p:cBhvr>
+                                      <p:to>
+                                        <p:strVal val="visible"/>
+                                      </p:to>
+                                    </p:set>
+                                    <p:animEffect transition="in" filter="fade">
+                                      <p:cBhvr>
+                                        <p:cTn id="7" dur="500"/>
+                                        <p:tgtEl>
+                                          <p:spTgt spid="4">
+                                            <p:txEl>
+                                              <p:pRg st="0" end="0"/>
+                                            </p:txEl>
+                                          </p:spTgt>
+                                        </p:tgtEl>
+                                      </p:cBhvr>
+                                    </p:animEffect>
+                                  </p:childTnLst>
+                                </p:cTn>
+                              </p:par>
+                              <p:par>
+                                <p:cTn id="8" presetID="10" presetClass="entr" presetSubtype="0" fill="hold" nodeType="withEffect">
+                                  <p:stCondLst>
+                                    <p:cond delay="0"/>
+                                  </p:stCondLst>
+                                  <p:childTnLst>
+                                    <p:set>
+                                      <p:cBhvr>
+                                        <p:cTn id="9" dur="1" fill="hold">
+                                          <p:stCondLst>
+                                            <p:cond delay="0"/>
+                                          </p:stCondLst>
+                                        </p:cTn>
+                                        <p:tgtEl>
+                                          <p:spTgt spid="4">
+                                            <p:txEl>
+                                              <p:pRg st="1" end="1"/>
+                                            </p:txEl>
+                                          </p:spTgt>
+                                        </p:tgtEl>
+                                        <p:attrNameLst>
+                                          <p:attrName>style.visibility</p:attrName>
+                                        </p:attrNameLst>
+                                      </p:cBhvr>
+                                      <p:to>
+                                        <p:strVal val="visible"/>
+                                      </p:to>
+                                    </p:set>
+                                    <p:animEffect transition="in" filter="fade">
+                                      <p:cBhvr>
+                                        <p:cTn id="10" dur="500"/>
+                                        <p:tgtEl>
+                                          <p:spTgt spid="4">
+                                            <p:txEl>
+                                              <p:pRg st="1" end="1"/>
+                                            </p:txEl>
+                                          </p:spTgt>
+                                        </p:tgtEl>
+                                      </p:cBhvr>
+                                    </p:animEffect>
+                                  </p:childTnLst>
+                                </p:cTn>
+                              </p:par>
+                            </p:childTnLst>
+                          </p:cTn>
+                        </p:par>
+                      </p:childTnLst>
+                    </p:cTn>
+                  </p:par>
+                  <p:par>
+                    <p:cTn id="11" fill="hold">
+                      <p:stCondLst>
+                        <p:cond delay="indefinite"/>
+                      </p:stCondLst>
+                      <p:childTnLst>
+                        <p:par>
+                          <p:cTn id="12" fill="hold">
+                            <p:stCondLst>
+                              <p:cond delay="0"/>
+                            </p:stCondLst>
+                            <p:childTnLst>
+                              <p:par>
+                                <p:cTn id="13" presetID="10" presetClass="entr" presetSubtype="0" fill="hold" grpId="0" nodeType="clickEffect">
+                                  <p:stCondLst>
+                                    <p:cond delay="0"/>
+                                  </p:stCondLst>
+                                  <p:childTnLst>
+                                    <p:set>
+                                      <p:cBhvr>
+                                        <p:cTn id="14" dur="1" fill="hold">
+                                          <p:stCondLst>
+                                            <p:cond delay="0"/>
+                                          </p:stCondLst>
+                                        </p:cTn>
+                                        <p:tgtEl>
+                                          <p:spTgt spid="6"/>
+                                        </p:tgtEl>
+                                        <p:attrNameLst>
+                                          <p:attrName>style.visibility</p:attrName>
+                                        </p:attrNameLst>
+                                      </p:cBhvr>
+                                      <p:to>
+                                        <p:strVal val="visible"/>
+                                      </p:to>
+                                    </p:set>
+                                    <p:animEffect transition="in" filter="fade">
+                                      <p:cBhvr>
+                                        <p:cTn id="15" dur="500"/>
+                                        <p:tgtEl>
+                                          <p:spTgt spid="6"/>
+                                        </p:tgtEl>
+                                      </p:cBhvr>
+                                    </p:animEffect>
+                                  </p:childTnLst>
+                                </p:cTn>
+                              </p:par>
+                            </p:childTnLst>
+                          </p:cTn>
+                        </p:par>
+                      </p:childTnLst>
+                    </p:cTn>
+                  </p:par>
+                  <p:par>
+                    <p:cTn id="16" fill="hold">
+                      <p:stCondLst>
+                        <p:cond delay="indefinite"/>
+                      </p:stCondLst>
+                      <p:childTnLst>
+                        <p:par>
+                          <p:cTn id="17" fill="hold">
+                            <p:stCondLst>
+                              <p:cond delay="0"/>
+                            </p:stCondLst>
+                            <p:childTnLst>
+                              <p:par>
+                                <p:cTn id="18" presetID="10" presetClass="entr" presetSubtype="0" fill="hold" nodeType="clickEffect">
+                                  <p:stCondLst>
+                                    <p:cond delay="0"/>
+                                  </p:stCondLst>
+                                  <p:childTnLst>
+                                    <p:set>
+                                      <p:cBhvr>
+                                        <p:cTn id="19" dur="1" fill="hold">
+                                          <p:stCondLst>
+                                            <p:cond delay="0"/>
+                                          </p:stCondLst>
+                                        </p:cTn>
+                                        <p:tgtEl>
+                                          <p:spTgt spid="4">
+                                            <p:txEl>
+                                              <p:pRg st="2" end="2"/>
+                                            </p:txEl>
+                                          </p:spTgt>
+                                        </p:tgtEl>
+                                        <p:attrNameLst>
+                                          <p:attrName>style.visibility</p:attrName>
+                                        </p:attrNameLst>
+                                      </p:cBhvr>
+                                      <p:to>
+                                        <p:strVal val="visible"/>
+                                      </p:to>
+                                    </p:set>
+                                    <p:animEffect transition="in" filter="fade">
+                                      <p:cBhvr>
+                                        <p:cTn id="20" dur="500"/>
+                                        <p:tgtEl>
+                                          <p:spTgt spid="4">
+                                            <p:txEl>
+                                              <p:pRg st="2" end="2"/>
+                                            </p:txEl>
+                                          </p:spTgt>
+                                        </p:tgtEl>
+                                      </p:cBhvr>
+                                    </p:animEffect>
+                                  </p:childTnLst>
+                                </p:cTn>
+                              </p:par>
+                              <p:par>
+                                <p:cTn id="21" presetID="10" presetClass="entr" presetSubtype="0" fill="hold" nodeType="withEffect">
+                                  <p:stCondLst>
+                                    <p:cond delay="0"/>
+                                  </p:stCondLst>
+                                  <p:childTnLst>
+                                    <p:set>
+                                      <p:cBhvr>
+                                        <p:cTn id="22" dur="1" fill="hold">
+                                          <p:stCondLst>
+                                            <p:cond delay="0"/>
+                                          </p:stCondLst>
+                                        </p:cTn>
+                                        <p:tgtEl>
+                                          <p:spTgt spid="4">
+                                            <p:txEl>
+                                              <p:pRg st="3" end="3"/>
+                                            </p:txEl>
+                                          </p:spTgt>
+                                        </p:tgtEl>
+                                        <p:attrNameLst>
+                                          <p:attrName>style.visibility</p:attrName>
+                                        </p:attrNameLst>
+                                      </p:cBhvr>
+                                      <p:to>
+                                        <p:strVal val="visible"/>
+                                      </p:to>
+                                    </p:set>
+                                    <p:animEffect transition="in" filter="fade">
+                                      <p:cBhvr>
+                                        <p:cTn id="23" dur="500"/>
+                                        <p:tgtEl>
+                                          <p:spTgt spid="4">
+                                            <p:txEl>
+                                              <p:pRg st="3" end="3"/>
+                                            </p:txEl>
+                                          </p:spTgt>
+                                        </p:tgtEl>
+                                      </p:cBhvr>
+                                    </p:animEffect>
+                                  </p:childTnLst>
+                                </p:cTn>
+                              </p:par>
+                            </p:childTnLst>
+                          </p:cTn>
+                        </p:par>
+                      </p:childTnLst>
+                    </p:cTn>
+                  </p:par>
+                  <p:par>
+                    <p:cTn id="24" fill="hold">
+                      <p:stCondLst>
+                        <p:cond delay="indefinite"/>
+                      </p:stCondLst>
+                      <p:childTnLst>
+                        <p:par>
+                          <p:cTn id="25" fill="hold">
+                            <p:stCondLst>
+                              <p:cond delay="0"/>
+                            </p:stCondLst>
+                            <p:childTnLst>
+                              <p:par>
+                                <p:cTn id="26" presetID="10" presetClass="entr" presetSubtype="0" fill="hold" grpId="0" nodeType="clickEffect">
+                                  <p:stCondLst>
+                                    <p:cond delay="0"/>
+                                  </p:stCondLst>
+                                  <p:childTnLst>
+                                    <p:set>
+                                      <p:cBhvr>
+                                        <p:cTn id="27" dur="1" fill="hold">
+                                          <p:stCondLst>
+                                            <p:cond delay="0"/>
+                                          </p:stCondLst>
+                                        </p:cTn>
+                                        <p:tgtEl>
+                                          <p:spTgt spid="5"/>
+                                        </p:tgtEl>
+                                        <p:attrNameLst>
+                                          <p:attrName>style.visibility</p:attrName>
+                                        </p:attrNameLst>
+                                      </p:cBhvr>
+                                      <p:to>
+                                        <p:strVal val="visible"/>
+                                      </p:to>
+                                    </p:set>
+                                    <p:animEffect transition="in" filter="fade">
+                                      <p:cBhvr>
+                                        <p:cTn id="28" dur="500"/>
+                                        <p:tgtEl>
+                                          <p:spTgt spid="5"/>
+                                        </p:tgtEl>
+                                      </p:cBhvr>
+                                    </p:animEffect>
+                                  </p:childTnLst>
+                                </p:cTn>
+                              </p:par>
+                            </p:childTnLst>
+                          </p:cTn>
+                        </p:par>
+                      </p:childTnLst>
+                    </p:cTn>
+                  </p:par>
+                  <p:par>
+                    <p:cTn id="29" fill="hold">
+                      <p:stCondLst>
+                        <p:cond delay="indefinite"/>
+                      </p:stCondLst>
+                      <p:childTnLst>
+                        <p:par>
+                          <p:cTn id="30" fill="hold">
+                            <p:stCondLst>
+                              <p:cond delay="0"/>
+                            </p:stCondLst>
+                            <p:childTnLst>
+                              <p:par>
+                                <p:cTn id="31" presetID="10" presetClass="entr" presetSubtype="0" fill="hold" grpId="0" nodeType="clickEffect">
+                                  <p:stCondLst>
+                                    <p:cond delay="0"/>
+                                  </p:stCondLst>
+                                  <p:childTnLst>
+                                    <p:set>
+                                      <p:cBhvr>
+                                        <p:cTn id="32" dur="1" fill="hold">
+                                          <p:stCondLst>
+                                            <p:cond delay="0"/>
+                                          </p:stCondLst>
+                                        </p:cTn>
+                                        <p:tgtEl>
+                                          <p:spTgt spid="7"/>
+                                        </p:tgtEl>
+                                        <p:attrNameLst>
+                                          <p:attrName>style.visibility</p:attrName>
+                                        </p:attrNameLst>
+                                      </p:cBhvr>
+                                      <p:to>
+                                        <p:strVal val="visible"/>
+                                      </p:to>
+                                    </p:set>
+                                    <p:animEffect transition="in" filter="fade">
+                                      <p:cBhvr>
+                                        <p:cTn id="33" dur="500"/>
+                                        <p:tgtEl>
+                                          <p:spTgt spid="7"/>
+                                        </p:tgtEl>
+                                      </p:cBhvr>
+                                    </p:animEffect>
+                                  </p:childTnLst>
+                                </p:cTn>
+                              </p:par>
+                            </p:childTnLst>
+                          </p:cTn>
+                        </p:par>
+                      </p:childTnLst>
+                    </p:cTn>
+                  </p:par>
+                  <p:par>
+                    <p:cTn id="34" fill="hold">
+                      <p:stCondLst>
+                        <p:cond delay="indefinite"/>
+                      </p:stCondLst>
+                      <p:childTnLst>
+                        <p:par>
+                          <p:cTn id="35" fill="hold">
+                            <p:stCondLst>
+                              <p:cond delay="0"/>
+                            </p:stCondLst>
+                            <p:childTnLst>
+                              <p:par>
+                                <p:cTn id="36" presetID="10" presetClass="entr" presetSubtype="0" fill="hold" grpId="0" nodeType="clickEffect">
+                                  <p:stCondLst>
+                                    <p:cond delay="0"/>
+                                  </p:stCondLst>
+                                  <p:childTnLst>
+                                    <p:set>
+                                      <p:cBhvr>
+                                        <p:cTn id="37" dur="1" fill="hold">
+                                          <p:stCondLst>
+                                            <p:cond delay="0"/>
+                                          </p:stCondLst>
+                                        </p:cTn>
+                                        <p:tgtEl>
+                                          <p:spTgt spid="8"/>
+                                        </p:tgtEl>
+                                        <p:attrNameLst>
+                                          <p:attrName>style.visibility</p:attrName>
+                                        </p:attrNameLst>
+                                      </p:cBhvr>
+                                      <p:to>
+                                        <p:strVal val="visible"/>
+                                      </p:to>
+                                    </p:set>
+                                    <p:animEffect transition="in" filter="fade">
+                                      <p:cBhvr>
+                                        <p:cTn id="38" dur="500"/>
+                                        <p:tgtEl>
+                                          <p:spTgt spid="8"/>
+                                        </p:tgtEl>
+                                      </p:cBhvr>
+                                    </p:animEffect>
+                                  </p:childTnLst>
+                                </p:cTn>
+                              </p:par>
+                            </p:childTnLst>
+                          </p:cTn>
+                        </p:par>
+                      </p:childTnLst>
+                    </p:cTn>
+                  </p:par>
+                </p:childTnLst>
+              </p:cTn>
+              <p:prevCondLst>
+                <p:cond evt="onPrev" delay="0">
+                  <p:tgtEl>
+                    <p:sldTgt/>
+                  </p:tgtEl>
+                </p:cond>
+              </p:prevCondLst>
+              <p:nextCondLst>
+                <p:cond evt="onNext" delay="0">
+                  <p:tgtEl>
+                    <p:sldTgt/>
+                  </p:tgtEl>
+                </p:cond>
+              </p:nextCondLst>
+            </p:seq>
+          </p:childTnLst>
+        </p:cTn>
+      </p:par>
+    </p:tnLst>
+    <p:bldLst>
+      <p:bldP spid="5" grpId="0" animBg="1"/>
+      <p:bldP spid="6" grpId="0" animBg="1"/>
+      <p:bldP spid="7" grpId="0" animBg="1"/>
+      <p:bldP spid="8" grpId="0" animBg="1"/>
+    </p:bldLst>
+  </p:timing>
 </p:sld>
 </file>
 
@@ -3347,7 +4408,7 @@
           <a:p>
             <a:r>
               <a:rPr lang="en-US" dirty="0" smtClean="0"/>
-              <a:t>Null Conditional (Elvis) Operators</a:t>
+              <a:t>Pipes</a:t>
             </a:r>
             <a:endParaRPr lang="en-US" dirty="0"/>
           </a:p>
@@ -3375,7 +4436,7 @@
     </p:spTree>
     <p:extLst>
       <p:ext uri="{BB962C8B-B14F-4D97-AF65-F5344CB8AC3E}">
-        <p14:creationId xmlns:p14="http://schemas.microsoft.com/office/powerpoint/2010/main" val="1817446445"/>
+        <p14:creationId xmlns:p14="http://schemas.microsoft.com/office/powerpoint/2010/main" val="3899059712"/>
       </p:ext>
     </p:extLst>
   </p:cSld>
@@ -3422,7 +4483,7 @@
           <a:p>
             <a:r>
               <a:rPr lang="en-US" dirty="0" smtClean="0"/>
-              <a:t>Pipes</a:t>
+              <a:t>Pipe Parameters</a:t>
             </a:r>
             <a:endParaRPr lang="en-US" dirty="0"/>
           </a:p>
@@ -3450,7 +4511,7 @@
     </p:spTree>
     <p:extLst>
       <p:ext uri="{BB962C8B-B14F-4D97-AF65-F5344CB8AC3E}">
-        <p14:creationId xmlns:p14="http://schemas.microsoft.com/office/powerpoint/2010/main" val="3899059712"/>
+        <p14:creationId xmlns:p14="http://schemas.microsoft.com/office/powerpoint/2010/main" val="2860397309"/>
       </p:ext>
     </p:extLst>
   </p:cSld>
@@ -3497,7 +4558,7 @@
           <a:p>
             <a:r>
               <a:rPr lang="en-US" dirty="0" smtClean="0"/>
-              <a:t>Pipe Parameters</a:t>
+              <a:t>Custom Pipes</a:t>
             </a:r>
             <a:endParaRPr lang="en-US" dirty="0"/>
           </a:p>
@@ -3525,7 +4586,7 @@
     </p:spTree>
     <p:extLst>
       <p:ext uri="{BB962C8B-B14F-4D97-AF65-F5344CB8AC3E}">
-        <p14:creationId xmlns:p14="http://schemas.microsoft.com/office/powerpoint/2010/main" val="2860397309"/>
+        <p14:creationId xmlns:p14="http://schemas.microsoft.com/office/powerpoint/2010/main" val="2146522067"/>
       </p:ext>
     </p:extLst>
   </p:cSld>
@@ -3571,81 +4632,6 @@
           <a:lstStyle/>
           <a:p>
             <a:r>
-              <a:rPr lang="en-US" dirty="0" smtClean="0"/>
-              <a:t>Custom Pipes</a:t>
-            </a:r>
-            <a:endParaRPr lang="en-US" dirty="0"/>
-          </a:p>
-        </p:txBody>
-      </p:sp>
-      <p:sp>
-        <p:nvSpPr>
-          <p:cNvPr id="3" name="Text Placeholder 2"/>
-          <p:cNvSpPr>
-            <a:spLocks noGrp="1"/>
-          </p:cNvSpPr>
-          <p:nvPr>
-            <p:ph type="body" idx="1"/>
-          </p:nvPr>
-        </p:nvSpPr>
-        <p:spPr/>
-        <p:txBody>
-          <a:bodyPr/>
-          <a:lstStyle/>
-          <a:p>
-            <a:endParaRPr lang="en-US"/>
-          </a:p>
-        </p:txBody>
-      </p:sp>
-    </p:spTree>
-    <p:extLst>
-      <p:ext uri="{BB962C8B-B14F-4D97-AF65-F5344CB8AC3E}">
-        <p14:creationId xmlns:p14="http://schemas.microsoft.com/office/powerpoint/2010/main" val="2146522067"/>
-      </p:ext>
-    </p:extLst>
-  </p:cSld>
-  <p:clrMapOvr>
-    <a:masterClrMapping/>
-  </p:clrMapOvr>
-  <p:transition>
-    <p:fade/>
-  </p:transition>
-</p:sld>
-</file>
-
-<file path=ppt/slides/slide24.xml><?xml version="1.0" encoding="utf-8"?>
-<p:sld xmlns:a="http://schemas.openxmlformats.org/drawingml/2006/main" xmlns:r="http://schemas.openxmlformats.org/officeDocument/2006/relationships" xmlns:p="http://schemas.openxmlformats.org/presentationml/2006/main">
-  <p:cSld>
-    <p:spTree>
-      <p:nvGrpSpPr>
-        <p:cNvPr id="1" name=""/>
-        <p:cNvGrpSpPr/>
-        <p:nvPr/>
-      </p:nvGrpSpPr>
-      <p:grpSpPr>
-        <a:xfrm>
-          <a:off x="0" y="0"/>
-          <a:ext cx="0" cy="0"/>
-          <a:chOff x="0" y="0"/>
-          <a:chExt cx="0" cy="0"/>
-        </a:xfrm>
-      </p:grpSpPr>
-      <p:sp>
-        <p:nvSpPr>
-          <p:cNvPr id="2" name="Title 1"/>
-          <p:cNvSpPr>
-            <a:spLocks noGrp="1"/>
-          </p:cNvSpPr>
-          <p:nvPr>
-            <p:ph type="title"/>
-          </p:nvPr>
-        </p:nvSpPr>
-        <p:spPr/>
-        <p:txBody>
-          <a:bodyPr/>
-          <a:lstStyle/>
-          <a:p>
-            <a:r>
               <a:rPr lang="en-US" dirty="0"/>
               <a:t>S</a:t>
             </a:r>
@@ -3689,6 +4675,13 @@
   <p:transition>
     <p:fade/>
   </p:transition>
+  <p:timing>
+    <p:tnLst>
+      <p:par>
+        <p:cTn id="1" dur="indefinite" restart="never" nodeType="tmRoot"/>
+      </p:par>
+    </p:tnLst>
+  </p:timing>
 </p:sld>
 </file>
 
@@ -3747,10 +4740,100 @@
           <a:bodyPr/>
           <a:lstStyle/>
           <a:p>
-            <a:endParaRPr lang="en-US"/>
-          </a:p>
-        </p:txBody>
-      </p:sp>
+            <a:r>
+              <a:rPr lang="en-US" dirty="0" smtClean="0"/>
+              <a:t>Expression evaluated against parent component</a:t>
+            </a:r>
+          </a:p>
+          <a:p>
+            <a:pPr lvl="1"/>
+            <a:r>
+              <a:rPr lang="en-US" dirty="0" smtClean="0"/>
+              <a:t>No access to global scope</a:t>
+            </a:r>
+          </a:p>
+          <a:p>
+            <a:pPr lvl="1"/>
+            <a:r>
+              <a:rPr lang="en-US" dirty="0" smtClean="0"/>
+              <a:t>Somewhat forgiving (errors logged to console)</a:t>
+            </a:r>
+            <a:endParaRPr lang="en-US" dirty="0"/>
+          </a:p>
+        </p:txBody>
+      </p:sp>
+      <p:pic>
+        <p:nvPicPr>
+          <p:cNvPr id="4" name="Picture 3"/>
+          <p:cNvPicPr>
+            <a:picLocks noChangeAspect="1"/>
+          </p:cNvPicPr>
+          <p:nvPr/>
+        </p:nvPicPr>
+        <p:blipFill>
+          <a:blip r:embed="rId2"/>
+          <a:stretch>
+            <a:fillRect/>
+          </a:stretch>
+        </p:blipFill>
+        <p:spPr>
+          <a:xfrm>
+            <a:off x="1219200" y="2971800"/>
+            <a:ext cx="3609975" cy="876300"/>
+          </a:xfrm>
+          <a:prstGeom prst="rect">
+            <a:avLst/>
+          </a:prstGeom>
+        </p:spPr>
+      </p:pic>
+      <p:pic>
+        <p:nvPicPr>
+          <p:cNvPr id="5" name="Picture 4"/>
+          <p:cNvPicPr>
+            <a:picLocks noChangeAspect="1"/>
+          </p:cNvPicPr>
+          <p:nvPr/>
+        </p:nvPicPr>
+        <p:blipFill>
+          <a:blip r:embed="rId3"/>
+          <a:stretch>
+            <a:fillRect/>
+          </a:stretch>
+        </p:blipFill>
+        <p:spPr>
+          <a:xfrm>
+            <a:off x="2895600" y="4495800"/>
+            <a:ext cx="4676775" cy="485775"/>
+          </a:xfrm>
+          <a:prstGeom prst="rect">
+            <a:avLst/>
+          </a:prstGeom>
+        </p:spPr>
+      </p:pic>
+      <p:pic>
+        <p:nvPicPr>
+          <p:cNvPr id="6" name="Picture 5"/>
+          <p:cNvPicPr>
+            <a:picLocks noChangeAspect="1"/>
+          </p:cNvPicPr>
+          <p:nvPr/>
+        </p:nvPicPr>
+        <p:blipFill>
+          <a:blip r:embed="rId4"/>
+          <a:stretch>
+            <a:fillRect/>
+          </a:stretch>
+        </p:blipFill>
+        <p:spPr>
+          <a:xfrm>
+            <a:off x="475938" y="5457825"/>
+            <a:ext cx="6648450" cy="485775"/>
+          </a:xfrm>
+          <a:prstGeom prst="rect">
+            <a:avLst/>
+          </a:prstGeom>
+        </p:spPr>
+      </p:pic>
     </p:spTree>
     <p:extLst>
       <p:ext uri="{BB962C8B-B14F-4D97-AF65-F5344CB8AC3E}">
@@ -3764,6 +4847,142 @@
   <p:transition>
     <p:fade/>
   </p:transition>
+  <p:timing>
+    <p:tnLst>
+      <p:par>
+        <p:cTn id="1" dur="indefinite" restart="never" nodeType="tmRoot">
+          <p:childTnLst>
+            <p:seq concurrent="1" nextAc="seek">
+              <p:cTn id="2" dur="indefinite" nodeType="mainSeq">
+                <p:childTnLst>
+                  <p:par>
+                    <p:cTn id="3" fill="hold">
+                      <p:stCondLst>
+                        <p:cond delay="indefinite"/>
+                      </p:stCondLst>
+                      <p:childTnLst>
+                        <p:par>
+                          <p:cTn id="4" fill="hold">
+                            <p:stCondLst>
+                              <p:cond delay="0"/>
+                            </p:stCondLst>
+                            <p:childTnLst>
+                              <p:par>
+                                <p:cTn id="5" presetID="10" presetClass="entr" presetSubtype="0" fill="hold" nodeType="clickEffect">
+                                  <p:stCondLst>
+                                    <p:cond delay="0"/>
+                                  </p:stCondLst>
+                                  <p:childTnLst>
+                                    <p:set>
+                                      <p:cBhvr>
+                                        <p:cTn id="6" dur="1" fill="hold">
+                                          <p:stCondLst>
+                                            <p:cond delay="0"/>
+                                          </p:stCondLst>
+                                        </p:cTn>
+                                        <p:tgtEl>
+                                          <p:spTgt spid="5"/>
+                                        </p:tgtEl>
+                                        <p:attrNameLst>
+                                          <p:attrName>style.visibility</p:attrName>
+                                        </p:attrNameLst>
+                                      </p:cBhvr>
+                                      <p:to>
+                                        <p:strVal val="visible"/>
+                                      </p:to>
+                                    </p:set>
+                                    <p:animEffect transition="in" filter="fade">
+                                      <p:cBhvr>
+                                        <p:cTn id="7" dur="500"/>
+                                        <p:tgtEl>
+                                          <p:spTgt spid="5"/>
+                                        </p:tgtEl>
+                                      </p:cBhvr>
+                                    </p:animEffect>
+                                  </p:childTnLst>
+                                </p:cTn>
+                              </p:par>
+                            </p:childTnLst>
+                          </p:cTn>
+                        </p:par>
+                      </p:childTnLst>
+                    </p:cTn>
+                  </p:par>
+                  <p:par>
+                    <p:cTn id="8" fill="hold">
+                      <p:stCondLst>
+                        <p:cond delay="indefinite"/>
+                      </p:stCondLst>
+                      <p:childTnLst>
+                        <p:par>
+                          <p:cTn id="9" fill="hold">
+                            <p:stCondLst>
+                              <p:cond delay="0"/>
+                            </p:stCondLst>
+                            <p:childTnLst>
+                              <p:par>
+                                <p:cTn id="10" presetID="10" presetClass="entr" presetSubtype="0" fill="hold" nodeType="clickEffect">
+                                  <p:stCondLst>
+                                    <p:cond delay="0"/>
+                                  </p:stCondLst>
+                                  <p:childTnLst>
+                                    <p:set>
+                                      <p:cBhvr>
+                                        <p:cTn id="11" dur="1" fill="hold">
+                                          <p:stCondLst>
+                                            <p:cond delay="0"/>
+                                          </p:stCondLst>
+                                        </p:cTn>
+                                        <p:tgtEl>
+                                          <p:spTgt spid="6"/>
+                                        </p:tgtEl>
+                                        <p:attrNameLst>
+                                          <p:attrName>style.visibility</p:attrName>
+                                        </p:attrNameLst>
+                                      </p:cBhvr>
+                                      <p:to>
+                                        <p:strVal val="visible"/>
+                                      </p:to>
+                                    </p:set>
+                                    <p:animEffect transition="in" filter="fade">
+                                      <p:cBhvr>
+                                        <p:cTn id="12" dur="500"/>
+                                        <p:tgtEl>
+                                          <p:spTgt spid="6"/>
+                                        </p:tgtEl>
+                                      </p:cBhvr>
+                                    </p:animEffect>
+                                  </p:childTnLst>
+                                </p:cTn>
+                              </p:par>
+                            </p:childTnLst>
+                          </p:cTn>
+                        </p:par>
+                      </p:childTnLst>
+                    </p:cTn>
+                  </p:par>
+                </p:childTnLst>
+              </p:cTn>
+              <p:prevCondLst>
+                <p:cond evt="onPrev" delay="0">
+                  <p:tgtEl>
+                    <p:sldTgt/>
+                  </p:tgtEl>
+                </p:cond>
+              </p:prevCondLst>
+              <p:nextCondLst>
+                <p:cond evt="onNext" delay="0">
+                  <p:tgtEl>
+                    <p:sldTgt/>
+                  </p:tgtEl>
+                </p:cond>
+              </p:nextCondLst>
+            </p:seq>
+          </p:childTnLst>
+        </p:cTn>
+      </p:par>
+    </p:tnLst>
+  </p:timing>
 </p:sld>
 </file>
 
@@ -3801,7 +5020,7 @@
           <a:p>
             <a:r>
               <a:rPr lang="en-US" dirty="0" smtClean="0"/>
-              <a:t>Development versus Production</a:t>
+              <a:t>Template Expressions</a:t>
             </a:r>
             <a:endParaRPr lang="en-US" dirty="0"/>
           </a:p>
@@ -3822,14 +5041,94 @@
           <a:bodyPr/>
           <a:lstStyle/>
           <a:p>
-            <a:endParaRPr lang="en-US"/>
-          </a:p>
-        </p:txBody>
-      </p:sp>
+            <a:r>
+              <a:rPr lang="en-US" dirty="0" smtClean="0"/>
+              <a:t>Object literals and array literals are allowed</a:t>
+            </a:r>
+          </a:p>
+          <a:p>
+            <a:r>
+              <a:rPr lang="en-US" dirty="0" smtClean="0"/>
+              <a:t>Statements only allowed for events</a:t>
+            </a:r>
+          </a:p>
+          <a:p>
+            <a:r>
+              <a:rPr lang="en-US" dirty="0" smtClean="0"/>
+              <a:t>No keywords (</a:t>
+            </a:r>
+            <a:r>
+              <a:rPr lang="en-US" i="1" dirty="0" smtClean="0"/>
+              <a:t>new</a:t>
+            </a:r>
+            <a:r>
+              <a:rPr lang="en-US" dirty="0" smtClean="0"/>
+              <a:t>, </a:t>
+            </a:r>
+            <a:r>
+              <a:rPr lang="en-US" i="1" dirty="0" smtClean="0"/>
+              <a:t>if</a:t>
+            </a:r>
+            <a:r>
+              <a:rPr lang="en-US" dirty="0" smtClean="0"/>
+              <a:t>, </a:t>
+            </a:r>
+            <a:r>
+              <a:rPr lang="en-US" i="1" dirty="0" smtClean="0"/>
+              <a:t>class</a:t>
+            </a:r>
+            <a:r>
+              <a:rPr lang="en-US" dirty="0" smtClean="0"/>
+              <a:t>, </a:t>
+            </a:r>
+            <a:r>
+              <a:rPr lang="en-US" i="1" dirty="0" smtClean="0"/>
+              <a:t>function</a:t>
+            </a:r>
+            <a:r>
+              <a:rPr lang="en-US" dirty="0" smtClean="0"/>
+              <a:t>)</a:t>
+            </a:r>
+          </a:p>
+          <a:p>
+            <a:r>
+              <a:rPr lang="en-US" dirty="0" smtClean="0"/>
+              <a:t>Angular uses a parser to understand expressions</a:t>
+            </a:r>
+          </a:p>
+          <a:p>
+            <a:endParaRPr lang="en-US" dirty="0"/>
+          </a:p>
+        </p:txBody>
+      </p:sp>
+      <p:pic>
+        <p:nvPicPr>
+          <p:cNvPr id="4" name="Picture 3"/>
+          <p:cNvPicPr>
+            <a:picLocks noChangeAspect="1"/>
+          </p:cNvPicPr>
+          <p:nvPr/>
+        </p:nvPicPr>
+        <p:blipFill>
+          <a:blip r:embed="rId2"/>
+          <a:stretch>
+            <a:fillRect/>
+          </a:stretch>
+        </p:blipFill>
+        <p:spPr>
+          <a:xfrm>
+            <a:off x="809625" y="3581400"/>
+            <a:ext cx="7524750" cy="1971675"/>
+          </a:xfrm>
+          <a:prstGeom prst="rect">
+            <a:avLst/>
+          </a:prstGeom>
+        </p:spPr>
+      </p:pic>
     </p:spTree>
     <p:extLst>
       <p:ext uri="{BB962C8B-B14F-4D97-AF65-F5344CB8AC3E}">
-        <p14:creationId xmlns:p14="http://schemas.microsoft.com/office/powerpoint/2010/main" val="599001145"/>
+        <p14:creationId xmlns:p14="http://schemas.microsoft.com/office/powerpoint/2010/main" val="3535639054"/>
       </p:ext>
     </p:extLst>
   </p:cSld>
@@ -3839,6 +5138,13 @@
   <p:transition>
     <p:fade/>
   </p:transition>
+  <p:timing>
+    <p:tnLst>
+      <p:par>
+        <p:cTn id="1" dur="indefinite" restart="never" nodeType="tmRoot"/>
+      </p:par>
+    </p:tnLst>
+  </p:timing>
 </p:sld>
 </file>
 
@@ -3876,7 +5182,7 @@
           <a:p>
             <a:r>
               <a:rPr lang="en-US" dirty="0" smtClean="0"/>
-              <a:t>Template Expressions</a:t>
+              <a:t>Binding Overview</a:t>
             </a:r>
             <a:endParaRPr lang="en-US" dirty="0"/>
           </a:p>
@@ -3884,27 +5190,279 @@
       </p:sp>
       <p:sp>
         <p:nvSpPr>
-          <p:cNvPr id="3" name="Text Placeholder 2"/>
-          <p:cNvSpPr>
-            <a:spLocks noGrp="1"/>
-          </p:cNvSpPr>
-          <p:nvPr>
-            <p:ph type="body" idx="1"/>
-          </p:nvPr>
-        </p:nvSpPr>
-        <p:spPr/>
-        <p:txBody>
-          <a:bodyPr/>
+          <p:cNvPr id="4" name="Rectangle 3"/>
+          <p:cNvSpPr/>
+          <p:nvPr/>
+        </p:nvSpPr>
+        <p:spPr bwMode="auto">
+          <a:xfrm>
+            <a:off x="685800" y="1805066"/>
+            <a:ext cx="2286000" cy="1447800"/>
+          </a:xfrm>
+          <a:prstGeom prst="rect">
+            <a:avLst/>
+          </a:prstGeom>
+          <a:ln>
+            <a:headEnd/>
+            <a:tailEnd/>
+          </a:ln>
+        </p:spPr>
+        <p:style>
+          <a:lnRef idx="2">
+            <a:schemeClr val="accent3">
+              <a:shade val="50000"/>
+            </a:schemeClr>
+          </a:lnRef>
+          <a:fillRef idx="1">
+            <a:schemeClr val="accent3"/>
+          </a:fillRef>
+          <a:effectRef idx="0">
+            <a:schemeClr val="accent3"/>
+          </a:effectRef>
+          <a:fontRef idx="minor">
+            <a:schemeClr val="lt1"/>
+          </a:fontRef>
+        </p:style>
+        <p:txBody>
+          <a:bodyPr wrap="none" rtlCol="0" anchor="ctr"/>
           <a:lstStyle/>
           <a:p>
-            <a:endParaRPr lang="en-US"/>
+            <a:pPr algn="ctr"/>
+            <a:r>
+              <a:rPr lang="en-US" sz="2000" dirty="0" smtClean="0">
+                <a:latin typeface="Tekton Pro" pitchFamily="34" charset="0"/>
+              </a:rPr>
+              <a:t>Event Binding</a:t>
+            </a:r>
+            <a:endParaRPr lang="en-US" sz="2000" dirty="0">
+              <a:latin typeface="Tekton Pro" pitchFamily="34" charset="0"/>
+            </a:endParaRPr>
+          </a:p>
+        </p:txBody>
+      </p:sp>
+      <p:sp>
+        <p:nvSpPr>
+          <p:cNvPr id="5" name="Rectangle 4"/>
+          <p:cNvSpPr/>
+          <p:nvPr/>
+        </p:nvSpPr>
+        <p:spPr bwMode="auto">
+          <a:xfrm>
+            <a:off x="3352800" y="1805066"/>
+            <a:ext cx="2286000" cy="1447800"/>
+          </a:xfrm>
+          <a:prstGeom prst="rect">
+            <a:avLst/>
+          </a:prstGeom>
+          <a:ln>
+            <a:headEnd/>
+            <a:tailEnd/>
+          </a:ln>
+        </p:spPr>
+        <p:style>
+          <a:lnRef idx="2">
+            <a:schemeClr val="accent3">
+              <a:shade val="50000"/>
+            </a:schemeClr>
+          </a:lnRef>
+          <a:fillRef idx="1">
+            <a:schemeClr val="accent3"/>
+          </a:fillRef>
+          <a:effectRef idx="0">
+            <a:schemeClr val="accent3"/>
+          </a:effectRef>
+          <a:fontRef idx="minor">
+            <a:schemeClr val="lt1"/>
+          </a:fontRef>
+        </p:style>
+        <p:txBody>
+          <a:bodyPr wrap="none" rtlCol="0" anchor="ctr"/>
+          <a:lstStyle/>
+          <a:p>
+            <a:r>
+              <a:rPr lang="en-US" sz="2000" dirty="0" smtClean="0">
+                <a:latin typeface="Tekton Pro" pitchFamily="34" charset="0"/>
+              </a:rPr>
+              <a:t>Property</a:t>
+            </a:r>
+            <a:r>
+              <a:rPr lang="en-US" sz="2000" dirty="0" smtClean="0">
+                <a:latin typeface="Tekton Pro" pitchFamily="34" charset="0"/>
+              </a:rPr>
+              <a:t> Binding</a:t>
+            </a:r>
+            <a:endParaRPr lang="en-US" sz="2000" dirty="0">
+              <a:latin typeface="Tekton Pro" pitchFamily="34" charset="0"/>
+            </a:endParaRPr>
+          </a:p>
+        </p:txBody>
+      </p:sp>
+      <p:sp>
+        <p:nvSpPr>
+          <p:cNvPr id="6" name="Rectangle 5"/>
+          <p:cNvSpPr/>
+          <p:nvPr/>
+        </p:nvSpPr>
+        <p:spPr bwMode="auto">
+          <a:xfrm>
+            <a:off x="6019800" y="1805066"/>
+            <a:ext cx="2286000" cy="1447800"/>
+          </a:xfrm>
+          <a:prstGeom prst="rect">
+            <a:avLst/>
+          </a:prstGeom>
+          <a:ln>
+            <a:headEnd/>
+            <a:tailEnd/>
+          </a:ln>
+        </p:spPr>
+        <p:style>
+          <a:lnRef idx="2">
+            <a:schemeClr val="accent3">
+              <a:shade val="50000"/>
+            </a:schemeClr>
+          </a:lnRef>
+          <a:fillRef idx="1">
+            <a:schemeClr val="accent3"/>
+          </a:fillRef>
+          <a:effectRef idx="0">
+            <a:schemeClr val="accent3"/>
+          </a:effectRef>
+          <a:fontRef idx="minor">
+            <a:schemeClr val="lt1"/>
+          </a:fontRef>
+        </p:style>
+        <p:txBody>
+          <a:bodyPr wrap="none" rtlCol="0" anchor="ctr"/>
+          <a:lstStyle/>
+          <a:p>
+            <a:pPr algn="ctr"/>
+            <a:r>
+              <a:rPr lang="en-US" sz="2000" dirty="0" smtClean="0">
+                <a:latin typeface="Tekton Pro" pitchFamily="34" charset="0"/>
+              </a:rPr>
+              <a:t>Event Binding</a:t>
+            </a:r>
+            <a:endParaRPr lang="en-US" sz="2000" dirty="0">
+              <a:latin typeface="Tekton Pro" pitchFamily="34" charset="0"/>
+            </a:endParaRPr>
+          </a:p>
+        </p:txBody>
+      </p:sp>
+      <p:sp>
+        <p:nvSpPr>
+          <p:cNvPr id="7" name="Rectangle 6"/>
+          <p:cNvSpPr/>
+          <p:nvPr/>
+        </p:nvSpPr>
+        <p:spPr bwMode="auto">
+          <a:xfrm>
+            <a:off x="1828800" y="3733800"/>
+            <a:ext cx="2286000" cy="1447800"/>
+          </a:xfrm>
+          <a:prstGeom prst="rect">
+            <a:avLst/>
+          </a:prstGeom>
+          <a:ln>
+            <a:headEnd/>
+            <a:tailEnd/>
+          </a:ln>
+        </p:spPr>
+        <p:style>
+          <a:lnRef idx="2">
+            <a:schemeClr val="accent3">
+              <a:shade val="50000"/>
+            </a:schemeClr>
+          </a:lnRef>
+          <a:fillRef idx="1">
+            <a:schemeClr val="accent3"/>
+          </a:fillRef>
+          <a:effectRef idx="0">
+            <a:schemeClr val="accent3"/>
+          </a:effectRef>
+          <a:fontRef idx="minor">
+            <a:schemeClr val="lt1"/>
+          </a:fontRef>
+        </p:style>
+        <p:txBody>
+          <a:bodyPr wrap="none" rtlCol="0" anchor="ctr"/>
+          <a:lstStyle/>
+          <a:p>
+            <a:pPr algn="ctr"/>
+            <a:r>
+              <a:rPr lang="en-US" sz="2000" dirty="0" smtClean="0">
+                <a:latin typeface="Tekton Pro" pitchFamily="34" charset="0"/>
+              </a:rPr>
+              <a:t>Attribute</a:t>
+            </a:r>
+            <a:r>
+              <a:rPr lang="en-US" sz="2000" dirty="0" smtClean="0">
+                <a:latin typeface="Tekton Pro" pitchFamily="34" charset="0"/>
+              </a:rPr>
+              <a:t> Binding</a:t>
+            </a:r>
+            <a:endParaRPr lang="en-US" sz="2000" dirty="0">
+              <a:latin typeface="Tekton Pro" pitchFamily="34" charset="0"/>
+            </a:endParaRPr>
+          </a:p>
+        </p:txBody>
+      </p:sp>
+      <p:sp>
+        <p:nvSpPr>
+          <p:cNvPr id="8" name="Rectangle 7"/>
+          <p:cNvSpPr/>
+          <p:nvPr/>
+        </p:nvSpPr>
+        <p:spPr bwMode="auto">
+          <a:xfrm>
+            <a:off x="4854315" y="3732551"/>
+            <a:ext cx="2286000" cy="1447800"/>
+          </a:xfrm>
+          <a:prstGeom prst="rect">
+            <a:avLst/>
+          </a:prstGeom>
+          <a:ln>
+            <a:headEnd/>
+            <a:tailEnd/>
+          </a:ln>
+        </p:spPr>
+        <p:style>
+          <a:lnRef idx="2">
+            <a:schemeClr val="accent3">
+              <a:shade val="50000"/>
+            </a:schemeClr>
+          </a:lnRef>
+          <a:fillRef idx="1">
+            <a:schemeClr val="accent3"/>
+          </a:fillRef>
+          <a:effectRef idx="0">
+            <a:schemeClr val="accent3"/>
+          </a:effectRef>
+          <a:fontRef idx="minor">
+            <a:schemeClr val="lt1"/>
+          </a:fontRef>
+        </p:style>
+        <p:txBody>
+          <a:bodyPr wrap="none" rtlCol="0" anchor="ctr"/>
+          <a:lstStyle/>
+          <a:p>
+            <a:pPr algn="ctr"/>
+            <a:r>
+              <a:rPr lang="en-US" sz="2000" dirty="0" smtClean="0">
+                <a:latin typeface="Tekton Pro" pitchFamily="34" charset="0"/>
+              </a:rPr>
+              <a:t>Two Way Binding</a:t>
+            </a:r>
+            <a:endParaRPr lang="en-US" sz="2000" dirty="0">
+              <a:latin typeface="Tekton Pro" pitchFamily="34" charset="0"/>
+            </a:endParaRPr>
           </a:p>
         </p:txBody>
       </p:sp>
     </p:spTree>
     <p:extLst>
       <p:ext uri="{BB962C8B-B14F-4D97-AF65-F5344CB8AC3E}">
-        <p14:creationId xmlns:p14="http://schemas.microsoft.com/office/powerpoint/2010/main" val="3535639054"/>
+        <p14:creationId xmlns:p14="http://schemas.microsoft.com/office/powerpoint/2010/main" val="3849092976"/>
       </p:ext>
     </p:extLst>
   </p:cSld>
@@ -3914,6 +5472,13 @@
   <p:transition>
     <p:fade/>
   </p:transition>
+  <p:timing>
+    <p:tnLst>
+      <p:par>
+        <p:cTn id="1" dur="indefinite" restart="never" nodeType="tmRoot"/>
+      </p:par>
+    </p:tnLst>
+  </p:timing>
 </p:sld>
 </file>
 
@@ -3951,7 +5516,7 @@
           <a:p>
             <a:r>
               <a:rPr lang="en-US" dirty="0" smtClean="0"/>
-              <a:t>Binding Overview</a:t>
+              <a:t>Property Binding</a:t>
             </a:r>
             <a:endParaRPr lang="en-US" dirty="0"/>
           </a:p>
@@ -3972,14 +5537,67 @@
           <a:bodyPr/>
           <a:lstStyle/>
           <a:p>
-            <a:endParaRPr lang="en-US"/>
-          </a:p>
-        </p:txBody>
-      </p:sp>
+            <a:r>
+              <a:rPr lang="en-US" dirty="0" smtClean="0"/>
+              <a:t>[ ] or bind are property bindings</a:t>
+            </a:r>
+          </a:p>
+          <a:p>
+            <a:pPr lvl="1"/>
+            <a:r>
+              <a:rPr lang="en-US" dirty="0" smtClean="0"/>
+              <a:t>Binding to </a:t>
+            </a:r>
+            <a:r>
+              <a:rPr lang="en-US" b="1" dirty="0" smtClean="0"/>
+              <a:t>properties</a:t>
+            </a:r>
+            <a:r>
+              <a:rPr lang="en-US" dirty="0" smtClean="0"/>
+              <a:t> not </a:t>
+            </a:r>
+            <a:r>
+              <a:rPr lang="en-US" b="1" dirty="0" smtClean="0"/>
+              <a:t>attributes</a:t>
+            </a:r>
+          </a:p>
+          <a:p>
+            <a:r>
+              <a:rPr lang="en-US" dirty="0" smtClean="0"/>
+              <a:t>Also works with custom components and directives</a:t>
+            </a:r>
+            <a:endParaRPr lang="en-US" b="1" dirty="0"/>
+          </a:p>
+        </p:txBody>
+      </p:sp>
+      <p:pic>
+        <p:nvPicPr>
+          <p:cNvPr id="4" name="Picture 3"/>
+          <p:cNvPicPr>
+            <a:picLocks noChangeAspect="1"/>
+          </p:cNvPicPr>
+          <p:nvPr/>
+        </p:nvPicPr>
+        <p:blipFill>
+          <a:blip r:embed="rId2"/>
+          <a:stretch>
+            <a:fillRect/>
+          </a:stretch>
+        </p:blipFill>
+        <p:spPr>
+          <a:xfrm>
+            <a:off x="1600200" y="3657600"/>
+            <a:ext cx="5467350" cy="1095375"/>
+          </a:xfrm>
+          <a:prstGeom prst="rect">
+            <a:avLst/>
+          </a:prstGeom>
+        </p:spPr>
+      </p:pic>
     </p:spTree>
     <p:extLst>
       <p:ext uri="{BB962C8B-B14F-4D97-AF65-F5344CB8AC3E}">
-        <p14:creationId xmlns:p14="http://schemas.microsoft.com/office/powerpoint/2010/main" val="3849092976"/>
+        <p14:creationId xmlns:p14="http://schemas.microsoft.com/office/powerpoint/2010/main" val="1134836136"/>
       </p:ext>
     </p:extLst>
   </p:cSld>
@@ -3989,6 +5607,13 @@
   <p:transition>
     <p:fade/>
   </p:transition>
+  <p:timing>
+    <p:tnLst>
+      <p:par>
+        <p:cTn id="1" dur="indefinite" restart="never" nodeType="tmRoot"/>
+      </p:par>
+    </p:tnLst>
+  </p:timing>
 </p:sld>
 </file>
 
@@ -4026,7 +5651,7 @@
           <a:p>
             <a:r>
               <a:rPr lang="en-US" dirty="0" smtClean="0"/>
-              <a:t>Property Binding</a:t>
+              <a:t>Attribute Binding</a:t>
             </a:r>
             <a:endParaRPr lang="en-US" dirty="0"/>
           </a:p>
@@ -4047,14 +5672,53 @@
           <a:bodyPr/>
           <a:lstStyle/>
           <a:p>
-            <a:endParaRPr lang="en-US"/>
-          </a:p>
-        </p:txBody>
-      </p:sp>
+            <a:r>
+              <a:rPr lang="en-US" dirty="0" smtClean="0"/>
+              <a:t>Not all attributes are backed by a property</a:t>
+            </a:r>
+          </a:p>
+          <a:p>
+            <a:pPr lvl="1"/>
+            <a:r>
+              <a:rPr lang="en-US" dirty="0"/>
+              <a:t>a</a:t>
+            </a:r>
+            <a:r>
+              <a:rPr lang="en-US" dirty="0" smtClean="0"/>
+              <a:t>ria-* attributes, for example</a:t>
+            </a:r>
+            <a:endParaRPr lang="en-US" dirty="0"/>
+          </a:p>
+        </p:txBody>
+      </p:sp>
+      <p:pic>
+        <p:nvPicPr>
+          <p:cNvPr id="4" name="Picture 3"/>
+          <p:cNvPicPr>
+            <a:picLocks noChangeAspect="1"/>
+          </p:cNvPicPr>
+          <p:nvPr/>
+        </p:nvPicPr>
+        <p:blipFill>
+          <a:blip r:embed="rId2"/>
+          <a:stretch>
+            <a:fillRect/>
+          </a:stretch>
+        </p:blipFill>
+        <p:spPr>
+          <a:xfrm>
+            <a:off x="633412" y="3105150"/>
+            <a:ext cx="7877175" cy="647700"/>
+          </a:xfrm>
+          <a:prstGeom prst="rect">
+            <a:avLst/>
+          </a:prstGeom>
+        </p:spPr>
+      </p:pic>
     </p:spTree>
     <p:extLst>
       <p:ext uri="{BB962C8B-B14F-4D97-AF65-F5344CB8AC3E}">
-        <p14:creationId xmlns:p14="http://schemas.microsoft.com/office/powerpoint/2010/main" val="1134836136"/>
+        <p14:creationId xmlns:p14="http://schemas.microsoft.com/office/powerpoint/2010/main" val="3370587190"/>
       </p:ext>
     </p:extLst>
   </p:cSld>
@@ -4064,6 +5728,13 @@
   <p:transition>
     <p:fade/>
   </p:transition>
+  <p:timing>
+    <p:tnLst>
+      <p:par>
+        <p:cTn id="1" dur="indefinite" restart="never" nodeType="tmRoot"/>
+      </p:par>
+    </p:tnLst>
+  </p:timing>
 </p:sld>
 </file>
 
@@ -4101,7 +5772,7 @@
           <a:p>
             <a:r>
               <a:rPr lang="en-US" dirty="0" smtClean="0"/>
-              <a:t>Attribute Binding</a:t>
+              <a:t>Class and Style Binding</a:t>
             </a:r>
             <a:endParaRPr lang="en-US" dirty="0"/>
           </a:p>
@@ -4122,14 +5793,62 @@
           <a:bodyPr/>
           <a:lstStyle/>
           <a:p>
-            <a:endParaRPr lang="en-US"/>
-          </a:p>
-        </p:txBody>
-      </p:sp>
+            <a:r>
+              <a:rPr lang="en-US" dirty="0" smtClean="0"/>
+              <a:t>Use </a:t>
+            </a:r>
+            <a:r>
+              <a:rPr lang="en-US" dirty="0" err="1" smtClean="0"/>
+              <a:t>ngClass</a:t>
+            </a:r>
+            <a:r>
+              <a:rPr lang="en-US" dirty="0" smtClean="0"/>
+              <a:t> and </a:t>
+            </a:r>
+            <a:r>
+              <a:rPr lang="en-US" dirty="0" err="1" smtClean="0"/>
+              <a:t>ngStyle</a:t>
+            </a:r>
+            <a:endParaRPr lang="en-US" dirty="0" smtClean="0"/>
+          </a:p>
+          <a:p>
+            <a:pPr lvl="1"/>
+            <a:r>
+              <a:rPr lang="en-US" dirty="0" smtClean="0"/>
+              <a:t>Special directives for special cases</a:t>
+            </a:r>
+            <a:endParaRPr lang="en-US" dirty="0"/>
+          </a:p>
+        </p:txBody>
+      </p:sp>
+      <p:pic>
+        <p:nvPicPr>
+          <p:cNvPr id="4" name="Picture 3"/>
+          <p:cNvPicPr>
+            <a:picLocks noChangeAspect="1"/>
+          </p:cNvPicPr>
+          <p:nvPr/>
+        </p:nvPicPr>
+        <p:blipFill>
+          <a:blip r:embed="rId2"/>
+          <a:stretch>
+            <a:fillRect/>
+          </a:stretch>
+        </p:blipFill>
+        <p:spPr>
+          <a:xfrm>
+            <a:off x="1157287" y="2938462"/>
+            <a:ext cx="6829425" cy="981075"/>
+          </a:xfrm>
+          <a:prstGeom prst="rect">
+            <a:avLst/>
+          </a:prstGeom>
+        </p:spPr>
+      </p:pic>
     </p:spTree>
     <p:extLst>
       <p:ext uri="{BB962C8B-B14F-4D97-AF65-F5344CB8AC3E}">
-        <p14:creationId xmlns:p14="http://schemas.microsoft.com/office/powerpoint/2010/main" val="3370587190"/>
+        <p14:creationId xmlns:p14="http://schemas.microsoft.com/office/powerpoint/2010/main" val="2638836343"/>
       </p:ext>
     </p:extLst>
   </p:cSld>
@@ -4139,6 +5858,13 @@
   <p:transition>
     <p:fade/>
   </p:transition>
+  <p:timing>
+    <p:tnLst>
+      <p:par>
+        <p:cTn id="1" dur="indefinite" restart="never" nodeType="tmRoot"/>
+      </p:par>
+    </p:tnLst>
+  </p:timing>
 </p:sld>
 </file>
 
@@ -4176,7 +5902,11 @@
           <a:p>
             <a:r>
               <a:rPr lang="en-US" dirty="0" smtClean="0"/>
-              <a:t>Class and Style Binding</a:t>
+              <a:t>Class Binding versus </a:t>
+            </a:r>
+            <a:r>
+              <a:rPr lang="en-US" dirty="0" err="1" smtClean="0"/>
+              <a:t>NgClass</a:t>
             </a:r>
             <a:endParaRPr lang="en-US" dirty="0"/>
           </a:p>
@@ -4197,14 +5927,66 @@
           <a:bodyPr/>
           <a:lstStyle/>
           <a:p>
-            <a:endParaRPr lang="en-US"/>
-          </a:p>
-        </p:txBody>
-      </p:sp>
+            <a:r>
+              <a:rPr lang="en-US" dirty="0" smtClean="0"/>
+              <a:t>Two approaches for binding classes and styles</a:t>
+            </a:r>
+            <a:endParaRPr lang="en-US" dirty="0"/>
+          </a:p>
+        </p:txBody>
+      </p:sp>
+      <p:pic>
+        <p:nvPicPr>
+          <p:cNvPr id="4" name="Picture 3"/>
+          <p:cNvPicPr>
+            <a:picLocks noChangeAspect="1"/>
+          </p:cNvPicPr>
+          <p:nvPr/>
+        </p:nvPicPr>
+        <p:blipFill>
+          <a:blip r:embed="rId2"/>
+          <a:stretch>
+            <a:fillRect/>
+          </a:stretch>
+        </p:blipFill>
+        <p:spPr>
+          <a:xfrm>
+            <a:off x="381000" y="2590800"/>
+            <a:ext cx="6829425" cy="981075"/>
+          </a:xfrm>
+          <a:prstGeom prst="rect">
+            <a:avLst/>
+          </a:prstGeom>
+        </p:spPr>
+      </p:pic>
+      <p:pic>
+        <p:nvPicPr>
+          <p:cNvPr id="5" name="Picture 4"/>
+          <p:cNvPicPr>
+            <a:picLocks noChangeAspect="1"/>
+          </p:cNvPicPr>
+          <p:nvPr/>
+        </p:nvPicPr>
+        <p:blipFill>
+          <a:blip r:embed="rId3"/>
+          <a:stretch>
+            <a:fillRect/>
+          </a:stretch>
+        </p:blipFill>
+        <p:spPr>
+          <a:xfrm>
+            <a:off x="3352800" y="4062412"/>
+            <a:ext cx="5162550" cy="1304925"/>
+          </a:xfrm>
+          <a:prstGeom prst="rect">
+            <a:avLst/>
+          </a:prstGeom>
+        </p:spPr>
+      </p:pic>
     </p:spTree>
     <p:extLst>
       <p:ext uri="{BB962C8B-B14F-4D97-AF65-F5344CB8AC3E}">
-        <p14:creationId xmlns:p14="http://schemas.microsoft.com/office/powerpoint/2010/main" val="2638836343"/>
+        <p14:creationId xmlns:p14="http://schemas.microsoft.com/office/powerpoint/2010/main" val="1359330568"/>
       </p:ext>
     </p:extLst>
   </p:cSld>
@@ -4214,6 +5996,13 @@
   <p:transition>
     <p:fade/>
   </p:transition>
+  <p:timing>
+    <p:tnLst>
+      <p:par>
+        <p:cTn id="1" dur="indefinite" restart="never" nodeType="tmRoot"/>
+      </p:par>
+    </p:tnLst>
+  </p:timing>
 </p:sld>
 </file>
 

--- a/angular2/slides/05_templates.pptx
+++ b/angular2/slides/05_templates.pptx
@@ -24,14 +24,14 @@
     <p:sldId id="337" r:id="rId12"/>
     <p:sldId id="338" r:id="rId13"/>
     <p:sldId id="339" r:id="rId14"/>
-    <p:sldId id="340" r:id="rId15"/>
-    <p:sldId id="342" r:id="rId16"/>
-    <p:sldId id="343" r:id="rId17"/>
-    <p:sldId id="345" r:id="rId18"/>
-    <p:sldId id="344" r:id="rId19"/>
-    <p:sldId id="346" r:id="rId20"/>
-    <p:sldId id="347" r:id="rId21"/>
-    <p:sldId id="348" r:id="rId22"/>
+    <p:sldId id="351" r:id="rId15"/>
+    <p:sldId id="340" r:id="rId16"/>
+    <p:sldId id="345" r:id="rId17"/>
+    <p:sldId id="342" r:id="rId18"/>
+    <p:sldId id="343" r:id="rId19"/>
+    <p:sldId id="344" r:id="rId20"/>
+    <p:sldId id="346" r:id="rId21"/>
+    <p:sldId id="347" r:id="rId22"/>
     <p:sldId id="349" r:id="rId23"/>
     <p:sldId id="350" r:id="rId24"/>
   </p:sldIdLst>
@@ -286,7 +286,7 @@
               <a:pPr>
                 <a:defRPr/>
               </a:pPr>
-              <a:t>12/26/2015</a:t>
+              <a:t>12/27/2015</a:t>
             </a:fld>
             <a:endParaRPr lang="en-US"/>
           </a:p>
@@ -2807,27 +2807,58 @@
             </a:r>
           </a:p>
           <a:p>
+            <a:pPr lvl="1"/>
             <a:r>
               <a:rPr lang="en-US" dirty="0" smtClean="0"/>
-              <a:t>Return false event to stop propagation</a:t>
-            </a:r>
-          </a:p>
-          <a:p>
-            <a:pPr lvl="1"/>
+              <a:t>Return false </a:t>
+            </a:r>
             <a:r>
               <a:rPr lang="en-US" dirty="0" smtClean="0"/>
-              <a:t>Currently not working </a:t>
-            </a:r>
-            <a:r>
-              <a:rPr lang="en-US" dirty="0" smtClean="0">
-                <a:sym typeface="Wingdings" panose="05000000000000000000" pitchFamily="2" charset="2"/>
-              </a:rPr>
-              <a:t></a:t>
+              <a:t>or use event API to </a:t>
+            </a:r>
+            <a:r>
+              <a:rPr lang="en-US" dirty="0" smtClean="0"/>
+              <a:t>stop </a:t>
+            </a:r>
+            <a:r>
+              <a:rPr lang="en-US" dirty="0" smtClean="0"/>
+              <a:t>bubbling</a:t>
+            </a:r>
+            <a:endParaRPr lang="en-US" dirty="0" smtClean="0"/>
+          </a:p>
+          <a:p>
+            <a:r>
+              <a:rPr lang="en-US" dirty="0" smtClean="0"/>
+              <a:t>Event delegation more efficient </a:t>
             </a:r>
             <a:endParaRPr lang="en-US" dirty="0"/>
           </a:p>
         </p:txBody>
       </p:sp>
+      <p:pic>
+        <p:nvPicPr>
+          <p:cNvPr id="4" name="Picture 3"/>
+          <p:cNvPicPr>
+            <a:picLocks noChangeAspect="1"/>
+          </p:cNvPicPr>
+          <p:nvPr/>
+        </p:nvPicPr>
+        <p:blipFill>
+          <a:blip r:embed="rId2"/>
+          <a:stretch>
+            <a:fillRect/>
+          </a:stretch>
+        </p:blipFill>
+        <p:spPr>
+          <a:xfrm>
+            <a:off x="2057400" y="2971800"/>
+            <a:ext cx="5486400" cy="3495675"/>
+          </a:xfrm>
+          <a:prstGeom prst="rect">
+            <a:avLst/>
+          </a:prstGeom>
+        </p:spPr>
+      </p:pic>
     </p:spTree>
     <p:extLst>
       <p:ext uri="{BB962C8B-B14F-4D97-AF65-F5344CB8AC3E}">
@@ -2906,10 +2937,96 @@
           <a:bodyPr/>
           <a:lstStyle/>
           <a:p>
-            <a:endParaRPr lang="en-US"/>
+            <a:r>
+              <a:rPr lang="en-US" dirty="0" smtClean="0"/>
+              <a:t>Use [( )] with </a:t>
+            </a:r>
+            <a:r>
+              <a:rPr lang="en-US" dirty="0" err="1" smtClean="0"/>
+              <a:t>ngModel</a:t>
+            </a:r>
+            <a:r>
+              <a:rPr lang="en-US" dirty="0" smtClean="0"/>
+              <a:t> to synchronize an input with a model</a:t>
+            </a:r>
+          </a:p>
+          <a:p>
+            <a:endParaRPr lang="en-US" dirty="0"/>
           </a:p>
         </p:txBody>
       </p:sp>
+      <p:pic>
+        <p:nvPicPr>
+          <p:cNvPr id="5" name="Picture 4"/>
+          <p:cNvPicPr>
+            <a:picLocks noChangeAspect="1"/>
+          </p:cNvPicPr>
+          <p:nvPr/>
+        </p:nvPicPr>
+        <p:blipFill>
+          <a:blip r:embed="rId2"/>
+          <a:stretch>
+            <a:fillRect/>
+          </a:stretch>
+        </p:blipFill>
+        <p:spPr>
+          <a:xfrm>
+            <a:off x="304800" y="2332526"/>
+            <a:ext cx="6153150" cy="733425"/>
+          </a:xfrm>
+          <a:prstGeom prst="rect">
+            <a:avLst/>
+          </a:prstGeom>
+        </p:spPr>
+      </p:pic>
+      <p:pic>
+        <p:nvPicPr>
+          <p:cNvPr id="6" name="Picture 5"/>
+          <p:cNvPicPr>
+            <a:picLocks noChangeAspect="1"/>
+          </p:cNvPicPr>
+          <p:nvPr/>
+        </p:nvPicPr>
+        <p:blipFill>
+          <a:blip r:embed="rId3"/>
+          <a:stretch>
+            <a:fillRect/>
+          </a:stretch>
+        </p:blipFill>
+        <p:spPr>
+          <a:xfrm>
+            <a:off x="1447800" y="3409950"/>
+            <a:ext cx="6505575" cy="1152525"/>
+          </a:xfrm>
+          <a:prstGeom prst="rect">
+            <a:avLst/>
+          </a:prstGeom>
+        </p:spPr>
+      </p:pic>
+      <p:pic>
+        <p:nvPicPr>
+          <p:cNvPr id="7" name="Picture 6"/>
+          <p:cNvPicPr>
+            <a:picLocks noChangeAspect="1"/>
+          </p:cNvPicPr>
+          <p:nvPr/>
+        </p:nvPicPr>
+        <p:blipFill>
+          <a:blip r:embed="rId4"/>
+          <a:stretch>
+            <a:fillRect/>
+          </a:stretch>
+        </p:blipFill>
+        <p:spPr>
+          <a:xfrm>
+            <a:off x="3048000" y="4871305"/>
+            <a:ext cx="5791200" cy="1381125"/>
+          </a:xfrm>
+          <a:prstGeom prst="rect">
+            <a:avLst/>
+          </a:prstGeom>
+        </p:spPr>
+      </p:pic>
     </p:spTree>
     <p:extLst>
       <p:ext uri="{BB962C8B-B14F-4D97-AF65-F5344CB8AC3E}">
@@ -2926,7 +3043,189 @@
   <p:timing>
     <p:tnLst>
       <p:par>
-        <p:cTn id="1" dur="indefinite" restart="never" nodeType="tmRoot"/>
+        <p:cTn id="1" dur="indefinite" restart="never" nodeType="tmRoot">
+          <p:childTnLst>
+            <p:seq concurrent="1" nextAc="seek">
+              <p:cTn id="2" dur="indefinite" nodeType="mainSeq">
+                <p:childTnLst>
+                  <p:par>
+                    <p:cTn id="3" fill="hold">
+                      <p:stCondLst>
+                        <p:cond delay="indefinite"/>
+                      </p:stCondLst>
+                      <p:childTnLst>
+                        <p:par>
+                          <p:cTn id="4" fill="hold">
+                            <p:stCondLst>
+                              <p:cond delay="0"/>
+                            </p:stCondLst>
+                            <p:childTnLst>
+                              <p:par>
+                                <p:cTn id="5" presetID="10" presetClass="entr" presetSubtype="0" fill="hold" nodeType="clickEffect">
+                                  <p:stCondLst>
+                                    <p:cond delay="0"/>
+                                  </p:stCondLst>
+                                  <p:childTnLst>
+                                    <p:set>
+                                      <p:cBhvr>
+                                        <p:cTn id="6" dur="1" fill="hold">
+                                          <p:stCondLst>
+                                            <p:cond delay="0"/>
+                                          </p:stCondLst>
+                                        </p:cTn>
+                                        <p:tgtEl>
+                                          <p:spTgt spid="5"/>
+                                        </p:tgtEl>
+                                        <p:attrNameLst>
+                                          <p:attrName>style.visibility</p:attrName>
+                                        </p:attrNameLst>
+                                      </p:cBhvr>
+                                      <p:to>
+                                        <p:strVal val="visible"/>
+                                      </p:to>
+                                    </p:set>
+                                    <p:animEffect transition="in" filter="fade">
+                                      <p:cBhvr>
+                                        <p:cTn id="7" dur="500"/>
+                                        <p:tgtEl>
+                                          <p:spTgt spid="5"/>
+                                        </p:tgtEl>
+                                      </p:cBhvr>
+                                    </p:animEffect>
+                                  </p:childTnLst>
+                                </p:cTn>
+                              </p:par>
+                            </p:childTnLst>
+                          </p:cTn>
+                        </p:par>
+                      </p:childTnLst>
+                    </p:cTn>
+                  </p:par>
+                  <p:par>
+                    <p:cTn id="8" fill="hold">
+                      <p:stCondLst>
+                        <p:cond delay="indefinite"/>
+                      </p:stCondLst>
+                      <p:childTnLst>
+                        <p:par>
+                          <p:cTn id="9" fill="hold">
+                            <p:stCondLst>
+                              <p:cond delay="0"/>
+                            </p:stCondLst>
+                            <p:childTnLst>
+                              <p:par>
+                                <p:cTn id="10" presetID="10" presetClass="entr" presetSubtype="0" fill="hold" nodeType="clickEffect">
+                                  <p:stCondLst>
+                                    <p:cond delay="0"/>
+                                  </p:stCondLst>
+                                  <p:childTnLst>
+                                    <p:set>
+                                      <p:cBhvr>
+                                        <p:cTn id="11" dur="1" fill="hold">
+                                          <p:stCondLst>
+                                            <p:cond delay="0"/>
+                                          </p:stCondLst>
+                                        </p:cTn>
+                                        <p:tgtEl>
+                                          <p:spTgt spid="6"/>
+                                        </p:tgtEl>
+                                        <p:attrNameLst>
+                                          <p:attrName>style.visibility</p:attrName>
+                                        </p:attrNameLst>
+                                      </p:cBhvr>
+                                      <p:to>
+                                        <p:strVal val="visible"/>
+                                      </p:to>
+                                    </p:set>
+                                    <p:animEffect transition="in" filter="fade">
+                                      <p:cBhvr>
+                                        <p:cTn id="12" dur="500"/>
+                                        <p:tgtEl>
+                                          <p:spTgt spid="6"/>
+                                        </p:tgtEl>
+                                      </p:cBhvr>
+                                    </p:animEffect>
+                                  </p:childTnLst>
+                                </p:cTn>
+                              </p:par>
+                            </p:childTnLst>
+                          </p:cTn>
+                        </p:par>
+                      </p:childTnLst>
+                    </p:cTn>
+                  </p:par>
+                  <p:par>
+                    <p:cTn id="13" fill="hold">
+                      <p:stCondLst>
+                        <p:cond delay="indefinite"/>
+                      </p:stCondLst>
+                      <p:childTnLst>
+                        <p:par>
+                          <p:cTn id="14" fill="hold">
+                            <p:stCondLst>
+                              <p:cond delay="0"/>
+                            </p:stCondLst>
+                            <p:childTnLst>
+                              <p:par>
+                                <p:cTn id="15" presetID="10" presetClass="entr" presetSubtype="0" fill="hold" nodeType="clickEffect">
+                                  <p:stCondLst>
+                                    <p:cond delay="0"/>
+                                  </p:stCondLst>
+                                  <p:childTnLst>
+                                    <p:set>
+                                      <p:cBhvr>
+                                        <p:cTn id="16" dur="1" fill="hold">
+                                          <p:stCondLst>
+                                            <p:cond delay="0"/>
+                                          </p:stCondLst>
+                                        </p:cTn>
+                                        <p:tgtEl>
+                                          <p:spTgt spid="7"/>
+                                        </p:tgtEl>
+                                        <p:attrNameLst>
+                                          <p:attrName>style.visibility</p:attrName>
+                                        </p:attrNameLst>
+                                      </p:cBhvr>
+                                      <p:to>
+                                        <p:strVal val="visible"/>
+                                      </p:to>
+                                    </p:set>
+                                    <p:animEffect transition="in" filter="fade">
+                                      <p:cBhvr>
+                                        <p:cTn id="17" dur="500"/>
+                                        <p:tgtEl>
+                                          <p:spTgt spid="7"/>
+                                        </p:tgtEl>
+                                      </p:cBhvr>
+                                    </p:animEffect>
+                                  </p:childTnLst>
+                                </p:cTn>
+                              </p:par>
+                            </p:childTnLst>
+                          </p:cTn>
+                        </p:par>
+                      </p:childTnLst>
+                    </p:cTn>
+                  </p:par>
+                </p:childTnLst>
+              </p:cTn>
+              <p:prevCondLst>
+                <p:cond evt="onPrev" delay="0">
+                  <p:tgtEl>
+                    <p:sldTgt/>
+                  </p:tgtEl>
+                </p:cond>
+              </p:prevCondLst>
+              <p:nextCondLst>
+                <p:cond evt="onNext" delay="0">
+                  <p:tgtEl>
+                    <p:sldTgt/>
+                  </p:tgtEl>
+                </p:cond>
+              </p:nextCondLst>
+            </p:seq>
+          </p:childTnLst>
+        </p:cTn>
       </p:par>
     </p:tnLst>
   </p:timing>
@@ -2966,8 +3265,8 @@
           <a:lstStyle/>
           <a:p>
             <a:r>
-              <a:rPr lang="en-US" dirty="0" err="1" smtClean="0"/>
-              <a:t>NgIf</a:t>
+              <a:rPr lang="en-US" dirty="0" smtClean="0"/>
+              <a:t>Using Built-in Directives</a:t>
             </a:r>
             <a:endParaRPr lang="en-US" dirty="0"/>
           </a:p>
@@ -2988,14 +3287,110 @@
           <a:bodyPr/>
           <a:lstStyle/>
           <a:p>
-            <a:endParaRPr lang="en-US"/>
+            <a:r>
+              <a:rPr lang="en-US" dirty="0" smtClean="0"/>
+              <a:t>New binding syntax doesn’t require as many low level directives</a:t>
+            </a:r>
+          </a:p>
+          <a:p>
+            <a:pPr lvl="1"/>
+            <a:r>
+              <a:rPr lang="en-US" dirty="0" smtClean="0"/>
+              <a:t>No need for </a:t>
+            </a:r>
+            <a:r>
+              <a:rPr lang="en-US" dirty="0" err="1" smtClean="0"/>
+              <a:t>ngMouseOver</a:t>
+            </a:r>
+            <a:r>
+              <a:rPr lang="en-US" dirty="0" smtClean="0"/>
+              <a:t> and </a:t>
+            </a:r>
+            <a:r>
+              <a:rPr lang="en-US" dirty="0" err="1" smtClean="0"/>
+              <a:t>ngClick</a:t>
+            </a:r>
+            <a:r>
+              <a:rPr lang="en-US" dirty="0" smtClean="0"/>
+              <a:t>, for example</a:t>
+            </a:r>
+          </a:p>
+          <a:p>
+            <a:r>
+              <a:rPr lang="en-US" dirty="0" smtClean="0"/>
+              <a:t>Ng2 directives are helpers</a:t>
+            </a:r>
+          </a:p>
+          <a:p>
+            <a:pPr lvl="1"/>
+            <a:r>
+              <a:rPr lang="en-US" dirty="0" err="1"/>
+              <a:t>N</a:t>
+            </a:r>
+            <a:r>
+              <a:rPr lang="en-US" dirty="0" err="1" smtClean="0"/>
+              <a:t>gClass</a:t>
+            </a:r>
+            <a:r>
+              <a:rPr lang="en-US" dirty="0" smtClean="0"/>
+              <a:t>, for example</a:t>
+            </a:r>
+            <a:endParaRPr lang="en-US" dirty="0"/>
           </a:p>
         </p:txBody>
       </p:sp>
+      <p:pic>
+        <p:nvPicPr>
+          <p:cNvPr id="4" name="Picture 3"/>
+          <p:cNvPicPr>
+            <a:picLocks noChangeAspect="1"/>
+          </p:cNvPicPr>
+          <p:nvPr/>
+        </p:nvPicPr>
+        <p:blipFill>
+          <a:blip r:embed="rId2"/>
+          <a:stretch>
+            <a:fillRect/>
+          </a:stretch>
+        </p:blipFill>
+        <p:spPr>
+          <a:xfrm>
+            <a:off x="685800" y="3276600"/>
+            <a:ext cx="6829425" cy="981075"/>
+          </a:xfrm>
+          <a:prstGeom prst="rect">
+            <a:avLst/>
+          </a:prstGeom>
+        </p:spPr>
+      </p:pic>
+      <p:pic>
+        <p:nvPicPr>
+          <p:cNvPr id="5" name="Picture 4"/>
+          <p:cNvPicPr>
+            <a:picLocks noChangeAspect="1"/>
+          </p:cNvPicPr>
+          <p:nvPr/>
+        </p:nvPicPr>
+        <p:blipFill>
+          <a:blip r:embed="rId3"/>
+          <a:stretch>
+            <a:fillRect/>
+          </a:stretch>
+        </p:blipFill>
+        <p:spPr>
+          <a:xfrm>
+            <a:off x="3657600" y="4748212"/>
+            <a:ext cx="5162550" cy="1304925"/>
+          </a:xfrm>
+          <a:prstGeom prst="rect">
+            <a:avLst/>
+          </a:prstGeom>
+        </p:spPr>
+      </p:pic>
     </p:spTree>
     <p:extLst>
       <p:ext uri="{BB962C8B-B14F-4D97-AF65-F5344CB8AC3E}">
-        <p14:creationId xmlns:p14="http://schemas.microsoft.com/office/powerpoint/2010/main" val="2194562411"/>
+        <p14:creationId xmlns:p14="http://schemas.microsoft.com/office/powerpoint/2010/main" val="3168594165"/>
       </p:ext>
     </p:extLst>
   </p:cSld>
@@ -3049,7 +3444,7 @@
           <a:p>
             <a:r>
               <a:rPr lang="en-US" dirty="0" err="1" smtClean="0"/>
-              <a:t>NgSwitch</a:t>
+              <a:t>NgIf</a:t>
             </a:r>
             <a:endParaRPr lang="en-US" dirty="0"/>
           </a:p>
@@ -3070,14 +3465,66 @@
           <a:bodyPr/>
           <a:lstStyle/>
           <a:p>
-            <a:endParaRPr lang="en-US"/>
+            <a:r>
+              <a:rPr lang="en-US" dirty="0" smtClean="0"/>
+              <a:t>Add or remove element from DOM</a:t>
+            </a:r>
+            <a:endParaRPr lang="en-US" dirty="0"/>
           </a:p>
         </p:txBody>
       </p:sp>
+      <p:pic>
+        <p:nvPicPr>
+          <p:cNvPr id="4" name="Picture 3"/>
+          <p:cNvPicPr>
+            <a:picLocks noChangeAspect="1"/>
+          </p:cNvPicPr>
+          <p:nvPr/>
+        </p:nvPicPr>
+        <p:blipFill>
+          <a:blip r:embed="rId2"/>
+          <a:stretch>
+            <a:fillRect/>
+          </a:stretch>
+        </p:blipFill>
+        <p:spPr>
+          <a:xfrm>
+            <a:off x="914400" y="2578344"/>
+            <a:ext cx="5419725" cy="1114425"/>
+          </a:xfrm>
+          <a:prstGeom prst="rect">
+            <a:avLst/>
+          </a:prstGeom>
+        </p:spPr>
+      </p:pic>
+      <p:pic>
+        <p:nvPicPr>
+          <p:cNvPr id="5" name="Picture 4"/>
+          <p:cNvPicPr>
+            <a:picLocks noChangeAspect="1"/>
+          </p:cNvPicPr>
+          <p:nvPr/>
+        </p:nvPicPr>
+        <p:blipFill>
+          <a:blip r:embed="rId3"/>
+          <a:stretch>
+            <a:fillRect/>
+          </a:stretch>
+        </p:blipFill>
+        <p:spPr>
+          <a:xfrm>
+            <a:off x="1619250" y="4312260"/>
+            <a:ext cx="7067550" cy="1076325"/>
+          </a:xfrm>
+          <a:prstGeom prst="rect">
+            <a:avLst/>
+          </a:prstGeom>
+        </p:spPr>
+      </p:pic>
     </p:spTree>
     <p:extLst>
       <p:ext uri="{BB962C8B-B14F-4D97-AF65-F5344CB8AC3E}">
-        <p14:creationId xmlns:p14="http://schemas.microsoft.com/office/powerpoint/2010/main" val="1018361556"/>
+        <p14:creationId xmlns:p14="http://schemas.microsoft.com/office/powerpoint/2010/main" val="2194562411"/>
       </p:ext>
     </p:extLst>
   </p:cSld>
@@ -3087,6 +3534,13 @@
   <p:transition>
     <p:fade/>
   </p:transition>
+  <p:timing>
+    <p:tnLst>
+      <p:par>
+        <p:cTn id="1" dur="indefinite" restart="never" nodeType="tmRoot"/>
+      </p:par>
+    </p:tnLst>
+  </p:timing>
 </p:sld>
 </file>
 
@@ -3123,8 +3577,8 @@
           <a:lstStyle/>
           <a:p>
             <a:r>
-              <a:rPr lang="en-US" dirty="0" err="1" smtClean="0"/>
-              <a:t>NgFor</a:t>
+              <a:rPr lang="en-US" dirty="0" smtClean="0"/>
+              <a:t>How Things Work - &lt;template&gt;</a:t>
             </a:r>
             <a:endParaRPr lang="en-US" dirty="0"/>
           </a:p>
@@ -3145,14 +3599,110 @@
           <a:bodyPr/>
           <a:lstStyle/>
           <a:p>
-            <a:endParaRPr lang="en-US"/>
+            <a:r>
+              <a:rPr lang="en-US" dirty="0" smtClean="0"/>
+              <a:t>Defined in HTML5 specification</a:t>
+            </a:r>
+          </a:p>
+          <a:p>
+            <a:r>
+              <a:rPr lang="en-US" dirty="0" smtClean="0"/>
+              <a:t>Holds HTML fragments</a:t>
+            </a:r>
+          </a:p>
+          <a:p>
+            <a:pPr lvl="1"/>
+            <a:r>
+              <a:rPr lang="en-US" dirty="0" smtClean="0"/>
+              <a:t>Browser will not render fragments</a:t>
+            </a:r>
+          </a:p>
+          <a:p>
+            <a:pPr lvl="1"/>
+            <a:r>
+              <a:rPr lang="en-US" dirty="0" smtClean="0"/>
+              <a:t>Fragments are managed by scripts</a:t>
+            </a:r>
+            <a:endParaRPr lang="en-US" dirty="0"/>
           </a:p>
         </p:txBody>
       </p:sp>
+      <p:pic>
+        <p:nvPicPr>
+          <p:cNvPr id="5" name="Picture 4"/>
+          <p:cNvPicPr>
+            <a:picLocks noChangeAspect="1"/>
+          </p:cNvPicPr>
+          <p:nvPr/>
+        </p:nvPicPr>
+        <p:blipFill>
+          <a:blip r:embed="rId2"/>
+          <a:stretch>
+            <a:fillRect/>
+          </a:stretch>
+        </p:blipFill>
+        <p:spPr>
+          <a:xfrm>
+            <a:off x="457200" y="3200400"/>
+            <a:ext cx="4257675" cy="1666875"/>
+          </a:xfrm>
+          <a:prstGeom prst="rect">
+            <a:avLst/>
+          </a:prstGeom>
+        </p:spPr>
+      </p:pic>
+      <p:pic>
+        <p:nvPicPr>
+          <p:cNvPr id="6" name="Picture 5"/>
+          <p:cNvPicPr>
+            <a:picLocks noChangeAspect="1"/>
+          </p:cNvPicPr>
+          <p:nvPr/>
+        </p:nvPicPr>
+        <p:blipFill>
+          <a:blip r:embed="rId3"/>
+          <a:stretch>
+            <a:fillRect/>
+          </a:stretch>
+        </p:blipFill>
+        <p:spPr>
+          <a:xfrm>
+            <a:off x="3209925" y="3521319"/>
+            <a:ext cx="5476875" cy="1724025"/>
+          </a:xfrm>
+          <a:prstGeom prst="rect">
+            <a:avLst/>
+          </a:prstGeom>
+        </p:spPr>
+      </p:pic>
+      <p:pic>
+        <p:nvPicPr>
+          <p:cNvPr id="7" name="Picture 6"/>
+          <p:cNvPicPr>
+            <a:picLocks noChangeAspect="1"/>
+          </p:cNvPicPr>
+          <p:nvPr/>
+        </p:nvPicPr>
+        <p:blipFill>
+          <a:blip r:embed="rId4"/>
+          <a:stretch>
+            <a:fillRect/>
+          </a:stretch>
+        </p:blipFill>
+        <p:spPr>
+          <a:xfrm>
+            <a:off x="1524000" y="5367337"/>
+            <a:ext cx="5419725" cy="1114425"/>
+          </a:xfrm>
+          <a:prstGeom prst="rect">
+            <a:avLst/>
+          </a:prstGeom>
+        </p:spPr>
+      </p:pic>
     </p:spTree>
     <p:extLst>
       <p:ext uri="{BB962C8B-B14F-4D97-AF65-F5344CB8AC3E}">
-        <p14:creationId xmlns:p14="http://schemas.microsoft.com/office/powerpoint/2010/main" val="1714634696"/>
+        <p14:creationId xmlns:p14="http://schemas.microsoft.com/office/powerpoint/2010/main" val="2042164005"/>
       </p:ext>
     </p:extLst>
   </p:cSld>
@@ -3162,6 +3712,195 @@
   <p:transition>
     <p:fade/>
   </p:transition>
+  <p:timing>
+    <p:tnLst>
+      <p:par>
+        <p:cTn id="1" dur="indefinite" restart="never" nodeType="tmRoot">
+          <p:childTnLst>
+            <p:seq concurrent="1" nextAc="seek">
+              <p:cTn id="2" dur="indefinite" nodeType="mainSeq">
+                <p:childTnLst>
+                  <p:par>
+                    <p:cTn id="3" fill="hold">
+                      <p:stCondLst>
+                        <p:cond delay="indefinite"/>
+                      </p:stCondLst>
+                      <p:childTnLst>
+                        <p:par>
+                          <p:cTn id="4" fill="hold">
+                            <p:stCondLst>
+                              <p:cond delay="0"/>
+                            </p:stCondLst>
+                            <p:childTnLst>
+                              <p:par>
+                                <p:cTn id="5" presetID="10" presetClass="entr" presetSubtype="0" fill="hold" nodeType="clickEffect">
+                                  <p:stCondLst>
+                                    <p:cond delay="0"/>
+                                  </p:stCondLst>
+                                  <p:childTnLst>
+                                    <p:set>
+                                      <p:cBhvr>
+                                        <p:cTn id="6" dur="1" fill="hold">
+                                          <p:stCondLst>
+                                            <p:cond delay="0"/>
+                                          </p:stCondLst>
+                                        </p:cTn>
+                                        <p:tgtEl>
+                                          <p:spTgt spid="5"/>
+                                        </p:tgtEl>
+                                        <p:attrNameLst>
+                                          <p:attrName>style.visibility</p:attrName>
+                                        </p:attrNameLst>
+                                      </p:cBhvr>
+                                      <p:to>
+                                        <p:strVal val="visible"/>
+                                      </p:to>
+                                    </p:set>
+                                    <p:animEffect transition="in" filter="fade">
+                                      <p:cBhvr>
+                                        <p:cTn id="7" dur="500"/>
+                                        <p:tgtEl>
+                                          <p:spTgt spid="5"/>
+                                        </p:tgtEl>
+                                      </p:cBhvr>
+                                    </p:animEffect>
+                                  </p:childTnLst>
+                                </p:cTn>
+                              </p:par>
+                            </p:childTnLst>
+                          </p:cTn>
+                        </p:par>
+                      </p:childTnLst>
+                    </p:cTn>
+                  </p:par>
+                  <p:par>
+                    <p:cTn id="8" fill="hold">
+                      <p:stCondLst>
+                        <p:cond delay="indefinite"/>
+                      </p:stCondLst>
+                      <p:childTnLst>
+                        <p:par>
+                          <p:cTn id="9" fill="hold">
+                            <p:stCondLst>
+                              <p:cond delay="0"/>
+                            </p:stCondLst>
+                            <p:childTnLst>
+                              <p:par>
+                                <p:cTn id="10" presetID="10" presetClass="entr" presetSubtype="0" fill="hold" nodeType="clickEffect">
+                                  <p:stCondLst>
+                                    <p:cond delay="0"/>
+                                  </p:stCondLst>
+                                  <p:childTnLst>
+                                    <p:set>
+                                      <p:cBhvr>
+                                        <p:cTn id="11" dur="1" fill="hold">
+                                          <p:stCondLst>
+                                            <p:cond delay="0"/>
+                                          </p:stCondLst>
+                                        </p:cTn>
+                                        <p:tgtEl>
+                                          <p:spTgt spid="6"/>
+                                        </p:tgtEl>
+                                        <p:attrNameLst>
+                                          <p:attrName>style.visibility</p:attrName>
+                                        </p:attrNameLst>
+                                      </p:cBhvr>
+                                      <p:to>
+                                        <p:strVal val="visible"/>
+                                      </p:to>
+                                    </p:set>
+                                    <p:animEffect transition="in" filter="fade">
+                                      <p:cBhvr>
+                                        <p:cTn id="12" dur="500"/>
+                                        <p:tgtEl>
+                                          <p:spTgt spid="6"/>
+                                        </p:tgtEl>
+                                      </p:cBhvr>
+                                    </p:animEffect>
+                                  </p:childTnLst>
+                                </p:cTn>
+                              </p:par>
+                            </p:childTnLst>
+                          </p:cTn>
+                        </p:par>
+                      </p:childTnLst>
+                    </p:cTn>
+                  </p:par>
+                  <p:par>
+                    <p:cTn id="13" fill="hold">
+                      <p:stCondLst>
+                        <p:cond delay="indefinite"/>
+                      </p:stCondLst>
+                      <p:childTnLst>
+                        <p:par>
+                          <p:cTn id="14" fill="hold">
+                            <p:stCondLst>
+                              <p:cond delay="0"/>
+                            </p:stCondLst>
+                            <p:childTnLst>
+                              <p:par>
+                                <p:cTn id="15" presetID="10" presetClass="entr" presetSubtype="0" fill="hold" nodeType="clickEffect">
+                                  <p:stCondLst>
+                                    <p:cond delay="0"/>
+                                  </p:stCondLst>
+                                  <p:childTnLst>
+                                    <p:set>
+                                      <p:cBhvr>
+                                        <p:cTn id="16" dur="1" fill="hold">
+                                          <p:stCondLst>
+                                            <p:cond delay="0"/>
+                                          </p:stCondLst>
+                                        </p:cTn>
+                                        <p:tgtEl>
+                                          <p:spTgt spid="7"/>
+                                        </p:tgtEl>
+                                        <p:attrNameLst>
+                                          <p:attrName>style.visibility</p:attrName>
+                                        </p:attrNameLst>
+                                      </p:cBhvr>
+                                      <p:to>
+                                        <p:strVal val="visible"/>
+                                      </p:to>
+                                    </p:set>
+                                    <p:animEffect transition="in" filter="fade">
+                                      <p:cBhvr>
+                                        <p:cTn id="17" dur="500"/>
+                                        <p:tgtEl>
+                                          <p:spTgt spid="7"/>
+                                        </p:tgtEl>
+                                      </p:cBhvr>
+                                    </p:animEffect>
+                                  </p:childTnLst>
+                                </p:cTn>
+                              </p:par>
+                            </p:childTnLst>
+                          </p:cTn>
+                        </p:par>
+                      </p:childTnLst>
+                    </p:cTn>
+                  </p:par>
+                </p:childTnLst>
+              </p:cTn>
+              <p:prevCondLst>
+                <p:cond evt="onPrev" delay="0">
+                  <p:tgtEl>
+                    <p:sldTgt/>
+                  </p:tgtEl>
+                </p:cond>
+              </p:prevCondLst>
+              <p:nextCondLst>
+                <p:cond evt="onNext" delay="0">
+                  <p:tgtEl>
+                    <p:sldTgt/>
+                  </p:tgtEl>
+                </p:cond>
+              </p:nextCondLst>
+            </p:seq>
+          </p:childTnLst>
+        </p:cTn>
+      </p:par>
+    </p:tnLst>
+  </p:timing>
 </p:sld>
 </file>
 
@@ -3198,8 +3937,8 @@
           <a:lstStyle/>
           <a:p>
             <a:r>
-              <a:rPr lang="en-US" dirty="0" smtClean="0"/>
-              <a:t>Templates and Directives</a:t>
+              <a:rPr lang="en-US" dirty="0" err="1" smtClean="0"/>
+              <a:t>NgSwitch</a:t>
             </a:r>
             <a:endParaRPr lang="en-US" dirty="0"/>
           </a:p>
@@ -3222,16 +3961,40 @@
           <a:p>
             <a:r>
               <a:rPr lang="en-US" dirty="0" smtClean="0"/>
-              <a:t>* syntax</a:t>
+              <a:t>Like a switch statement for DOM manipulation</a:t>
             </a:r>
             <a:endParaRPr lang="en-US" dirty="0"/>
           </a:p>
         </p:txBody>
       </p:sp>
+      <p:pic>
+        <p:nvPicPr>
+          <p:cNvPr id="4" name="Picture 3"/>
+          <p:cNvPicPr>
+            <a:picLocks noChangeAspect="1"/>
+          </p:cNvPicPr>
+          <p:nvPr/>
+        </p:nvPicPr>
+        <p:blipFill>
+          <a:blip r:embed="rId2"/>
+          <a:stretch>
+            <a:fillRect/>
+          </a:stretch>
+        </p:blipFill>
+        <p:spPr>
+          <a:xfrm>
+            <a:off x="1066800" y="3124200"/>
+            <a:ext cx="7239000" cy="1676400"/>
+          </a:xfrm>
+          <a:prstGeom prst="rect">
+            <a:avLst/>
+          </a:prstGeom>
+        </p:spPr>
+      </p:pic>
     </p:spTree>
     <p:extLst>
       <p:ext uri="{BB962C8B-B14F-4D97-AF65-F5344CB8AC3E}">
-        <p14:creationId xmlns:p14="http://schemas.microsoft.com/office/powerpoint/2010/main" val="2042164005"/>
+        <p14:creationId xmlns:p14="http://schemas.microsoft.com/office/powerpoint/2010/main" val="1018361556"/>
       </p:ext>
     </p:extLst>
   </p:cSld>
@@ -3241,6 +4004,13 @@
   <p:transition>
     <p:fade/>
   </p:transition>
+  <p:timing>
+    <p:tnLst>
+      <p:par>
+        <p:cTn id="1" dur="indefinite" restart="never" nodeType="tmRoot"/>
+      </p:par>
+    </p:tnLst>
+  </p:timing>
 </p:sld>
 </file>
 
@@ -3277,8 +4047,8 @@
           <a:lstStyle/>
           <a:p>
             <a:r>
-              <a:rPr lang="en-US" dirty="0" smtClean="0"/>
-              <a:t>Template Variables</a:t>
+              <a:rPr lang="en-US" dirty="0" err="1" smtClean="0"/>
+              <a:t>NgFor</a:t>
             </a:r>
             <a:endParaRPr lang="en-US" dirty="0"/>
           </a:p>
@@ -3299,14 +4069,73 @@
           <a:bodyPr/>
           <a:lstStyle/>
           <a:p>
-            <a:endParaRPr lang="en-US"/>
+            <a:r>
+              <a:rPr lang="en-US" dirty="0" smtClean="0"/>
+              <a:t>Loop over a collection to clone a template once for each item</a:t>
+            </a:r>
+          </a:p>
+          <a:p>
+            <a:pPr lvl="1"/>
+            <a:r>
+              <a:rPr lang="en-US" dirty="0" smtClean="0"/>
+              <a:t>Provides index, last, even, odd for aliasing</a:t>
+            </a:r>
+            <a:endParaRPr lang="en-US" dirty="0"/>
           </a:p>
         </p:txBody>
       </p:sp>
+      <p:pic>
+        <p:nvPicPr>
+          <p:cNvPr id="4" name="Picture 3"/>
+          <p:cNvPicPr>
+            <a:picLocks noChangeAspect="1"/>
+          </p:cNvPicPr>
+          <p:nvPr/>
+        </p:nvPicPr>
+        <p:blipFill>
+          <a:blip r:embed="rId2"/>
+          <a:stretch>
+            <a:fillRect/>
+          </a:stretch>
+        </p:blipFill>
+        <p:spPr>
+          <a:xfrm>
+            <a:off x="381000" y="2695575"/>
+            <a:ext cx="6553200" cy="1571625"/>
+          </a:xfrm>
+          <a:prstGeom prst="rect">
+            <a:avLst/>
+          </a:prstGeom>
+        </p:spPr>
+      </p:pic>
+      <p:pic>
+        <p:nvPicPr>
+          <p:cNvPr id="5" name="Picture 4"/>
+          <p:cNvPicPr>
+            <a:picLocks noChangeAspect="1"/>
+          </p:cNvPicPr>
+          <p:nvPr/>
+        </p:nvPicPr>
+        <p:blipFill>
+          <a:blip r:embed="rId3"/>
+          <a:stretch>
+            <a:fillRect/>
+          </a:stretch>
+        </p:blipFill>
+        <p:spPr>
+          <a:xfrm>
+            <a:off x="1295400" y="4552950"/>
+            <a:ext cx="7677150" cy="1771650"/>
+          </a:xfrm>
+          <a:prstGeom prst="rect">
+            <a:avLst/>
+          </a:prstGeom>
+        </p:spPr>
+      </p:pic>
     </p:spTree>
     <p:extLst>
       <p:ext uri="{BB962C8B-B14F-4D97-AF65-F5344CB8AC3E}">
-        <p14:creationId xmlns:p14="http://schemas.microsoft.com/office/powerpoint/2010/main" val="2205769234"/>
+        <p14:creationId xmlns:p14="http://schemas.microsoft.com/office/powerpoint/2010/main" val="1714634696"/>
       </p:ext>
     </p:extLst>
   </p:cSld>
@@ -3316,6 +4145,13 @@
   <p:transition>
     <p:fade/>
   </p:transition>
+  <p:timing>
+    <p:tnLst>
+      <p:par>
+        <p:cTn id="1" dur="indefinite" restart="never" nodeType="tmRoot"/>
+      </p:par>
+    </p:tnLst>
+  </p:timing>
 </p:sld>
 </file>
 
@@ -3353,7 +4189,7 @@
           <a:p>
             <a:r>
               <a:rPr lang="en-US" dirty="0" smtClean="0"/>
-              <a:t>Null Conditional (Elvis) Operators</a:t>
+              <a:t>Template Variables</a:t>
             </a:r>
             <a:endParaRPr lang="en-US" dirty="0"/>
           </a:p>
@@ -3374,14 +4210,85 @@
           <a:bodyPr/>
           <a:lstStyle/>
           <a:p>
-            <a:endParaRPr lang="en-US"/>
+            <a:r>
+              <a:rPr lang="en-US" dirty="0" smtClean="0"/>
+              <a:t># creates a local template variable</a:t>
+            </a:r>
+          </a:p>
+          <a:p>
+            <a:pPr lvl="1"/>
+            <a:r>
+              <a:rPr lang="en-US" dirty="0" smtClean="0"/>
+              <a:t>Usable from siblings and children</a:t>
+            </a:r>
+          </a:p>
+          <a:p>
+            <a:r>
+              <a:rPr lang="en-US" dirty="0" smtClean="0"/>
+              <a:t>Directive sets the variable</a:t>
+            </a:r>
+          </a:p>
+          <a:p>
+            <a:r>
+              <a:rPr lang="en-US" dirty="0" smtClean="0"/>
+              <a:t>Or, variable refers to the element</a:t>
+            </a:r>
+            <a:endParaRPr lang="en-US" dirty="0"/>
           </a:p>
         </p:txBody>
       </p:sp>
+      <p:pic>
+        <p:nvPicPr>
+          <p:cNvPr id="4" name="Picture 3"/>
+          <p:cNvPicPr>
+            <a:picLocks noChangeAspect="1"/>
+          </p:cNvPicPr>
+          <p:nvPr/>
+        </p:nvPicPr>
+        <p:blipFill>
+          <a:blip r:embed="rId2"/>
+          <a:stretch>
+            <a:fillRect/>
+          </a:stretch>
+        </p:blipFill>
+        <p:spPr>
+          <a:xfrm>
+            <a:off x="463062" y="3200400"/>
+            <a:ext cx="6553200" cy="1571625"/>
+          </a:xfrm>
+          <a:prstGeom prst="rect">
+            <a:avLst/>
+          </a:prstGeom>
+        </p:spPr>
+      </p:pic>
+      <p:pic>
+        <p:nvPicPr>
+          <p:cNvPr id="5" name="Picture 4"/>
+          <p:cNvPicPr>
+            <a:picLocks noChangeAspect="1"/>
+          </p:cNvPicPr>
+          <p:nvPr/>
+        </p:nvPicPr>
+        <p:blipFill>
+          <a:blip r:embed="rId3"/>
+          <a:stretch>
+            <a:fillRect/>
+          </a:stretch>
+        </p:blipFill>
+        <p:spPr>
+          <a:xfrm>
+            <a:off x="2133600" y="4941277"/>
+            <a:ext cx="5857875" cy="1533525"/>
+          </a:xfrm>
+          <a:prstGeom prst="rect">
+            <a:avLst/>
+          </a:prstGeom>
+        </p:spPr>
+      </p:pic>
     </p:spTree>
     <p:extLst>
       <p:ext uri="{BB962C8B-B14F-4D97-AF65-F5344CB8AC3E}">
-        <p14:creationId xmlns:p14="http://schemas.microsoft.com/office/powerpoint/2010/main" val="1817446445"/>
+        <p14:creationId xmlns:p14="http://schemas.microsoft.com/office/powerpoint/2010/main" val="2205769234"/>
       </p:ext>
     </p:extLst>
   </p:cSld>
@@ -3391,6 +4298,142 @@
   <p:transition>
     <p:fade/>
   </p:transition>
+  <p:timing>
+    <p:tnLst>
+      <p:par>
+        <p:cTn id="1" dur="indefinite" restart="never" nodeType="tmRoot">
+          <p:childTnLst>
+            <p:seq concurrent="1" nextAc="seek">
+              <p:cTn id="2" dur="indefinite" nodeType="mainSeq">
+                <p:childTnLst>
+                  <p:par>
+                    <p:cTn id="3" fill="hold">
+                      <p:stCondLst>
+                        <p:cond delay="indefinite"/>
+                      </p:stCondLst>
+                      <p:childTnLst>
+                        <p:par>
+                          <p:cTn id="4" fill="hold">
+                            <p:stCondLst>
+                              <p:cond delay="0"/>
+                            </p:stCondLst>
+                            <p:childTnLst>
+                              <p:par>
+                                <p:cTn id="5" presetID="10" presetClass="entr" presetSubtype="0" fill="hold" nodeType="clickEffect">
+                                  <p:stCondLst>
+                                    <p:cond delay="0"/>
+                                  </p:stCondLst>
+                                  <p:childTnLst>
+                                    <p:set>
+                                      <p:cBhvr>
+                                        <p:cTn id="6" dur="1" fill="hold">
+                                          <p:stCondLst>
+                                            <p:cond delay="0"/>
+                                          </p:stCondLst>
+                                        </p:cTn>
+                                        <p:tgtEl>
+                                          <p:spTgt spid="4"/>
+                                        </p:tgtEl>
+                                        <p:attrNameLst>
+                                          <p:attrName>style.visibility</p:attrName>
+                                        </p:attrNameLst>
+                                      </p:cBhvr>
+                                      <p:to>
+                                        <p:strVal val="visible"/>
+                                      </p:to>
+                                    </p:set>
+                                    <p:animEffect transition="in" filter="fade">
+                                      <p:cBhvr>
+                                        <p:cTn id="7" dur="500"/>
+                                        <p:tgtEl>
+                                          <p:spTgt spid="4"/>
+                                        </p:tgtEl>
+                                      </p:cBhvr>
+                                    </p:animEffect>
+                                  </p:childTnLst>
+                                </p:cTn>
+                              </p:par>
+                            </p:childTnLst>
+                          </p:cTn>
+                        </p:par>
+                      </p:childTnLst>
+                    </p:cTn>
+                  </p:par>
+                  <p:par>
+                    <p:cTn id="8" fill="hold">
+                      <p:stCondLst>
+                        <p:cond delay="indefinite"/>
+                      </p:stCondLst>
+                      <p:childTnLst>
+                        <p:par>
+                          <p:cTn id="9" fill="hold">
+                            <p:stCondLst>
+                              <p:cond delay="0"/>
+                            </p:stCondLst>
+                            <p:childTnLst>
+                              <p:par>
+                                <p:cTn id="10" presetID="10" presetClass="entr" presetSubtype="0" fill="hold" nodeType="clickEffect">
+                                  <p:stCondLst>
+                                    <p:cond delay="0"/>
+                                  </p:stCondLst>
+                                  <p:childTnLst>
+                                    <p:set>
+                                      <p:cBhvr>
+                                        <p:cTn id="11" dur="1" fill="hold">
+                                          <p:stCondLst>
+                                            <p:cond delay="0"/>
+                                          </p:stCondLst>
+                                        </p:cTn>
+                                        <p:tgtEl>
+                                          <p:spTgt spid="5"/>
+                                        </p:tgtEl>
+                                        <p:attrNameLst>
+                                          <p:attrName>style.visibility</p:attrName>
+                                        </p:attrNameLst>
+                                      </p:cBhvr>
+                                      <p:to>
+                                        <p:strVal val="visible"/>
+                                      </p:to>
+                                    </p:set>
+                                    <p:animEffect transition="in" filter="fade">
+                                      <p:cBhvr>
+                                        <p:cTn id="12" dur="500"/>
+                                        <p:tgtEl>
+                                          <p:spTgt spid="5"/>
+                                        </p:tgtEl>
+                                      </p:cBhvr>
+                                    </p:animEffect>
+                                  </p:childTnLst>
+                                </p:cTn>
+                              </p:par>
+                            </p:childTnLst>
+                          </p:cTn>
+                        </p:par>
+                      </p:childTnLst>
+                    </p:cTn>
+                  </p:par>
+                </p:childTnLst>
+              </p:cTn>
+              <p:prevCondLst>
+                <p:cond evt="onPrev" delay="0">
+                  <p:tgtEl>
+                    <p:sldTgt/>
+                  </p:tgtEl>
+                </p:cond>
+              </p:prevCondLst>
+              <p:nextCondLst>
+                <p:cond evt="onNext" delay="0">
+                  <p:tgtEl>
+                    <p:sldTgt/>
+                  </p:tgtEl>
+                </p:cond>
+              </p:nextCondLst>
+            </p:seq>
+          </p:childTnLst>
+        </p:cTn>
+      </p:par>
+    </p:tnLst>
+  </p:timing>
 </p:sld>
 </file>
 
@@ -4408,7 +5451,7 @@
           <a:p>
             <a:r>
               <a:rPr lang="en-US" dirty="0" smtClean="0"/>
-              <a:t>Pipes</a:t>
+              <a:t>Null Conditional (Elvis) Operators</a:t>
             </a:r>
             <a:endParaRPr lang="en-US" dirty="0"/>
           </a:p>
@@ -4429,14 +5472,90 @@
           <a:bodyPr/>
           <a:lstStyle/>
           <a:p>
-            <a:endParaRPr lang="en-US"/>
+            <a:r>
+              <a:rPr lang="en-US" dirty="0" smtClean="0"/>
+              <a:t>Avoid dereferencing null and undefined values</a:t>
+            </a:r>
+            <a:endParaRPr lang="en-US" dirty="0"/>
           </a:p>
         </p:txBody>
       </p:sp>
+      <p:pic>
+        <p:nvPicPr>
+          <p:cNvPr id="4" name="Picture 3"/>
+          <p:cNvPicPr>
+            <a:picLocks noChangeAspect="1"/>
+          </p:cNvPicPr>
+          <p:nvPr/>
+        </p:nvPicPr>
+        <p:blipFill>
+          <a:blip r:embed="rId2"/>
+          <a:stretch>
+            <a:fillRect/>
+          </a:stretch>
+        </p:blipFill>
+        <p:spPr>
+          <a:xfrm>
+            <a:off x="838200" y="3581400"/>
+            <a:ext cx="7610475" cy="762000"/>
+          </a:xfrm>
+          <a:prstGeom prst="rect">
+            <a:avLst/>
+          </a:prstGeom>
+        </p:spPr>
+      </p:pic>
+      <p:pic>
+        <p:nvPicPr>
+          <p:cNvPr id="5" name="Picture 4"/>
+          <p:cNvPicPr>
+            <a:picLocks noChangeAspect="1"/>
+          </p:cNvPicPr>
+          <p:nvPr/>
+        </p:nvPicPr>
+        <p:blipFill>
+          <a:blip r:embed="rId3"/>
+          <a:stretch>
+            <a:fillRect/>
+          </a:stretch>
+        </p:blipFill>
+        <p:spPr>
+          <a:xfrm>
+            <a:off x="2181225" y="2114550"/>
+            <a:ext cx="4781550" cy="1085850"/>
+          </a:xfrm>
+          <a:prstGeom prst="rect">
+            <a:avLst/>
+          </a:prstGeom>
+        </p:spPr>
+      </p:pic>
+      <p:pic>
+        <p:nvPicPr>
+          <p:cNvPr id="6" name="Picture 5"/>
+          <p:cNvPicPr>
+            <a:picLocks noChangeAspect="1"/>
+          </p:cNvPicPr>
+          <p:nvPr/>
+        </p:nvPicPr>
+        <p:blipFill>
+          <a:blip r:embed="rId4"/>
+          <a:stretch>
+            <a:fillRect/>
+          </a:stretch>
+        </p:blipFill>
+        <p:spPr>
+          <a:xfrm>
+            <a:off x="2286000" y="4819650"/>
+            <a:ext cx="4867275" cy="1123950"/>
+          </a:xfrm>
+          <a:prstGeom prst="rect">
+            <a:avLst/>
+          </a:prstGeom>
+        </p:spPr>
+      </p:pic>
     </p:spTree>
     <p:extLst>
       <p:ext uri="{BB962C8B-B14F-4D97-AF65-F5344CB8AC3E}">
-        <p14:creationId xmlns:p14="http://schemas.microsoft.com/office/powerpoint/2010/main" val="3899059712"/>
+        <p14:creationId xmlns:p14="http://schemas.microsoft.com/office/powerpoint/2010/main" val="1817446445"/>
       </p:ext>
     </p:extLst>
   </p:cSld>
@@ -4446,6 +5565,195 @@
   <p:transition>
     <p:fade/>
   </p:transition>
+  <p:timing>
+    <p:tnLst>
+      <p:par>
+        <p:cTn id="1" dur="indefinite" restart="never" nodeType="tmRoot">
+          <p:childTnLst>
+            <p:seq concurrent="1" nextAc="seek">
+              <p:cTn id="2" dur="indefinite" nodeType="mainSeq">
+                <p:childTnLst>
+                  <p:par>
+                    <p:cTn id="3" fill="hold">
+                      <p:stCondLst>
+                        <p:cond delay="indefinite"/>
+                      </p:stCondLst>
+                      <p:childTnLst>
+                        <p:par>
+                          <p:cTn id="4" fill="hold">
+                            <p:stCondLst>
+                              <p:cond delay="0"/>
+                            </p:stCondLst>
+                            <p:childTnLst>
+                              <p:par>
+                                <p:cTn id="5" presetID="10" presetClass="entr" presetSubtype="0" fill="hold" nodeType="clickEffect">
+                                  <p:stCondLst>
+                                    <p:cond delay="0"/>
+                                  </p:stCondLst>
+                                  <p:childTnLst>
+                                    <p:set>
+                                      <p:cBhvr>
+                                        <p:cTn id="6" dur="1" fill="hold">
+                                          <p:stCondLst>
+                                            <p:cond delay="0"/>
+                                          </p:stCondLst>
+                                        </p:cTn>
+                                        <p:tgtEl>
+                                          <p:spTgt spid="5"/>
+                                        </p:tgtEl>
+                                        <p:attrNameLst>
+                                          <p:attrName>style.visibility</p:attrName>
+                                        </p:attrNameLst>
+                                      </p:cBhvr>
+                                      <p:to>
+                                        <p:strVal val="visible"/>
+                                      </p:to>
+                                    </p:set>
+                                    <p:animEffect transition="in" filter="fade">
+                                      <p:cBhvr>
+                                        <p:cTn id="7" dur="500"/>
+                                        <p:tgtEl>
+                                          <p:spTgt spid="5"/>
+                                        </p:tgtEl>
+                                      </p:cBhvr>
+                                    </p:animEffect>
+                                  </p:childTnLst>
+                                </p:cTn>
+                              </p:par>
+                            </p:childTnLst>
+                          </p:cTn>
+                        </p:par>
+                      </p:childTnLst>
+                    </p:cTn>
+                  </p:par>
+                  <p:par>
+                    <p:cTn id="8" fill="hold">
+                      <p:stCondLst>
+                        <p:cond delay="indefinite"/>
+                      </p:stCondLst>
+                      <p:childTnLst>
+                        <p:par>
+                          <p:cTn id="9" fill="hold">
+                            <p:stCondLst>
+                              <p:cond delay="0"/>
+                            </p:stCondLst>
+                            <p:childTnLst>
+                              <p:par>
+                                <p:cTn id="10" presetID="10" presetClass="entr" presetSubtype="0" fill="hold" nodeType="clickEffect">
+                                  <p:stCondLst>
+                                    <p:cond delay="0"/>
+                                  </p:stCondLst>
+                                  <p:childTnLst>
+                                    <p:set>
+                                      <p:cBhvr>
+                                        <p:cTn id="11" dur="1" fill="hold">
+                                          <p:stCondLst>
+                                            <p:cond delay="0"/>
+                                          </p:stCondLst>
+                                        </p:cTn>
+                                        <p:tgtEl>
+                                          <p:spTgt spid="4"/>
+                                        </p:tgtEl>
+                                        <p:attrNameLst>
+                                          <p:attrName>style.visibility</p:attrName>
+                                        </p:attrNameLst>
+                                      </p:cBhvr>
+                                      <p:to>
+                                        <p:strVal val="visible"/>
+                                      </p:to>
+                                    </p:set>
+                                    <p:animEffect transition="in" filter="fade">
+                                      <p:cBhvr>
+                                        <p:cTn id="12" dur="500"/>
+                                        <p:tgtEl>
+                                          <p:spTgt spid="4"/>
+                                        </p:tgtEl>
+                                      </p:cBhvr>
+                                    </p:animEffect>
+                                  </p:childTnLst>
+                                </p:cTn>
+                              </p:par>
+                            </p:childTnLst>
+                          </p:cTn>
+                        </p:par>
+                      </p:childTnLst>
+                    </p:cTn>
+                  </p:par>
+                  <p:par>
+                    <p:cTn id="13" fill="hold">
+                      <p:stCondLst>
+                        <p:cond delay="indefinite"/>
+                      </p:stCondLst>
+                      <p:childTnLst>
+                        <p:par>
+                          <p:cTn id="14" fill="hold">
+                            <p:stCondLst>
+                              <p:cond delay="0"/>
+                            </p:stCondLst>
+                            <p:childTnLst>
+                              <p:par>
+                                <p:cTn id="15" presetID="10" presetClass="entr" presetSubtype="0" fill="hold" nodeType="clickEffect">
+                                  <p:stCondLst>
+                                    <p:cond delay="0"/>
+                                  </p:stCondLst>
+                                  <p:childTnLst>
+                                    <p:set>
+                                      <p:cBhvr>
+                                        <p:cTn id="16" dur="1" fill="hold">
+                                          <p:stCondLst>
+                                            <p:cond delay="0"/>
+                                          </p:stCondLst>
+                                        </p:cTn>
+                                        <p:tgtEl>
+                                          <p:spTgt spid="6"/>
+                                        </p:tgtEl>
+                                        <p:attrNameLst>
+                                          <p:attrName>style.visibility</p:attrName>
+                                        </p:attrNameLst>
+                                      </p:cBhvr>
+                                      <p:to>
+                                        <p:strVal val="visible"/>
+                                      </p:to>
+                                    </p:set>
+                                    <p:animEffect transition="in" filter="fade">
+                                      <p:cBhvr>
+                                        <p:cTn id="17" dur="500"/>
+                                        <p:tgtEl>
+                                          <p:spTgt spid="6"/>
+                                        </p:tgtEl>
+                                      </p:cBhvr>
+                                    </p:animEffect>
+                                  </p:childTnLst>
+                                </p:cTn>
+                              </p:par>
+                            </p:childTnLst>
+                          </p:cTn>
+                        </p:par>
+                      </p:childTnLst>
+                    </p:cTn>
+                  </p:par>
+                </p:childTnLst>
+              </p:cTn>
+              <p:prevCondLst>
+                <p:cond evt="onPrev" delay="0">
+                  <p:tgtEl>
+                    <p:sldTgt/>
+                  </p:tgtEl>
+                </p:cond>
+              </p:prevCondLst>
+              <p:nextCondLst>
+                <p:cond evt="onNext" delay="0">
+                  <p:tgtEl>
+                    <p:sldTgt/>
+                  </p:tgtEl>
+                </p:cond>
+              </p:nextCondLst>
+            </p:seq>
+          </p:childTnLst>
+        </p:cTn>
+      </p:par>
+    </p:tnLst>
+  </p:timing>
 </p:sld>
 </file>
 
@@ -4483,7 +5791,7 @@
           <a:p>
             <a:r>
               <a:rPr lang="en-US" dirty="0" smtClean="0"/>
-              <a:t>Pipe Parameters</a:t>
+              <a:t>Pipes</a:t>
             </a:r>
             <a:endParaRPr lang="en-US" dirty="0"/>
           </a:p>
@@ -4504,14 +5812,42 @@
           <a:bodyPr/>
           <a:lstStyle/>
           <a:p>
-            <a:endParaRPr lang="en-US"/>
+            <a:r>
+              <a:rPr lang="en-US" dirty="0" smtClean="0"/>
+              <a:t>Typically format a model value for display</a:t>
+            </a:r>
+            <a:endParaRPr lang="en-US" dirty="0"/>
           </a:p>
         </p:txBody>
       </p:sp>
+      <p:pic>
+        <p:nvPicPr>
+          <p:cNvPr id="4" name="Picture 3"/>
+          <p:cNvPicPr>
+            <a:picLocks noChangeAspect="1"/>
+          </p:cNvPicPr>
+          <p:nvPr/>
+        </p:nvPicPr>
+        <p:blipFill>
+          <a:blip r:embed="rId2"/>
+          <a:stretch>
+            <a:fillRect/>
+          </a:stretch>
+        </p:blipFill>
+        <p:spPr>
+          <a:xfrm>
+            <a:off x="1295400" y="2895600"/>
+            <a:ext cx="6397574" cy="1200150"/>
+          </a:xfrm>
+          <a:prstGeom prst="rect">
+            <a:avLst/>
+          </a:prstGeom>
+        </p:spPr>
+      </p:pic>
     </p:spTree>
     <p:extLst>
       <p:ext uri="{BB962C8B-B14F-4D97-AF65-F5344CB8AC3E}">
-        <p14:creationId xmlns:p14="http://schemas.microsoft.com/office/powerpoint/2010/main" val="2860397309"/>
+        <p14:creationId xmlns:p14="http://schemas.microsoft.com/office/powerpoint/2010/main" val="3899059712"/>
       </p:ext>
     </p:extLst>
   </p:cSld>
@@ -4521,6 +5857,13 @@
   <p:transition>
     <p:fade/>
   </p:transition>
+  <p:timing>
+    <p:tnLst>
+      <p:par>
+        <p:cTn id="1" dur="indefinite" restart="never" nodeType="tmRoot"/>
+      </p:par>
+    </p:tnLst>
+  </p:timing>
 </p:sld>
 </file>
 
@@ -4596,6 +5939,13 @@
   <p:transition>
     <p:fade/>
   </p:transition>
+  <p:timing>
+    <p:tnLst>
+      <p:par>
+        <p:cTn id="1" dur="indefinite" restart="never" nodeType="tmRoot"/>
+      </p:par>
+    </p:tnLst>
+  </p:timing>
 </p:sld>
 </file>
 
@@ -4662,6 +6012,226 @@
           </a:p>
         </p:txBody>
       </p:sp>
+      <p:sp>
+        <p:nvSpPr>
+          <p:cNvPr id="4" name="Rectangle 3"/>
+          <p:cNvSpPr/>
+          <p:nvPr/>
+        </p:nvSpPr>
+        <p:spPr bwMode="auto">
+          <a:xfrm>
+            <a:off x="5535930" y="1371600"/>
+            <a:ext cx="2819400" cy="990600"/>
+          </a:xfrm>
+          <a:prstGeom prst="rect">
+            <a:avLst/>
+          </a:prstGeom>
+          <a:ln>
+            <a:headEnd/>
+            <a:tailEnd/>
+          </a:ln>
+        </p:spPr>
+        <p:style>
+          <a:lnRef idx="2">
+            <a:schemeClr val="accent2">
+              <a:shade val="50000"/>
+            </a:schemeClr>
+          </a:lnRef>
+          <a:fillRef idx="1">
+            <a:schemeClr val="accent2"/>
+          </a:fillRef>
+          <a:effectRef idx="0">
+            <a:schemeClr val="accent2"/>
+          </a:effectRef>
+          <a:fontRef idx="minor">
+            <a:schemeClr val="lt1"/>
+          </a:fontRef>
+        </p:style>
+        <p:txBody>
+          <a:bodyPr wrap="none" rtlCol="0" anchor="ctr"/>
+          <a:lstStyle/>
+          <a:p>
+            <a:pPr algn="ctr"/>
+            <a:r>
+              <a:rPr lang="en-US" sz="2000" dirty="0" smtClean="0">
+                <a:solidFill>
+                  <a:schemeClr val="tx1"/>
+                </a:solidFill>
+                <a:latin typeface="Tekton Pro" pitchFamily="34" charset="0"/>
+              </a:rPr>
+              <a:t>&lt;template&gt;</a:t>
+            </a:r>
+            <a:endParaRPr lang="en-US" sz="2000" dirty="0">
+              <a:solidFill>
+                <a:schemeClr val="tx1"/>
+              </a:solidFill>
+              <a:latin typeface="Tekton Pro" pitchFamily="34" charset="0"/>
+            </a:endParaRPr>
+          </a:p>
+        </p:txBody>
+      </p:sp>
+      <p:sp>
+        <p:nvSpPr>
+          <p:cNvPr id="5" name="Rectangle 4"/>
+          <p:cNvSpPr/>
+          <p:nvPr/>
+        </p:nvSpPr>
+        <p:spPr bwMode="auto">
+          <a:xfrm>
+            <a:off x="5535930" y="4648200"/>
+            <a:ext cx="2819400" cy="1143000"/>
+          </a:xfrm>
+          <a:prstGeom prst="rect">
+            <a:avLst/>
+          </a:prstGeom>
+          <a:ln>
+            <a:headEnd/>
+            <a:tailEnd/>
+          </a:ln>
+        </p:spPr>
+        <p:style>
+          <a:lnRef idx="2">
+            <a:schemeClr val="accent2">
+              <a:shade val="50000"/>
+            </a:schemeClr>
+          </a:lnRef>
+          <a:fillRef idx="1">
+            <a:schemeClr val="accent2"/>
+          </a:fillRef>
+          <a:effectRef idx="0">
+            <a:schemeClr val="accent2"/>
+          </a:effectRef>
+          <a:fontRef idx="minor">
+            <a:schemeClr val="lt1"/>
+          </a:fontRef>
+        </p:style>
+        <p:txBody>
+          <a:bodyPr wrap="none" rtlCol="0" anchor="ctr"/>
+          <a:lstStyle/>
+          <a:p>
+            <a:pPr algn="ctr"/>
+            <a:r>
+              <a:rPr lang="en-US" sz="2000" dirty="0" smtClean="0">
+                <a:solidFill>
+                  <a:schemeClr val="tx1"/>
+                </a:solidFill>
+                <a:latin typeface="Tekton Pro" pitchFamily="34" charset="0"/>
+              </a:rPr>
+              <a:t>@Component</a:t>
+            </a:r>
+            <a:endParaRPr lang="en-US" sz="2000" dirty="0">
+              <a:solidFill>
+                <a:schemeClr val="tx1"/>
+              </a:solidFill>
+              <a:latin typeface="Tekton Pro" pitchFamily="34" charset="0"/>
+            </a:endParaRPr>
+          </a:p>
+        </p:txBody>
+      </p:sp>
+      <p:sp>
+        <p:nvSpPr>
+          <p:cNvPr id="6" name="Up Arrow 5"/>
+          <p:cNvSpPr/>
+          <p:nvPr/>
+        </p:nvSpPr>
+        <p:spPr bwMode="auto">
+          <a:xfrm>
+            <a:off x="5543550" y="2171700"/>
+            <a:ext cx="914400" cy="2667000"/>
+          </a:xfrm>
+          <a:prstGeom prst="upArrow">
+            <a:avLst/>
+          </a:prstGeom>
+          <a:ln>
+            <a:headEnd/>
+            <a:tailEnd/>
+          </a:ln>
+        </p:spPr>
+        <p:style>
+          <a:lnRef idx="2">
+            <a:schemeClr val="accent6">
+              <a:shade val="50000"/>
+            </a:schemeClr>
+          </a:lnRef>
+          <a:fillRef idx="1">
+            <a:schemeClr val="accent6"/>
+          </a:fillRef>
+          <a:effectRef idx="0">
+            <a:schemeClr val="accent6"/>
+          </a:effectRef>
+          <a:fontRef idx="minor">
+            <a:schemeClr val="lt1"/>
+          </a:fontRef>
+        </p:style>
+        <p:txBody>
+          <a:bodyPr vert="vert" wrap="none" rtlCol="0" anchor="ctr"/>
+          <a:lstStyle/>
+          <a:p>
+            <a:pPr algn="ctr"/>
+            <a:r>
+              <a:rPr lang="en-US" sz="2000" dirty="0" smtClean="0">
+                <a:latin typeface="Tekton Pro" pitchFamily="34" charset="0"/>
+              </a:rPr>
+              <a:t>properties</a:t>
+            </a:r>
+            <a:endParaRPr lang="en-US" sz="2000" dirty="0">
+              <a:latin typeface="Tekton Pro" pitchFamily="34" charset="0"/>
+            </a:endParaRPr>
+          </a:p>
+        </p:txBody>
+      </p:sp>
+      <p:sp>
+        <p:nvSpPr>
+          <p:cNvPr id="7" name="Up Arrow 6"/>
+          <p:cNvSpPr/>
+          <p:nvPr/>
+        </p:nvSpPr>
+        <p:spPr bwMode="auto">
+          <a:xfrm rot="10800000">
+            <a:off x="7463790" y="2209800"/>
+            <a:ext cx="914400" cy="2667000"/>
+          </a:xfrm>
+          <a:prstGeom prst="upArrow">
+            <a:avLst/>
+          </a:prstGeom>
+          <a:ln>
+            <a:headEnd/>
+            <a:tailEnd/>
+          </a:ln>
+        </p:spPr>
+        <p:style>
+          <a:lnRef idx="2">
+            <a:schemeClr val="accent6">
+              <a:shade val="50000"/>
+            </a:schemeClr>
+          </a:lnRef>
+          <a:fillRef idx="1">
+            <a:schemeClr val="accent6"/>
+          </a:fillRef>
+          <a:effectRef idx="0">
+            <a:schemeClr val="accent6"/>
+          </a:effectRef>
+          <a:fontRef idx="minor">
+            <a:schemeClr val="lt1"/>
+          </a:fontRef>
+        </p:style>
+        <p:txBody>
+          <a:bodyPr vert="vert270" wrap="none" rtlCol="0" anchor="ctr"/>
+          <a:lstStyle/>
+          <a:p>
+            <a:pPr algn="ctr"/>
+            <a:r>
+              <a:rPr lang="en-US" sz="2000" dirty="0" smtClean="0">
+                <a:latin typeface="Tekton Pro" pitchFamily="34" charset="0"/>
+              </a:rPr>
+              <a:t>events</a:t>
+            </a:r>
+            <a:endParaRPr lang="en-US" sz="2000" dirty="0">
+              <a:latin typeface="Tekton Pro" pitchFamily="34" charset="0"/>
+            </a:endParaRPr>
+          </a:p>
+        </p:txBody>
+      </p:sp>
     </p:spTree>
     <p:extLst>
       <p:ext uri="{BB962C8B-B14F-4D97-AF65-F5344CB8AC3E}">
@@ -4678,9 +6248,250 @@
   <p:timing>
     <p:tnLst>
       <p:par>
-        <p:cTn id="1" dur="indefinite" restart="never" nodeType="tmRoot"/>
+        <p:cTn id="1" dur="indefinite" restart="never" nodeType="tmRoot">
+          <p:childTnLst>
+            <p:seq concurrent="1" nextAc="seek">
+              <p:cTn id="2" dur="indefinite" nodeType="mainSeq">
+                <p:childTnLst>
+                  <p:par>
+                    <p:cTn id="3" fill="hold">
+                      <p:stCondLst>
+                        <p:cond delay="indefinite"/>
+                      </p:stCondLst>
+                      <p:childTnLst>
+                        <p:par>
+                          <p:cTn id="4" fill="hold">
+                            <p:stCondLst>
+                              <p:cond delay="0"/>
+                            </p:stCondLst>
+                            <p:childTnLst>
+                              <p:par>
+                                <p:cTn id="5" presetID="10" presetClass="entr" presetSubtype="0" fill="hold" grpId="0" nodeType="clickEffect">
+                                  <p:stCondLst>
+                                    <p:cond delay="0"/>
+                                  </p:stCondLst>
+                                  <p:childTnLst>
+                                    <p:set>
+                                      <p:cBhvr>
+                                        <p:cTn id="6" dur="1" fill="hold">
+                                          <p:stCondLst>
+                                            <p:cond delay="0"/>
+                                          </p:stCondLst>
+                                        </p:cTn>
+                                        <p:tgtEl>
+                                          <p:spTgt spid="5"/>
+                                        </p:tgtEl>
+                                        <p:attrNameLst>
+                                          <p:attrName>style.visibility</p:attrName>
+                                        </p:attrNameLst>
+                                      </p:cBhvr>
+                                      <p:to>
+                                        <p:strVal val="visible"/>
+                                      </p:to>
+                                    </p:set>
+                                    <p:animEffect transition="in" filter="fade">
+                                      <p:cBhvr>
+                                        <p:cTn id="7" dur="500"/>
+                                        <p:tgtEl>
+                                          <p:spTgt spid="5"/>
+                                        </p:tgtEl>
+                                      </p:cBhvr>
+                                    </p:animEffect>
+                                  </p:childTnLst>
+                                </p:cTn>
+                              </p:par>
+                            </p:childTnLst>
+                          </p:cTn>
+                        </p:par>
+                      </p:childTnLst>
+                    </p:cTn>
+                  </p:par>
+                  <p:par>
+                    <p:cTn id="8" fill="hold">
+                      <p:stCondLst>
+                        <p:cond delay="indefinite"/>
+                      </p:stCondLst>
+                      <p:childTnLst>
+                        <p:par>
+                          <p:cTn id="9" fill="hold">
+                            <p:stCondLst>
+                              <p:cond delay="0"/>
+                            </p:stCondLst>
+                            <p:childTnLst>
+                              <p:par>
+                                <p:cTn id="10" presetID="10" presetClass="entr" presetSubtype="0" fill="hold" grpId="0" nodeType="clickEffect">
+                                  <p:stCondLst>
+                                    <p:cond delay="0"/>
+                                  </p:stCondLst>
+                                  <p:childTnLst>
+                                    <p:set>
+                                      <p:cBhvr>
+                                        <p:cTn id="11" dur="1" fill="hold">
+                                          <p:stCondLst>
+                                            <p:cond delay="0"/>
+                                          </p:stCondLst>
+                                        </p:cTn>
+                                        <p:tgtEl>
+                                          <p:spTgt spid="4"/>
+                                        </p:tgtEl>
+                                        <p:attrNameLst>
+                                          <p:attrName>style.visibility</p:attrName>
+                                        </p:attrNameLst>
+                                      </p:cBhvr>
+                                      <p:to>
+                                        <p:strVal val="visible"/>
+                                      </p:to>
+                                    </p:set>
+                                    <p:animEffect transition="in" filter="fade">
+                                      <p:cBhvr>
+                                        <p:cTn id="12" dur="500"/>
+                                        <p:tgtEl>
+                                          <p:spTgt spid="4"/>
+                                        </p:tgtEl>
+                                      </p:cBhvr>
+                                    </p:animEffect>
+                                  </p:childTnLst>
+                                </p:cTn>
+                              </p:par>
+                            </p:childTnLst>
+                          </p:cTn>
+                        </p:par>
+                      </p:childTnLst>
+                    </p:cTn>
+                  </p:par>
+                  <p:par>
+                    <p:cTn id="13" fill="hold">
+                      <p:stCondLst>
+                        <p:cond delay="indefinite"/>
+                      </p:stCondLst>
+                      <p:childTnLst>
+                        <p:par>
+                          <p:cTn id="14" fill="hold">
+                            <p:stCondLst>
+                              <p:cond delay="0"/>
+                            </p:stCondLst>
+                            <p:childTnLst>
+                              <p:par>
+                                <p:cTn id="15" presetID="10" presetClass="entr" presetSubtype="0" fill="hold" grpId="0" nodeType="clickEffect">
+                                  <p:stCondLst>
+                                    <p:cond delay="0"/>
+                                  </p:stCondLst>
+                                  <p:childTnLst>
+                                    <p:set>
+                                      <p:cBhvr>
+                                        <p:cTn id="16" dur="1" fill="hold">
+                                          <p:stCondLst>
+                                            <p:cond delay="0"/>
+                                          </p:stCondLst>
+                                        </p:cTn>
+                                        <p:tgtEl>
+                                          <p:spTgt spid="6"/>
+                                        </p:tgtEl>
+                                        <p:attrNameLst>
+                                          <p:attrName>style.visibility</p:attrName>
+                                        </p:attrNameLst>
+                                      </p:cBhvr>
+                                      <p:to>
+                                        <p:strVal val="visible"/>
+                                      </p:to>
+                                    </p:set>
+                                    <p:animEffect transition="in" filter="fade">
+                                      <p:cBhvr>
+                                        <p:cTn id="17" dur="500"/>
+                                        <p:tgtEl>
+                                          <p:spTgt spid="6"/>
+                                        </p:tgtEl>
+                                      </p:cBhvr>
+                                    </p:animEffect>
+                                  </p:childTnLst>
+                                </p:cTn>
+                              </p:par>
+                            </p:childTnLst>
+                          </p:cTn>
+                        </p:par>
+                      </p:childTnLst>
+                    </p:cTn>
+                  </p:par>
+                  <p:par>
+                    <p:cTn id="18" fill="hold">
+                      <p:stCondLst>
+                        <p:cond delay="indefinite"/>
+                      </p:stCondLst>
+                      <p:childTnLst>
+                        <p:par>
+                          <p:cTn id="19" fill="hold">
+                            <p:stCondLst>
+                              <p:cond delay="0"/>
+                            </p:stCondLst>
+                            <p:childTnLst>
+                              <p:par>
+                                <p:cTn id="20" presetID="10" presetClass="entr" presetSubtype="0" fill="hold" grpId="0" nodeType="clickEffect">
+                                  <p:stCondLst>
+                                    <p:cond delay="0"/>
+                                  </p:stCondLst>
+                                  <p:childTnLst>
+                                    <p:set>
+                                      <p:cBhvr>
+                                        <p:cTn id="21" dur="1" fill="hold">
+                                          <p:stCondLst>
+                                            <p:cond delay="0"/>
+                                          </p:stCondLst>
+                                        </p:cTn>
+                                        <p:tgtEl>
+                                          <p:spTgt spid="7"/>
+                                        </p:tgtEl>
+                                        <p:attrNameLst>
+                                          <p:attrName>style.visibility</p:attrName>
+                                        </p:attrNameLst>
+                                      </p:cBhvr>
+                                      <p:to>
+                                        <p:strVal val="visible"/>
+                                      </p:to>
+                                    </p:set>
+                                    <p:animEffect transition="in" filter="fade">
+                                      <p:cBhvr>
+                                        <p:cTn id="22" dur="500"/>
+                                        <p:tgtEl>
+                                          <p:spTgt spid="7"/>
+                                        </p:tgtEl>
+                                      </p:cBhvr>
+                                    </p:animEffect>
+                                  </p:childTnLst>
+                                </p:cTn>
+                              </p:par>
+                            </p:childTnLst>
+                          </p:cTn>
+                        </p:par>
+                      </p:childTnLst>
+                    </p:cTn>
+                  </p:par>
+                </p:childTnLst>
+              </p:cTn>
+              <p:prevCondLst>
+                <p:cond evt="onPrev" delay="0">
+                  <p:tgtEl>
+                    <p:sldTgt/>
+                  </p:tgtEl>
+                </p:cond>
+              </p:prevCondLst>
+              <p:nextCondLst>
+                <p:cond evt="onNext" delay="0">
+                  <p:tgtEl>
+                    <p:sldTgt/>
+                  </p:tgtEl>
+                </p:cond>
+              </p:nextCondLst>
+            </p:seq>
+          </p:childTnLst>
+        </p:cTn>
       </p:par>
     </p:tnLst>
+    <p:bldLst>
+      <p:bldP spid="4" grpId="0" animBg="1"/>
+      <p:bldP spid="5" grpId="0" animBg="1"/>
+      <p:bldP spid="6" grpId="0" animBg="1"/>
+      <p:bldP spid="7" grpId="0" animBg="1"/>
+    </p:bldLst>
   </p:timing>
 </p:sld>
 </file>
@@ -5283,13 +7094,7 @@
               <a:rPr lang="en-US" sz="2000" dirty="0" smtClean="0">
                 <a:latin typeface="Tekton Pro" pitchFamily="34" charset="0"/>
               </a:rPr>
-              <a:t>Property</a:t>
-            </a:r>
-            <a:r>
-              <a:rPr lang="en-US" sz="2000" dirty="0" smtClean="0">
-                <a:latin typeface="Tekton Pro" pitchFamily="34" charset="0"/>
-              </a:rPr>
-              <a:t> Binding</a:t>
+              <a:t>Property Binding</a:t>
             </a:r>
             <a:endParaRPr lang="en-US" sz="2000" dirty="0">
               <a:latin typeface="Tekton Pro" pitchFamily="34" charset="0"/>
@@ -5393,13 +7198,7 @@
               <a:rPr lang="en-US" sz="2000" dirty="0" smtClean="0">
                 <a:latin typeface="Tekton Pro" pitchFamily="34" charset="0"/>
               </a:rPr>
-              <a:t>Attribute</a:t>
-            </a:r>
-            <a:r>
-              <a:rPr lang="en-US" sz="2000" dirty="0" smtClean="0">
-                <a:latin typeface="Tekton Pro" pitchFamily="34" charset="0"/>
-              </a:rPr>
-              <a:t> Binding</a:t>
+              <a:t>Attribute Binding</a:t>
             </a:r>
             <a:endParaRPr lang="en-US" sz="2000" dirty="0">
               <a:latin typeface="Tekton Pro" pitchFamily="34" charset="0"/>

--- a/angular2/slides/05_templates.pptx
+++ b/angular2/slides/05_templates.pptx
@@ -286,7 +286,7 @@
               <a:pPr>
                 <a:defRPr/>
               </a:pPr>
-              <a:t>12/27/2015</a:t>
+              <a:t>12/28/2015</a:t>
             </a:fld>
             <a:endParaRPr lang="en-US"/>
           </a:p>
@@ -2474,13 +2474,6 @@
   <p:transition>
     <p:fade/>
   </p:transition>
-  <p:timing>
-    <p:tnLst>
-      <p:par>
-        <p:cTn id="1" dur="indefinite" restart="never" nodeType="tmRoot"/>
-      </p:par>
-    </p:tnLst>
-  </p:timing>
 </p:sld>
 </file>
 
@@ -2594,13 +2587,6 @@
   <p:transition>
     <p:fade/>
   </p:transition>
-  <p:timing>
-    <p:tnLst>
-      <p:par>
-        <p:cTn id="1" dur="indefinite" restart="never" nodeType="tmRoot"/>
-      </p:par>
-    </p:tnLst>
-  </p:timing>
 </p:sld>
 </file>
 
@@ -2736,13 +2722,6 @@
   <p:transition>
     <p:fade/>
   </p:transition>
-  <p:timing>
-    <p:tnLst>
-      <p:par>
-        <p:cTn id="1" dur="indefinite" restart="never" nodeType="tmRoot"/>
-      </p:par>
-    </p:tnLst>
-  </p:timing>
 </p:sld>
 </file>
 
@@ -2810,21 +2789,8 @@
             <a:pPr lvl="1"/>
             <a:r>
               <a:rPr lang="en-US" dirty="0" smtClean="0"/>
-              <a:t>Return false </a:t>
-            </a:r>
-            <a:r>
-              <a:rPr lang="en-US" dirty="0" smtClean="0"/>
-              <a:t>or use event API to </a:t>
-            </a:r>
-            <a:r>
-              <a:rPr lang="en-US" dirty="0" smtClean="0"/>
-              <a:t>stop </a:t>
-            </a:r>
-            <a:r>
-              <a:rPr lang="en-US" dirty="0" smtClean="0"/>
-              <a:t>bubbling</a:t>
-            </a:r>
-            <a:endParaRPr lang="en-US" dirty="0" smtClean="0"/>
+              <a:t>Return false or use event API to stop bubbling</a:t>
+            </a:r>
           </a:p>
           <a:p>
             <a:r>
@@ -2872,13 +2838,6 @@
   <p:transition>
     <p:fade/>
   </p:transition>
-  <p:timing>
-    <p:tnLst>
-      <p:par>
-        <p:cTn id="1" dur="indefinite" restart="never" nodeType="tmRoot"/>
-      </p:par>
-    </p:tnLst>
-  </p:timing>
 </p:sld>
 </file>
 
@@ -3400,13 +3359,6 @@
   <p:transition>
     <p:fade/>
   </p:transition>
-  <p:timing>
-    <p:tnLst>
-      <p:par>
-        <p:cTn id="1" dur="indefinite" restart="never" nodeType="tmRoot"/>
-      </p:par>
-    </p:tnLst>
-  </p:timing>
 </p:sld>
 </file>
 
@@ -3534,13 +3486,6 @@
   <p:transition>
     <p:fade/>
   </p:transition>
-  <p:timing>
-    <p:tnLst>
-      <p:par>
-        <p:cTn id="1" dur="indefinite" restart="never" nodeType="tmRoot"/>
-      </p:par>
-    </p:tnLst>
-  </p:timing>
 </p:sld>
 </file>
 
@@ -4004,13 +3949,6 @@
   <p:transition>
     <p:fade/>
   </p:transition>
-  <p:timing>
-    <p:tnLst>
-      <p:par>
-        <p:cTn id="1" dur="indefinite" restart="never" nodeType="tmRoot"/>
-      </p:par>
-    </p:tnLst>
-  </p:timing>
 </p:sld>
 </file>
 
@@ -4145,13 +4083,6 @@
   <p:transition>
     <p:fade/>
   </p:transition>
-  <p:timing>
-    <p:tnLst>
-      <p:par>
-        <p:cTn id="1" dur="indefinite" restart="never" nodeType="tmRoot"/>
-      </p:par>
-    </p:tnLst>
-  </p:timing>
 </p:sld>
 </file>
 
@@ -5857,13 +5788,6 @@
   <p:transition>
     <p:fade/>
   </p:transition>
-  <p:timing>
-    <p:tnLst>
-      <p:par>
-        <p:cTn id="1" dur="indefinite" restart="never" nodeType="tmRoot"/>
-      </p:par>
-    </p:tnLst>
-  </p:timing>
 </p:sld>
 </file>
 
@@ -5922,10 +5846,75 @@
           <a:bodyPr/>
           <a:lstStyle/>
           <a:p>
-            <a:endParaRPr lang="en-US"/>
+            <a:r>
+              <a:rPr lang="en-US" dirty="0" smtClean="0"/>
+              <a:t>Extend </a:t>
+            </a:r>
+            <a:r>
+              <a:rPr lang="en-US" dirty="0" err="1" smtClean="0"/>
+              <a:t>PipeTransform</a:t>
+            </a:r>
+            <a:r>
+              <a:rPr lang="en-US" dirty="0" smtClean="0"/>
+              <a:t> and use @Pipe decorator</a:t>
+            </a:r>
+          </a:p>
+          <a:p>
+            <a:r>
+              <a:rPr lang="en-US" dirty="0" smtClean="0"/>
+              <a:t>Register pipe at component level</a:t>
+            </a:r>
           </a:p>
         </p:txBody>
       </p:sp>
+      <p:pic>
+        <p:nvPicPr>
+          <p:cNvPr id="4" name="Picture 3"/>
+          <p:cNvPicPr>
+            <a:picLocks noChangeAspect="1"/>
+          </p:cNvPicPr>
+          <p:nvPr/>
+        </p:nvPicPr>
+        <p:blipFill>
+          <a:blip r:embed="rId2"/>
+          <a:stretch>
+            <a:fillRect/>
+          </a:stretch>
+        </p:blipFill>
+        <p:spPr>
+          <a:xfrm>
+            <a:off x="304800" y="2438400"/>
+            <a:ext cx="5257800" cy="2219325"/>
+          </a:xfrm>
+          <a:prstGeom prst="rect">
+            <a:avLst/>
+          </a:prstGeom>
+        </p:spPr>
+      </p:pic>
+      <p:pic>
+        <p:nvPicPr>
+          <p:cNvPr id="5" name="Picture 4"/>
+          <p:cNvPicPr>
+            <a:picLocks noChangeAspect="1"/>
+          </p:cNvPicPr>
+          <p:nvPr/>
+        </p:nvPicPr>
+        <p:blipFill>
+          <a:blip r:embed="rId3"/>
+          <a:stretch>
+            <a:fillRect/>
+          </a:stretch>
+        </p:blipFill>
+        <p:spPr>
+          <a:xfrm>
+            <a:off x="3886200" y="4550735"/>
+            <a:ext cx="4410075" cy="1533525"/>
+          </a:xfrm>
+          <a:prstGeom prst="rect">
+            <a:avLst/>
+          </a:prstGeom>
+        </p:spPr>
+      </p:pic>
     </p:spTree>
     <p:extLst>
       <p:ext uri="{BB962C8B-B14F-4D97-AF65-F5344CB8AC3E}">
@@ -5942,7 +5931,136 @@
   <p:timing>
     <p:tnLst>
       <p:par>
-        <p:cTn id="1" dur="indefinite" restart="never" nodeType="tmRoot"/>
+        <p:cTn id="1" dur="indefinite" restart="never" nodeType="tmRoot">
+          <p:childTnLst>
+            <p:seq concurrent="1" nextAc="seek">
+              <p:cTn id="2" dur="indefinite" nodeType="mainSeq">
+                <p:childTnLst>
+                  <p:par>
+                    <p:cTn id="3" fill="hold">
+                      <p:stCondLst>
+                        <p:cond delay="indefinite"/>
+                      </p:stCondLst>
+                      <p:childTnLst>
+                        <p:par>
+                          <p:cTn id="4" fill="hold">
+                            <p:stCondLst>
+                              <p:cond delay="0"/>
+                            </p:stCondLst>
+                            <p:childTnLst>
+                              <p:par>
+                                <p:cTn id="5" presetID="10" presetClass="entr" presetSubtype="0" fill="hold" nodeType="clickEffect">
+                                  <p:stCondLst>
+                                    <p:cond delay="0"/>
+                                  </p:stCondLst>
+                                  <p:childTnLst>
+                                    <p:set>
+                                      <p:cBhvr>
+                                        <p:cTn id="6" dur="1" fill="hold">
+                                          <p:stCondLst>
+                                            <p:cond delay="0"/>
+                                          </p:stCondLst>
+                                        </p:cTn>
+                                        <p:tgtEl>
+                                          <p:spTgt spid="4"/>
+                                        </p:tgtEl>
+                                        <p:attrNameLst>
+                                          <p:attrName>style.visibility</p:attrName>
+                                        </p:attrNameLst>
+                                      </p:cBhvr>
+                                      <p:to>
+                                        <p:strVal val="visible"/>
+                                      </p:to>
+                                    </p:set>
+                                    <p:animEffect transition="in" filter="fade">
+                                      <p:cBhvr>
+                                        <p:cTn id="7" dur="500"/>
+                                        <p:tgtEl>
+                                          <p:spTgt spid="4"/>
+                                        </p:tgtEl>
+                                      </p:cBhvr>
+                                    </p:animEffect>
+                                  </p:childTnLst>
+                                </p:cTn>
+                              </p:par>
+                            </p:childTnLst>
+                          </p:cTn>
+                        </p:par>
+                      </p:childTnLst>
+                    </p:cTn>
+                  </p:par>
+                  <p:par>
+                    <p:cTn id="8" fill="hold">
+                      <p:stCondLst>
+                        <p:cond delay="indefinite"/>
+                      </p:stCondLst>
+                      <p:childTnLst>
+                        <p:par>
+                          <p:cTn id="9" fill="hold">
+                            <p:stCondLst>
+                              <p:cond delay="0"/>
+                            </p:stCondLst>
+                            <p:childTnLst>
+                              <p:par>
+                                <p:cTn id="10" presetID="10" presetClass="entr" presetSubtype="0" fill="hold" nodeType="clickEffect">
+                                  <p:stCondLst>
+                                    <p:cond delay="0"/>
+                                  </p:stCondLst>
+                                  <p:childTnLst>
+                                    <p:set>
+                                      <p:cBhvr>
+                                        <p:cTn id="11" dur="1" fill="hold">
+                                          <p:stCondLst>
+                                            <p:cond delay="0"/>
+                                          </p:stCondLst>
+                                        </p:cTn>
+                                        <p:tgtEl>
+                                          <p:spTgt spid="5"/>
+                                        </p:tgtEl>
+                                        <p:attrNameLst>
+                                          <p:attrName>style.visibility</p:attrName>
+                                        </p:attrNameLst>
+                                      </p:cBhvr>
+                                      <p:to>
+                                        <p:strVal val="visible"/>
+                                      </p:to>
+                                    </p:set>
+                                    <p:animEffect transition="in" filter="fade">
+                                      <p:cBhvr>
+                                        <p:cTn id="12" dur="500"/>
+                                        <p:tgtEl>
+                                          <p:spTgt spid="5"/>
+                                        </p:tgtEl>
+                                      </p:cBhvr>
+                                    </p:animEffect>
+                                  </p:childTnLst>
+                                </p:cTn>
+                              </p:par>
+                            </p:childTnLst>
+                          </p:cTn>
+                        </p:par>
+                      </p:childTnLst>
+                    </p:cTn>
+                  </p:par>
+                </p:childTnLst>
+              </p:cTn>
+              <p:prevCondLst>
+                <p:cond evt="onPrev" delay="0">
+                  <p:tgtEl>
+                    <p:sldTgt/>
+                  </p:tgtEl>
+                </p:cond>
+              </p:prevCondLst>
+              <p:nextCondLst>
+                <p:cond evt="onNext" delay="0">
+                  <p:tgtEl>
+                    <p:sldTgt/>
+                  </p:tgtEl>
+                </p:cond>
+              </p:nextCondLst>
+            </p:seq>
+          </p:childTnLst>
+        </p:cTn>
       </p:par>
     </p:tnLst>
   </p:timing>
@@ -6003,12 +6121,45 @@
             <p:ph type="body" idx="1"/>
           </p:nvPr>
         </p:nvSpPr>
-        <p:spPr/>
+        <p:spPr>
+          <a:xfrm>
+            <a:off x="457200" y="1447800"/>
+            <a:ext cx="4876800" cy="4495800"/>
+          </a:xfrm>
+        </p:spPr>
         <p:txBody>
           <a:bodyPr/>
           <a:lstStyle/>
           <a:p>
-            <a:endParaRPr lang="en-US"/>
+            <a:r>
+              <a:rPr lang="en-US" dirty="0" smtClean="0"/>
+              <a:t>Templates present the component model</a:t>
+            </a:r>
+          </a:p>
+          <a:p>
+            <a:pPr lvl="1"/>
+            <a:r>
+              <a:rPr lang="en-US" dirty="0" smtClean="0"/>
+              <a:t>Data flows to the template</a:t>
+            </a:r>
+          </a:p>
+          <a:p>
+            <a:pPr lvl="1"/>
+            <a:r>
+              <a:rPr lang="en-US" dirty="0" smtClean="0"/>
+              <a:t>Events flow to the component</a:t>
+            </a:r>
+          </a:p>
+          <a:p>
+            <a:r>
+              <a:rPr lang="en-US" dirty="0" smtClean="0"/>
+              <a:t>Directives are the underlying </a:t>
+            </a:r>
+            <a:r>
+              <a:rPr lang="en-US" smtClean="0"/>
+              <a:t>building block</a:t>
+            </a:r>
+            <a:endParaRPr lang="en-US" dirty="0"/>
           </a:p>
         </p:txBody>
       </p:sp>
@@ -6300,33 +6451,15 @@
                                   </p:childTnLst>
                                 </p:cTn>
                               </p:par>
-                            </p:childTnLst>
-                          </p:cTn>
-                        </p:par>
-                      </p:childTnLst>
-                    </p:cTn>
-                  </p:par>
-                  <p:par>
-                    <p:cTn id="8" fill="hold">
-                      <p:stCondLst>
-                        <p:cond delay="indefinite"/>
-                      </p:stCondLst>
-                      <p:childTnLst>
-                        <p:par>
-                          <p:cTn id="9" fill="hold">
-                            <p:stCondLst>
-                              <p:cond delay="0"/>
-                            </p:stCondLst>
-                            <p:childTnLst>
                               <p:par>
-                                <p:cTn id="10" presetID="10" presetClass="entr" presetSubtype="0" fill="hold" grpId="0" nodeType="clickEffect">
+                                <p:cTn id="8" presetID="10" presetClass="entr" presetSubtype="0" fill="hold" grpId="0" nodeType="withEffect">
                                   <p:stCondLst>
                                     <p:cond delay="0"/>
                                   </p:stCondLst>
                                   <p:childTnLst>
                                     <p:set>
                                       <p:cBhvr>
-                                        <p:cTn id="11" dur="1" fill="hold">
+                                        <p:cTn id="9" dur="1" fill="hold">
                                           <p:stCondLst>
                                             <p:cond delay="0"/>
                                           </p:stCondLst>
@@ -6344,7 +6477,7 @@
                                     </p:set>
                                     <p:animEffect transition="in" filter="fade">
                                       <p:cBhvr>
-                                        <p:cTn id="12" dur="500"/>
+                                        <p:cTn id="10" dur="500"/>
                                         <p:tgtEl>
                                           <p:spTgt spid="4"/>
                                         </p:tgtEl>
@@ -6353,33 +6486,15 @@
                                   </p:childTnLst>
                                 </p:cTn>
                               </p:par>
-                            </p:childTnLst>
-                          </p:cTn>
-                        </p:par>
-                      </p:childTnLst>
-                    </p:cTn>
-                  </p:par>
-                  <p:par>
-                    <p:cTn id="13" fill="hold">
-                      <p:stCondLst>
-                        <p:cond delay="indefinite"/>
-                      </p:stCondLst>
-                      <p:childTnLst>
-                        <p:par>
-                          <p:cTn id="14" fill="hold">
-                            <p:stCondLst>
-                              <p:cond delay="0"/>
-                            </p:stCondLst>
-                            <p:childTnLst>
                               <p:par>
-                                <p:cTn id="15" presetID="10" presetClass="entr" presetSubtype="0" fill="hold" grpId="0" nodeType="clickEffect">
+                                <p:cTn id="11" presetID="10" presetClass="entr" presetSubtype="0" fill="hold" grpId="0" nodeType="withEffect">
                                   <p:stCondLst>
                                     <p:cond delay="0"/>
                                   </p:stCondLst>
                                   <p:childTnLst>
                                     <p:set>
                                       <p:cBhvr>
-                                        <p:cTn id="16" dur="1" fill="hold">
+                                        <p:cTn id="12" dur="1" fill="hold">
                                           <p:stCondLst>
                                             <p:cond delay="0"/>
                                           </p:stCondLst>
@@ -6397,7 +6512,7 @@
                                     </p:set>
                                     <p:animEffect transition="in" filter="fade">
                                       <p:cBhvr>
-                                        <p:cTn id="17" dur="500"/>
+                                        <p:cTn id="13" dur="500"/>
                                         <p:tgtEl>
                                           <p:spTgt spid="6"/>
                                         </p:tgtEl>
@@ -6406,33 +6521,15 @@
                                   </p:childTnLst>
                                 </p:cTn>
                               </p:par>
-                            </p:childTnLst>
-                          </p:cTn>
-                        </p:par>
-                      </p:childTnLst>
-                    </p:cTn>
-                  </p:par>
-                  <p:par>
-                    <p:cTn id="18" fill="hold">
-                      <p:stCondLst>
-                        <p:cond delay="indefinite"/>
-                      </p:stCondLst>
-                      <p:childTnLst>
-                        <p:par>
-                          <p:cTn id="19" fill="hold">
-                            <p:stCondLst>
-                              <p:cond delay="0"/>
-                            </p:stCondLst>
-                            <p:childTnLst>
                               <p:par>
-                                <p:cTn id="20" presetID="10" presetClass="entr" presetSubtype="0" fill="hold" grpId="0" nodeType="clickEffect">
+                                <p:cTn id="14" presetID="10" presetClass="entr" presetSubtype="0" fill="hold" grpId="0" nodeType="withEffect">
                                   <p:stCondLst>
                                     <p:cond delay="0"/>
                                   </p:stCondLst>
                                   <p:childTnLst>
                                     <p:set>
                                       <p:cBhvr>
-                                        <p:cTn id="21" dur="1" fill="hold">
+                                        <p:cTn id="15" dur="1" fill="hold">
                                           <p:stCondLst>
                                             <p:cond delay="0"/>
                                           </p:stCondLst>
@@ -6450,7 +6547,7 @@
                                     </p:set>
                                     <p:animEffect transition="in" filter="fade">
                                       <p:cBhvr>
-                                        <p:cTn id="22" dur="500"/>
+                                        <p:cTn id="16" dur="500"/>
                                         <p:tgtEl>
                                           <p:spTgt spid="7"/>
                                         </p:tgtEl>
@@ -6949,13 +7046,6 @@
   <p:transition>
     <p:fade/>
   </p:transition>
-  <p:timing>
-    <p:tnLst>
-      <p:par>
-        <p:cTn id="1" dur="indefinite" restart="never" nodeType="tmRoot"/>
-      </p:par>
-    </p:tnLst>
-  </p:timing>
 </p:sld>
 </file>
 
@@ -7271,13 +7361,6 @@
   <p:transition>
     <p:fade/>
   </p:transition>
-  <p:timing>
-    <p:tnLst>
-      <p:par>
-        <p:cTn id="1" dur="indefinite" restart="never" nodeType="tmRoot"/>
-      </p:par>
-    </p:tnLst>
-  </p:timing>
 </p:sld>
 </file>
 
@@ -7406,13 +7489,6 @@
   <p:transition>
     <p:fade/>
   </p:transition>
-  <p:timing>
-    <p:tnLst>
-      <p:par>
-        <p:cTn id="1" dur="indefinite" restart="never" nodeType="tmRoot"/>
-      </p:par>
-    </p:tnLst>
-  </p:timing>
 </p:sld>
 </file>
 
@@ -7527,13 +7603,6 @@
   <p:transition>
     <p:fade/>
   </p:transition>
-  <p:timing>
-    <p:tnLst>
-      <p:par>
-        <p:cTn id="1" dur="indefinite" restart="never" nodeType="tmRoot"/>
-      </p:par>
-    </p:tnLst>
-  </p:timing>
 </p:sld>
 </file>
 
@@ -7657,13 +7726,6 @@
   <p:transition>
     <p:fade/>
   </p:transition>
-  <p:timing>
-    <p:tnLst>
-      <p:par>
-        <p:cTn id="1" dur="indefinite" restart="never" nodeType="tmRoot"/>
-      </p:par>
-    </p:tnLst>
-  </p:timing>
 </p:sld>
 </file>
 
@@ -7795,13 +7857,6 @@
   <p:transition>
     <p:fade/>
   </p:transition>
-  <p:timing>
-    <p:tnLst>
-      <p:par>
-        <p:cTn id="1" dur="indefinite" restart="never" nodeType="tmRoot"/>
-      </p:par>
-    </p:tnLst>
-  </p:timing>
 </p:sld>
 </file>
 

--- a/angular2/slides/05_templates.pptx
+++ b/angular2/slides/05_templates.pptx
@@ -5,10 +5,10 @@
     <p:sldMasterId id="2147483772" r:id="rId1"/>
   </p:sldMasterIdLst>
   <p:notesMasterIdLst>
-    <p:notesMasterId r:id="rId25"/>
+    <p:notesMasterId r:id="rId24"/>
   </p:notesMasterIdLst>
   <p:handoutMasterIdLst>
-    <p:handoutMasterId r:id="rId26"/>
+    <p:handoutMasterId r:id="rId25"/>
   </p:handoutMasterIdLst>
   <p:sldIdLst>
     <p:sldId id="327" r:id="rId2"/>
@@ -22,18 +22,17 @@
     <p:sldId id="341" r:id="rId10"/>
     <p:sldId id="336" r:id="rId11"/>
     <p:sldId id="337" r:id="rId12"/>
-    <p:sldId id="338" r:id="rId13"/>
-    <p:sldId id="339" r:id="rId14"/>
-    <p:sldId id="351" r:id="rId15"/>
-    <p:sldId id="340" r:id="rId16"/>
-    <p:sldId id="345" r:id="rId17"/>
-    <p:sldId id="342" r:id="rId18"/>
-    <p:sldId id="343" r:id="rId19"/>
-    <p:sldId id="344" r:id="rId20"/>
-    <p:sldId id="346" r:id="rId21"/>
-    <p:sldId id="347" r:id="rId22"/>
-    <p:sldId id="349" r:id="rId23"/>
-    <p:sldId id="350" r:id="rId24"/>
+    <p:sldId id="339" r:id="rId13"/>
+    <p:sldId id="351" r:id="rId14"/>
+    <p:sldId id="340" r:id="rId15"/>
+    <p:sldId id="345" r:id="rId16"/>
+    <p:sldId id="342" r:id="rId17"/>
+    <p:sldId id="343" r:id="rId18"/>
+    <p:sldId id="344" r:id="rId19"/>
+    <p:sldId id="346" r:id="rId20"/>
+    <p:sldId id="347" r:id="rId21"/>
+    <p:sldId id="349" r:id="rId22"/>
+    <p:sldId id="350" r:id="rId23"/>
   </p:sldIdLst>
   <p:sldSz cx="9144000" cy="6858000" type="screen4x3"/>
   <p:notesSz cx="7302500" cy="9588500"/>
@@ -286,7 +285,7 @@
               <a:pPr>
                 <a:defRPr/>
               </a:pPr>
-              <a:t>12/28/2015</a:t>
+              <a:t>7/28/2016</a:t>
             </a:fld>
             <a:endParaRPr lang="en-US"/>
           </a:p>
@@ -560,35 +559,35 @@
           <a:p>
             <a:pPr lvl="0"/>
             <a:r>
-              <a:rPr lang="en-US" noProof="0" smtClean="0"/>
+              <a:rPr lang="en-US" noProof="0"/>
               <a:t>Click to edit Master text styles</a:t>
             </a:r>
           </a:p>
           <a:p>
             <a:pPr lvl="1"/>
             <a:r>
-              <a:rPr lang="en-US" noProof="0" smtClean="0"/>
+              <a:rPr lang="en-US" noProof="0"/>
               <a:t>Second level</a:t>
             </a:r>
           </a:p>
           <a:p>
             <a:pPr lvl="2"/>
             <a:r>
-              <a:rPr lang="en-US" noProof="0" smtClean="0"/>
+              <a:rPr lang="en-US" noProof="0"/>
               <a:t>Third level</a:t>
             </a:r>
           </a:p>
           <a:p>
             <a:pPr lvl="3"/>
             <a:r>
-              <a:rPr lang="en-US" noProof="0" smtClean="0"/>
+              <a:rPr lang="en-US" noProof="0"/>
               <a:t>Fourth level</a:t>
             </a:r>
           </a:p>
           <a:p>
             <a:pPr lvl="4"/>
             <a:r>
-              <a:rPr lang="en-US" noProof="0" smtClean="0"/>
+              <a:rPr lang="en-US" noProof="0"/>
               <a:t>Fifth level</a:t>
             </a:r>
           </a:p>
@@ -869,7 +868,7 @@
               <a:pPr/>
               <a:t>1</a:t>
             </a:fld>
-            <a:endParaRPr lang="en-US" smtClean="0"/>
+            <a:endParaRPr lang="en-US"/>
           </a:p>
         </p:txBody>
       </p:sp>
@@ -910,7 +909,7 @@
           <a:lstStyle/>
           <a:p>
             <a:pPr eaLnBrk="1" hangingPunct="1"/>
-            <a:endParaRPr lang="en-US" smtClean="0"/>
+            <a:endParaRPr lang="en-US"/>
           </a:p>
         </p:txBody>
       </p:sp>
@@ -973,7 +972,7 @@
           </a:lstStyle>
           <a:p>
             <a:r>
-              <a:rPr lang="en-US" smtClean="0"/>
+              <a:rPr lang="en-US"/>
               <a:t>Click to edit Master title style</a:t>
             </a:r>
             <a:endParaRPr lang="en-US" dirty="0"/>
@@ -1009,7 +1008,7 @@
           </a:lstStyle>
           <a:p>
             <a:r>
-              <a:rPr lang="en-US" smtClean="0"/>
+              <a:rPr lang="en-US"/>
               <a:t>Click to edit Master subtitle style</a:t>
             </a:r>
             <a:endParaRPr lang="en-US" dirty="0"/>
@@ -1097,7 +1096,7 @@
           </a:lstStyle>
           <a:p>
             <a:r>
-              <a:rPr lang="en-US" smtClean="0"/>
+              <a:rPr lang="en-US"/>
               <a:t>Click to edit Master title style</a:t>
             </a:r>
             <a:endParaRPr lang="en-US" dirty="0"/>
@@ -1162,35 +1161,35 @@
           <a:p>
             <a:pPr lvl="0"/>
             <a:r>
-              <a:rPr lang="en-US" smtClean="0"/>
+              <a:rPr lang="en-US"/>
               <a:t>Click to edit Master text styles</a:t>
             </a:r>
           </a:p>
           <a:p>
             <a:pPr lvl="1"/>
             <a:r>
-              <a:rPr lang="en-US" smtClean="0"/>
+              <a:rPr lang="en-US"/>
               <a:t>Second level</a:t>
             </a:r>
           </a:p>
           <a:p>
             <a:pPr lvl="2"/>
             <a:r>
-              <a:rPr lang="en-US" smtClean="0"/>
+              <a:rPr lang="en-US"/>
               <a:t>Third level</a:t>
             </a:r>
           </a:p>
           <a:p>
             <a:pPr lvl="3"/>
             <a:r>
-              <a:rPr lang="en-US" smtClean="0"/>
+              <a:rPr lang="en-US"/>
               <a:t>Fourth level</a:t>
             </a:r>
           </a:p>
           <a:p>
             <a:pPr lvl="4"/>
             <a:r>
-              <a:rPr lang="en-US" smtClean="0"/>
+              <a:rPr lang="en-US"/>
               <a:t>Fifth level</a:t>
             </a:r>
             <a:endParaRPr lang="en-US" dirty="0"/>
@@ -1254,10 +1253,9 @@
           </a:lstStyle>
           <a:p>
             <a:r>
-              <a:rPr lang="en-US" dirty="0" smtClean="0"/>
+              <a:rPr lang="en-US" dirty="0"/>
               <a:t>References</a:t>
             </a:r>
-            <a:endParaRPr lang="en-US" dirty="0"/>
           </a:p>
         </p:txBody>
       </p:sp>
@@ -1319,35 +1317,35 @@
           <a:p>
             <a:pPr lvl="0"/>
             <a:r>
-              <a:rPr lang="en-US" smtClean="0"/>
+              <a:rPr lang="en-US"/>
               <a:t>Click to edit Master text styles</a:t>
             </a:r>
           </a:p>
           <a:p>
             <a:pPr lvl="1"/>
             <a:r>
-              <a:rPr lang="en-US" smtClean="0"/>
+              <a:rPr lang="en-US"/>
               <a:t>Second level</a:t>
             </a:r>
           </a:p>
           <a:p>
             <a:pPr lvl="2"/>
             <a:r>
-              <a:rPr lang="en-US" smtClean="0"/>
+              <a:rPr lang="en-US"/>
               <a:t>Third level</a:t>
             </a:r>
           </a:p>
           <a:p>
             <a:pPr lvl="3"/>
             <a:r>
-              <a:rPr lang="en-US" smtClean="0"/>
+              <a:rPr lang="en-US"/>
               <a:t>Fourth level</a:t>
             </a:r>
           </a:p>
           <a:p>
             <a:pPr lvl="4"/>
             <a:r>
-              <a:rPr lang="en-US" smtClean="0"/>
+              <a:rPr lang="en-US"/>
               <a:t>Fifth level</a:t>
             </a:r>
             <a:endParaRPr lang="en-US" dirty="0"/>
@@ -1403,10 +1401,9 @@
           <a:lstStyle/>
           <a:p>
             <a:r>
-              <a:rPr lang="en-US" smtClean="0"/>
+              <a:rPr lang="en-US"/>
               <a:t>Click to edit Master title style</a:t>
             </a:r>
-            <a:endParaRPr lang="en-US"/>
           </a:p>
         </p:txBody>
       </p:sp>
@@ -1447,7 +1444,7 @@
           <a:p>
             <a:pPr lvl="0"/>
             <a:r>
-              <a:rPr lang="en-US" smtClean="0"/>
+              <a:rPr lang="en-US"/>
               <a:t>Click to edit Master text styles</a:t>
             </a:r>
           </a:p>
@@ -1502,10 +1499,9 @@
           <a:lstStyle/>
           <a:p>
             <a:r>
-              <a:rPr lang="en-US" smtClean="0"/>
+              <a:rPr lang="en-US"/>
               <a:t>Click to edit Master title style</a:t>
             </a:r>
-            <a:endParaRPr lang="en-US"/>
           </a:p>
         </p:txBody>
       </p:sp>
@@ -1558,10 +1554,9 @@
           <a:lstStyle/>
           <a:p>
             <a:r>
-              <a:rPr lang="en-US" smtClean="0"/>
+              <a:rPr lang="en-US"/>
               <a:t>Click to edit Master title style</a:t>
             </a:r>
-            <a:endParaRPr lang="en-US"/>
           </a:p>
         </p:txBody>
       </p:sp>
@@ -1602,7 +1597,7 @@
           <a:p>
             <a:pPr lvl="0"/>
             <a:r>
-              <a:rPr lang="en-US" smtClean="0"/>
+              <a:rPr lang="en-US"/>
               <a:t>Click to edit Master text styles</a:t>
             </a:r>
           </a:p>
@@ -1652,10 +1647,9 @@
           <a:lstStyle/>
           <a:p>
             <a:r>
-              <a:rPr lang="en-US" smtClean="0"/>
+              <a:rPr lang="en-US"/>
               <a:t>Click to edit Master title style</a:t>
             </a:r>
-            <a:endParaRPr lang="en-US"/>
           </a:p>
         </p:txBody>
       </p:sp>
@@ -1731,35 +1725,35 @@
           <a:p>
             <a:pPr lvl="0"/>
             <a:r>
-              <a:rPr lang="en-US" smtClean="0"/>
+              <a:rPr lang="en-US"/>
               <a:t>Click to edit Master text styles</a:t>
             </a:r>
           </a:p>
           <a:p>
             <a:pPr lvl="1"/>
             <a:r>
-              <a:rPr lang="en-US" smtClean="0"/>
+              <a:rPr lang="en-US"/>
               <a:t>Second level</a:t>
             </a:r>
           </a:p>
           <a:p>
             <a:pPr lvl="2"/>
             <a:r>
-              <a:rPr lang="en-US" smtClean="0"/>
+              <a:rPr lang="en-US"/>
               <a:t>Third level</a:t>
             </a:r>
           </a:p>
           <a:p>
             <a:pPr lvl="3"/>
             <a:r>
-              <a:rPr lang="en-US" smtClean="0"/>
+              <a:rPr lang="en-US"/>
               <a:t>Fourth level</a:t>
             </a:r>
           </a:p>
           <a:p>
             <a:pPr lvl="4"/>
             <a:r>
-              <a:rPr lang="en-US" smtClean="0"/>
+              <a:rPr lang="en-US"/>
               <a:t>Fifth level</a:t>
             </a:r>
           </a:p>
@@ -1801,7 +1795,7 @@
           <a:p>
             <a:pPr lvl="0"/>
             <a:r>
-              <a:rPr lang="en-US" smtClean="0"/>
+              <a:rPr lang="en-US"/>
               <a:t>Click to edit Master title style</a:t>
             </a:r>
           </a:p>
@@ -2412,14 +2406,14 @@
           <a:p>
             <a:pPr defTabSz="914400" eaLnBrk="1" hangingPunct="1"/>
             <a:r>
-              <a:rPr lang="en-US" sz="3200" dirty="0" smtClean="0"/>
+              <a:rPr lang="en-US" sz="3200" dirty="0"/>
               <a:t>Templates</a:t>
             </a:r>
           </a:p>
           <a:p>
             <a:pPr defTabSz="914400" eaLnBrk="1" hangingPunct="1"/>
             <a:r>
-              <a:rPr lang="en-US" dirty="0" smtClean="0"/>
+              <a:rPr lang="en-US" dirty="0"/>
               <a:t>{{ binding }}</a:t>
             </a:r>
           </a:p>
@@ -2510,10 +2504,9 @@
           <a:lstStyle/>
           <a:p>
             <a:r>
-              <a:rPr lang="en-US" dirty="0" smtClean="0"/>
+              <a:rPr lang="en-US" dirty="0"/>
               <a:t>Event Binding</a:t>
             </a:r>
-            <a:endParaRPr lang="en-US" dirty="0"/>
           </a:p>
         </p:txBody>
       </p:sp>
@@ -2533,20 +2526,19 @@
           <a:lstStyle/>
           <a:p>
             <a:r>
-              <a:rPr lang="en-US" dirty="0" smtClean="0"/>
+              <a:rPr lang="en-US" dirty="0"/>
               <a:t>Use ( ) or </a:t>
             </a:r>
             <a:r>
-              <a:rPr lang="en-US" i="1" dirty="0" smtClean="0"/>
+              <a:rPr lang="en-US" i="1" dirty="0"/>
               <a:t>on with any DOM event</a:t>
             </a:r>
           </a:p>
           <a:p>
             <a:r>
-              <a:rPr lang="en-US" dirty="0" smtClean="0"/>
+              <a:rPr lang="en-US" dirty="0"/>
               <a:t>No special directives needed for new events</a:t>
             </a:r>
-            <a:endParaRPr lang="en-US" dirty="0"/>
           </a:p>
         </p:txBody>
       </p:sp>
@@ -2623,10 +2615,9 @@
           <a:lstStyle/>
           <a:p>
             <a:r>
-              <a:rPr lang="en-US" dirty="0" smtClean="0"/>
+              <a:rPr lang="en-US" dirty="0"/>
               <a:t>$event</a:t>
             </a:r>
-            <a:endParaRPr lang="en-US" dirty="0"/>
           </a:p>
         </p:txBody>
       </p:sp>
@@ -2646,13 +2637,13 @@
           <a:lstStyle/>
           <a:p>
             <a:r>
-              <a:rPr lang="en-US" dirty="0" smtClean="0"/>
+              <a:rPr lang="en-US" dirty="0"/>
               <a:t>Send DOM event information to event handler</a:t>
             </a:r>
           </a:p>
           <a:p>
             <a:r>
-              <a:rPr lang="en-US" dirty="0" smtClean="0"/>
+              <a:rPr lang="en-US" dirty="0"/>
               <a:t>Directives can also emit events (more later)</a:t>
             </a:r>
           </a:p>
@@ -2758,10 +2749,9 @@
           <a:lstStyle/>
           <a:p>
             <a:r>
-              <a:rPr lang="en-US" dirty="0" smtClean="0"/>
-              <a:t>Event Bubbling</a:t>
-            </a:r>
-            <a:endParaRPr lang="en-US" dirty="0"/>
+              <a:rPr lang="en-US" dirty="0"/>
+              <a:t>Two Way Binding</a:t>
+            </a:r>
           </a:p>
         </p:txBody>
       </p:sp>
@@ -2781,131 +2771,15 @@
           <a:lstStyle/>
           <a:p>
             <a:r>
-              <a:rPr lang="en-US" dirty="0" smtClean="0"/>
-              <a:t>Many DOM events bubble upwards</a:t>
-            </a:r>
-          </a:p>
-          <a:p>
-            <a:pPr lvl="1"/>
-            <a:r>
-              <a:rPr lang="en-US" dirty="0" smtClean="0"/>
-              <a:t>Return false or use event API to stop bubbling</a:t>
-            </a:r>
-          </a:p>
-          <a:p>
-            <a:r>
-              <a:rPr lang="en-US" dirty="0" smtClean="0"/>
-              <a:t>Event delegation more efficient </a:t>
-            </a:r>
-            <a:endParaRPr lang="en-US" dirty="0"/>
-          </a:p>
-        </p:txBody>
-      </p:sp>
-      <p:pic>
-        <p:nvPicPr>
-          <p:cNvPr id="4" name="Picture 3"/>
-          <p:cNvPicPr>
-            <a:picLocks noChangeAspect="1"/>
-          </p:cNvPicPr>
-          <p:nvPr/>
-        </p:nvPicPr>
-        <p:blipFill>
-          <a:blip r:embed="rId2"/>
-          <a:stretch>
-            <a:fillRect/>
-          </a:stretch>
-        </p:blipFill>
-        <p:spPr>
-          <a:xfrm>
-            <a:off x="2057400" y="2971800"/>
-            <a:ext cx="5486400" cy="3495675"/>
-          </a:xfrm>
-          <a:prstGeom prst="rect">
-            <a:avLst/>
-          </a:prstGeom>
-        </p:spPr>
-      </p:pic>
-    </p:spTree>
-    <p:extLst>
-      <p:ext uri="{BB962C8B-B14F-4D97-AF65-F5344CB8AC3E}">
-        <p14:creationId xmlns:p14="http://schemas.microsoft.com/office/powerpoint/2010/main" val="3891972535"/>
-      </p:ext>
-    </p:extLst>
-  </p:cSld>
-  <p:clrMapOvr>
-    <a:masterClrMapping/>
-  </p:clrMapOvr>
-  <p:transition>
-    <p:fade/>
-  </p:transition>
-</p:sld>
-</file>
-
-<file path=ppt/slides/slide13.xml><?xml version="1.0" encoding="utf-8"?>
-<p:sld xmlns:a="http://schemas.openxmlformats.org/drawingml/2006/main" xmlns:r="http://schemas.openxmlformats.org/officeDocument/2006/relationships" xmlns:p="http://schemas.openxmlformats.org/presentationml/2006/main">
-  <p:cSld>
-    <p:spTree>
-      <p:nvGrpSpPr>
-        <p:cNvPr id="1" name=""/>
-        <p:cNvGrpSpPr/>
-        <p:nvPr/>
-      </p:nvGrpSpPr>
-      <p:grpSpPr>
-        <a:xfrm>
-          <a:off x="0" y="0"/>
-          <a:ext cx="0" cy="0"/>
-          <a:chOff x="0" y="0"/>
-          <a:chExt cx="0" cy="0"/>
-        </a:xfrm>
-      </p:grpSpPr>
-      <p:sp>
-        <p:nvSpPr>
-          <p:cNvPr id="2" name="Title 1"/>
-          <p:cNvSpPr>
-            <a:spLocks noGrp="1"/>
-          </p:cNvSpPr>
-          <p:nvPr>
-            <p:ph type="title"/>
-          </p:nvPr>
-        </p:nvSpPr>
-        <p:spPr/>
-        <p:txBody>
-          <a:bodyPr/>
-          <a:lstStyle/>
-          <a:p>
-            <a:r>
-              <a:rPr lang="en-US" dirty="0" smtClean="0"/>
-              <a:t>Two Way Binding</a:t>
-            </a:r>
-            <a:endParaRPr lang="en-US" dirty="0"/>
-          </a:p>
-        </p:txBody>
-      </p:sp>
-      <p:sp>
-        <p:nvSpPr>
-          <p:cNvPr id="3" name="Text Placeholder 2"/>
-          <p:cNvSpPr>
-            <a:spLocks noGrp="1"/>
-          </p:cNvSpPr>
-          <p:nvPr>
-            <p:ph type="body" idx="1"/>
-          </p:nvPr>
-        </p:nvSpPr>
-        <p:spPr/>
-        <p:txBody>
-          <a:bodyPr/>
-          <a:lstStyle/>
-          <a:p>
-            <a:r>
-              <a:rPr lang="en-US" dirty="0" smtClean="0"/>
+              <a:rPr lang="en-US" dirty="0"/>
               <a:t>Use [( )] with </a:t>
             </a:r>
             <a:r>
-              <a:rPr lang="en-US" dirty="0" err="1" smtClean="0"/>
+              <a:rPr lang="en-US" dirty="0" err="1"/>
               <a:t>ngModel</a:t>
             </a:r>
             <a:r>
-              <a:rPr lang="en-US" dirty="0" smtClean="0"/>
+              <a:rPr lang="en-US" dirty="0"/>
               <a:t> to synchronize an input with a model</a:t>
             </a:r>
           </a:p>
@@ -3191,7 +3065,7 @@
 </p:sld>
 </file>
 
-<file path=ppt/slides/slide14.xml><?xml version="1.0" encoding="utf-8"?>
+<file path=ppt/slides/slide13.xml><?xml version="1.0" encoding="utf-8"?>
 <p:sld xmlns:a="http://schemas.openxmlformats.org/drawingml/2006/main" xmlns:r="http://schemas.openxmlformats.org/officeDocument/2006/relationships" xmlns:p="http://schemas.openxmlformats.org/presentationml/2006/main">
   <p:cSld>
     <p:spTree>
@@ -3224,10 +3098,9 @@
           <a:lstStyle/>
           <a:p>
             <a:r>
-              <a:rPr lang="en-US" dirty="0" smtClean="0"/>
+              <a:rPr lang="en-US" dirty="0"/>
               <a:t>Using Built-in Directives</a:t>
             </a:r>
-            <a:endParaRPr lang="en-US" dirty="0"/>
           </a:p>
         </p:txBody>
       </p:sp>
@@ -3247,36 +3120,36 @@
           <a:lstStyle/>
           <a:p>
             <a:r>
-              <a:rPr lang="en-US" dirty="0" smtClean="0"/>
+              <a:rPr lang="en-US" dirty="0"/>
               <a:t>New binding syntax doesn’t require as many low level directives</a:t>
             </a:r>
           </a:p>
           <a:p>
             <a:pPr lvl="1"/>
             <a:r>
-              <a:rPr lang="en-US" dirty="0" smtClean="0"/>
+              <a:rPr lang="en-US" dirty="0"/>
               <a:t>No need for </a:t>
             </a:r>
             <a:r>
-              <a:rPr lang="en-US" dirty="0" err="1" smtClean="0"/>
+              <a:rPr lang="en-US" dirty="0" err="1"/>
               <a:t>ngMouseOver</a:t>
             </a:r>
             <a:r>
-              <a:rPr lang="en-US" dirty="0" smtClean="0"/>
+              <a:rPr lang="en-US" dirty="0"/>
               <a:t> and </a:t>
             </a:r>
             <a:r>
-              <a:rPr lang="en-US" dirty="0" err="1" smtClean="0"/>
+              <a:rPr lang="en-US" dirty="0" err="1"/>
               <a:t>ngClick</a:t>
             </a:r>
             <a:r>
-              <a:rPr lang="en-US" dirty="0" smtClean="0"/>
+              <a:rPr lang="en-US" dirty="0"/>
               <a:t>, for example</a:t>
             </a:r>
           </a:p>
           <a:p>
             <a:r>
-              <a:rPr lang="en-US" dirty="0" smtClean="0"/>
+              <a:rPr lang="en-US" dirty="0"/>
               <a:t>Ng2 directives are helpers</a:t>
             </a:r>
           </a:p>
@@ -3284,17 +3157,12 @@
             <a:pPr lvl="1"/>
             <a:r>
               <a:rPr lang="en-US" dirty="0" err="1"/>
-              <a:t>N</a:t>
-            </a:r>
-            <a:r>
-              <a:rPr lang="en-US" dirty="0" err="1" smtClean="0"/>
-              <a:t>gClass</a:t>
-            </a:r>
-            <a:r>
-              <a:rPr lang="en-US" dirty="0" smtClean="0"/>
+              <a:t>NgClass</a:t>
+            </a:r>
+            <a:r>
+              <a:rPr lang="en-US" dirty="0"/>
               <a:t>, for example</a:t>
             </a:r>
-            <a:endParaRPr lang="en-US" dirty="0"/>
           </a:p>
         </p:txBody>
       </p:sp>
@@ -3362,7 +3230,7 @@
 </p:sld>
 </file>
 
-<file path=ppt/slides/slide15.xml><?xml version="1.0" encoding="utf-8"?>
+<file path=ppt/slides/slide14.xml><?xml version="1.0" encoding="utf-8"?>
 <p:sld xmlns:a="http://schemas.openxmlformats.org/drawingml/2006/main" xmlns:r="http://schemas.openxmlformats.org/officeDocument/2006/relationships" xmlns:p="http://schemas.openxmlformats.org/presentationml/2006/main">
   <p:cSld>
     <p:spTree>
@@ -3395,7 +3263,7 @@
           <a:lstStyle/>
           <a:p>
             <a:r>
-              <a:rPr lang="en-US" dirty="0" err="1" smtClean="0"/>
+              <a:rPr lang="en-US" dirty="0" err="1"/>
               <a:t>NgIf</a:t>
             </a:r>
             <a:endParaRPr lang="en-US" dirty="0"/>
@@ -3418,10 +3286,9 @@
           <a:lstStyle/>
           <a:p>
             <a:r>
-              <a:rPr lang="en-US" dirty="0" smtClean="0"/>
+              <a:rPr lang="en-US" dirty="0"/>
               <a:t>Add or remove element from DOM</a:t>
             </a:r>
-            <a:endParaRPr lang="en-US" dirty="0"/>
           </a:p>
         </p:txBody>
       </p:sp>
@@ -3489,7 +3356,7 @@
 </p:sld>
 </file>
 
-<file path=ppt/slides/slide16.xml><?xml version="1.0" encoding="utf-8"?>
+<file path=ppt/slides/slide15.xml><?xml version="1.0" encoding="utf-8"?>
 <p:sld xmlns:a="http://schemas.openxmlformats.org/drawingml/2006/main" xmlns:r="http://schemas.openxmlformats.org/officeDocument/2006/relationships" xmlns:p="http://schemas.openxmlformats.org/presentationml/2006/main">
   <p:cSld>
     <p:spTree>
@@ -3522,10 +3389,9 @@
           <a:lstStyle/>
           <a:p>
             <a:r>
-              <a:rPr lang="en-US" dirty="0" smtClean="0"/>
+              <a:rPr lang="en-US" dirty="0"/>
               <a:t>How Things Work - &lt;template&gt;</a:t>
             </a:r>
-            <a:endParaRPr lang="en-US" dirty="0"/>
           </a:p>
         </p:txBody>
       </p:sp>
@@ -3545,30 +3411,29 @@
           <a:lstStyle/>
           <a:p>
             <a:r>
-              <a:rPr lang="en-US" dirty="0" smtClean="0"/>
+              <a:rPr lang="en-US" dirty="0"/>
               <a:t>Defined in HTML5 specification</a:t>
             </a:r>
           </a:p>
           <a:p>
             <a:r>
-              <a:rPr lang="en-US" dirty="0" smtClean="0"/>
+              <a:rPr lang="en-US" dirty="0"/>
               <a:t>Holds HTML fragments</a:t>
             </a:r>
           </a:p>
           <a:p>
             <a:pPr lvl="1"/>
             <a:r>
-              <a:rPr lang="en-US" dirty="0" smtClean="0"/>
+              <a:rPr lang="en-US" dirty="0"/>
               <a:t>Browser will not render fragments</a:t>
             </a:r>
           </a:p>
           <a:p>
             <a:pPr lvl="1"/>
             <a:r>
-              <a:rPr lang="en-US" dirty="0" smtClean="0"/>
+              <a:rPr lang="en-US" dirty="0"/>
               <a:t>Fragments are managed by scripts</a:t>
             </a:r>
-            <a:endParaRPr lang="en-US" dirty="0"/>
           </a:p>
         </p:txBody>
       </p:sp>
@@ -3849,6 +3714,108 @@
 </p:sld>
 </file>
 
+<file path=ppt/slides/slide16.xml><?xml version="1.0" encoding="utf-8"?>
+<p:sld xmlns:a="http://schemas.openxmlformats.org/drawingml/2006/main" xmlns:r="http://schemas.openxmlformats.org/officeDocument/2006/relationships" xmlns:p="http://schemas.openxmlformats.org/presentationml/2006/main">
+  <p:cSld>
+    <p:spTree>
+      <p:nvGrpSpPr>
+        <p:cNvPr id="1" name=""/>
+        <p:cNvGrpSpPr/>
+        <p:nvPr/>
+      </p:nvGrpSpPr>
+      <p:grpSpPr>
+        <a:xfrm>
+          <a:off x="0" y="0"/>
+          <a:ext cx="0" cy="0"/>
+          <a:chOff x="0" y="0"/>
+          <a:chExt cx="0" cy="0"/>
+        </a:xfrm>
+      </p:grpSpPr>
+      <p:sp>
+        <p:nvSpPr>
+          <p:cNvPr id="2" name="Title 1"/>
+          <p:cNvSpPr>
+            <a:spLocks noGrp="1"/>
+          </p:cNvSpPr>
+          <p:nvPr>
+            <p:ph type="title"/>
+          </p:nvPr>
+        </p:nvSpPr>
+        <p:spPr/>
+        <p:txBody>
+          <a:bodyPr/>
+          <a:lstStyle/>
+          <a:p>
+            <a:r>
+              <a:rPr lang="en-US" dirty="0" err="1"/>
+              <a:t>NgSwitch</a:t>
+            </a:r>
+            <a:endParaRPr lang="en-US" dirty="0"/>
+          </a:p>
+        </p:txBody>
+      </p:sp>
+      <p:sp>
+        <p:nvSpPr>
+          <p:cNvPr id="3" name="Text Placeholder 2"/>
+          <p:cNvSpPr>
+            <a:spLocks noGrp="1"/>
+          </p:cNvSpPr>
+          <p:nvPr>
+            <p:ph type="body" idx="1"/>
+          </p:nvPr>
+        </p:nvSpPr>
+        <p:spPr/>
+        <p:txBody>
+          <a:bodyPr/>
+          <a:lstStyle/>
+          <a:p>
+            <a:r>
+              <a:rPr lang="en-US" dirty="0"/>
+              <a:t>Like a switch statement for DOM manipulation</a:t>
+            </a:r>
+          </a:p>
+        </p:txBody>
+      </p:sp>
+      <p:pic>
+        <p:nvPicPr>
+          <p:cNvPr id="5" name="Picture 4"/>
+          <p:cNvPicPr>
+            <a:picLocks noChangeAspect="1"/>
+          </p:cNvPicPr>
+          <p:nvPr/>
+        </p:nvPicPr>
+        <p:blipFill>
+          <a:blip r:embed="rId2"/>
+          <a:stretch>
+            <a:fillRect/>
+          </a:stretch>
+        </p:blipFill>
+        <p:spPr>
+          <a:xfrm>
+            <a:off x="609600" y="2743200"/>
+            <a:ext cx="8229600" cy="2390215"/>
+          </a:xfrm>
+          <a:prstGeom prst="rect">
+            <a:avLst/>
+          </a:prstGeom>
+        </p:spPr>
+      </p:pic>
+    </p:spTree>
+    <p:extLst>
+      <p:ext uri="{BB962C8B-B14F-4D97-AF65-F5344CB8AC3E}">
+        <p14:creationId xmlns:p14="http://schemas.microsoft.com/office/powerpoint/2010/main" val="1018361556"/>
+      </p:ext>
+    </p:extLst>
+  </p:cSld>
+  <p:clrMapOvr>
+    <a:masterClrMapping/>
+  </p:clrMapOvr>
+  <p:transition>
+    <p:fade/>
+  </p:transition>
+</p:sld>
+</file>
+
 <file path=ppt/slides/slide17.xml><?xml version="1.0" encoding="utf-8"?>
 <p:sld xmlns:a="http://schemas.openxmlformats.org/drawingml/2006/main" xmlns:r="http://schemas.openxmlformats.org/officeDocument/2006/relationships" xmlns:p="http://schemas.openxmlformats.org/presentationml/2006/main">
   <p:cSld>
@@ -3882,8 +3849,8 @@
           <a:lstStyle/>
           <a:p>
             <a:r>
-              <a:rPr lang="en-US" dirty="0" err="1" smtClean="0"/>
-              <a:t>NgSwitch</a:t>
+              <a:rPr lang="en-US" dirty="0" err="1"/>
+              <a:t>NgFor</a:t>
             </a:r>
             <a:endParaRPr lang="en-US" dirty="0"/>
           </a:p>
@@ -3905,16 +3872,22 @@
           <a:lstStyle/>
           <a:p>
             <a:r>
-              <a:rPr lang="en-US" dirty="0" smtClean="0"/>
-              <a:t>Like a switch statement for DOM manipulation</a:t>
-            </a:r>
-            <a:endParaRPr lang="en-US" dirty="0"/>
+              <a:rPr lang="en-US" dirty="0"/>
+              <a:t>Loop over a collection to clone a template once for each item</a:t>
+            </a:r>
+          </a:p>
+          <a:p>
+            <a:pPr lvl="1"/>
+            <a:r>
+              <a:rPr lang="en-US" dirty="0"/>
+              <a:t>Provides index, last, even, odd for aliasing</a:t>
+            </a:r>
           </a:p>
         </p:txBody>
       </p:sp>
       <p:pic>
         <p:nvPicPr>
-          <p:cNvPr id="4" name="Picture 3"/>
+          <p:cNvPr id="6" name="Picture 5"/>
           <p:cNvPicPr>
             <a:picLocks noChangeAspect="1"/>
           </p:cNvPicPr>
@@ -3928,8 +3901,32 @@
         </p:blipFill>
         <p:spPr>
           <a:xfrm>
-            <a:off x="1066800" y="3124200"/>
-            <a:ext cx="7239000" cy="1676400"/>
+            <a:off x="451574" y="2667000"/>
+            <a:ext cx="6667500" cy="1225179"/>
+          </a:xfrm>
+          <a:prstGeom prst="rect">
+            <a:avLst/>
+          </a:prstGeom>
+        </p:spPr>
+      </p:pic>
+      <p:pic>
+        <p:nvPicPr>
+          <p:cNvPr id="7" name="Picture 6"/>
+          <p:cNvPicPr>
+            <a:picLocks noChangeAspect="1"/>
+          </p:cNvPicPr>
+          <p:nvPr/>
+        </p:nvPicPr>
+        <p:blipFill>
+          <a:blip r:embed="rId3"/>
+          <a:stretch>
+            <a:fillRect/>
+          </a:stretch>
+        </p:blipFill>
+        <p:spPr>
+          <a:xfrm>
+            <a:off x="1295400" y="4285390"/>
+            <a:ext cx="7543800" cy="1640174"/>
           </a:xfrm>
           <a:prstGeom prst="rect">
             <a:avLst/>
@@ -3939,7 +3936,7 @@
     </p:spTree>
     <p:extLst>
       <p:ext uri="{BB962C8B-B14F-4D97-AF65-F5344CB8AC3E}">
-        <p14:creationId xmlns:p14="http://schemas.microsoft.com/office/powerpoint/2010/main" val="1018361556"/>
+        <p14:creationId xmlns:p14="http://schemas.microsoft.com/office/powerpoint/2010/main" val="1714634696"/>
       </p:ext>
     </p:extLst>
   </p:cSld>
@@ -3985,10 +3982,9 @@
           <a:lstStyle/>
           <a:p>
             <a:r>
-              <a:rPr lang="en-US" dirty="0" err="1" smtClean="0"/>
-              <a:t>NgFor</a:t>
-            </a:r>
-            <a:endParaRPr lang="en-US" dirty="0"/>
+              <a:rPr lang="en-US" dirty="0"/>
+              <a:t>Template Variables</a:t>
+            </a:r>
           </a:p>
         </p:txBody>
       </p:sp>
@@ -4008,23 +4004,21 @@
           <a:lstStyle/>
           <a:p>
             <a:r>
-              <a:rPr lang="en-US" dirty="0" smtClean="0"/>
-              <a:t>Loop over a collection to clone a template once for each item</a:t>
-            </a:r>
-          </a:p>
-          <a:p>
-            <a:pPr lvl="1"/>
-            <a:r>
-              <a:rPr lang="en-US" dirty="0" smtClean="0"/>
-              <a:t>Provides index, last, even, odd for aliasing</a:t>
-            </a:r>
-            <a:endParaRPr lang="en-US" dirty="0"/>
+              <a:rPr lang="en-US" dirty="0"/>
+              <a:t># creates a template reference variable</a:t>
+            </a:r>
+          </a:p>
+          <a:p>
+            <a:r>
+              <a:rPr lang="en-US" dirty="0"/>
+              <a:t>Reference an element or directive</a:t>
+            </a:r>
           </a:p>
         </p:txBody>
       </p:sp>
       <p:pic>
         <p:nvPicPr>
-          <p:cNvPr id="4" name="Picture 3"/>
+          <p:cNvPr id="6" name="Picture 5"/>
           <p:cNvPicPr>
             <a:picLocks noChangeAspect="1"/>
           </p:cNvPicPr>
@@ -4038,32 +4032,8 @@
         </p:blipFill>
         <p:spPr>
           <a:xfrm>
-            <a:off x="381000" y="2695575"/>
-            <a:ext cx="6553200" cy="1571625"/>
-          </a:xfrm>
-          <a:prstGeom prst="rect">
-            <a:avLst/>
-          </a:prstGeom>
-        </p:spPr>
-      </p:pic>
-      <p:pic>
-        <p:nvPicPr>
-          <p:cNvPr id="5" name="Picture 4"/>
-          <p:cNvPicPr>
-            <a:picLocks noChangeAspect="1"/>
-          </p:cNvPicPr>
-          <p:nvPr/>
-        </p:nvPicPr>
-        <p:blipFill>
-          <a:blip r:embed="rId3"/>
-          <a:stretch>
-            <a:fillRect/>
-          </a:stretch>
-        </p:blipFill>
-        <p:spPr>
-          <a:xfrm>
-            <a:off x="1295400" y="4552950"/>
-            <a:ext cx="7677150" cy="1771650"/>
+            <a:off x="533400" y="2895600"/>
+            <a:ext cx="7915275" cy="1656541"/>
           </a:xfrm>
           <a:prstGeom prst="rect">
             <a:avLst/>
@@ -4073,7 +4043,7 @@
     </p:spTree>
     <p:extLst>
       <p:ext uri="{BB962C8B-B14F-4D97-AF65-F5344CB8AC3E}">
-        <p14:creationId xmlns:p14="http://schemas.microsoft.com/office/powerpoint/2010/main" val="1714634696"/>
+        <p14:creationId xmlns:p14="http://schemas.microsoft.com/office/powerpoint/2010/main" val="2205769234"/>
       </p:ext>
     </p:extLst>
   </p:cSld>
@@ -4119,10 +4089,9 @@
           <a:lstStyle/>
           <a:p>
             <a:r>
-              <a:rPr lang="en-US" dirty="0" smtClean="0"/>
-              <a:t>Template Variables</a:t>
-            </a:r>
-            <a:endParaRPr lang="en-US" dirty="0"/>
+              <a:rPr lang="en-US" dirty="0"/>
+              <a:t>Null Conditional (Elvis) Operators</a:t>
+            </a:r>
           </a:p>
         </p:txBody>
       </p:sp>
@@ -4142,29 +4111,9 @@
           <a:lstStyle/>
           <a:p>
             <a:r>
-              <a:rPr lang="en-US" dirty="0" smtClean="0"/>
-              <a:t># creates a local template variable</a:t>
-            </a:r>
-          </a:p>
-          <a:p>
-            <a:pPr lvl="1"/>
-            <a:r>
-              <a:rPr lang="en-US" dirty="0" smtClean="0"/>
-              <a:t>Usable from siblings and children</a:t>
-            </a:r>
-          </a:p>
-          <a:p>
-            <a:r>
-              <a:rPr lang="en-US" dirty="0" smtClean="0"/>
-              <a:t>Directive sets the variable</a:t>
-            </a:r>
-          </a:p>
-          <a:p>
-            <a:r>
-              <a:rPr lang="en-US" dirty="0" smtClean="0"/>
-              <a:t>Or, variable refers to the element</a:t>
-            </a:r>
-            <a:endParaRPr lang="en-US" dirty="0"/>
+              <a:rPr lang="en-US" dirty="0"/>
+              <a:t>Avoid dereferencing null and undefined values</a:t>
+            </a:r>
           </a:p>
         </p:txBody>
       </p:sp>
@@ -4184,8 +4133,8 @@
         </p:blipFill>
         <p:spPr>
           <a:xfrm>
-            <a:off x="463062" y="3200400"/>
-            <a:ext cx="6553200" cy="1571625"/>
+            <a:off x="838200" y="3581400"/>
+            <a:ext cx="7610475" cy="762000"/>
           </a:xfrm>
           <a:prstGeom prst="rect">
             <a:avLst/>
@@ -4208,8 +4157,32 @@
         </p:blipFill>
         <p:spPr>
           <a:xfrm>
-            <a:off x="2133600" y="4941277"/>
-            <a:ext cx="5857875" cy="1533525"/>
+            <a:off x="2181225" y="2114550"/>
+            <a:ext cx="4781550" cy="1085850"/>
+          </a:xfrm>
+          <a:prstGeom prst="rect">
+            <a:avLst/>
+          </a:prstGeom>
+        </p:spPr>
+      </p:pic>
+      <p:pic>
+        <p:nvPicPr>
+          <p:cNvPr id="6" name="Picture 5"/>
+          <p:cNvPicPr>
+            <a:picLocks noChangeAspect="1"/>
+          </p:cNvPicPr>
+          <p:nvPr/>
+        </p:nvPicPr>
+        <p:blipFill>
+          <a:blip r:embed="rId4"/>
+          <a:stretch>
+            <a:fillRect/>
+          </a:stretch>
+        </p:blipFill>
+        <p:spPr>
+          <a:xfrm>
+            <a:off x="2286000" y="4819650"/>
+            <a:ext cx="4867275" cy="1123950"/>
           </a:xfrm>
           <a:prstGeom prst="rect">
             <a:avLst/>
@@ -4219,7 +4192,7 @@
     </p:spTree>
     <p:extLst>
       <p:ext uri="{BB962C8B-B14F-4D97-AF65-F5344CB8AC3E}">
-        <p14:creationId xmlns:p14="http://schemas.microsoft.com/office/powerpoint/2010/main" val="2205769234"/>
+        <p14:creationId xmlns:p14="http://schemas.microsoft.com/office/powerpoint/2010/main" val="1817446445"/>
       </p:ext>
     </p:extLst>
   </p:cSld>
@@ -4263,7 +4236,7 @@
                                           </p:stCondLst>
                                         </p:cTn>
                                         <p:tgtEl>
-                                          <p:spTgt spid="4"/>
+                                          <p:spTgt spid="5"/>
                                         </p:tgtEl>
                                         <p:attrNameLst>
                                           <p:attrName>style.visibility</p:attrName>
@@ -4277,7 +4250,7 @@
                                       <p:cBhvr>
                                         <p:cTn id="7" dur="500"/>
                                         <p:tgtEl>
-                                          <p:spTgt spid="4"/>
+                                          <p:spTgt spid="5"/>
                                         </p:tgtEl>
                                       </p:cBhvr>
                                     </p:animEffect>
@@ -4316,7 +4289,7 @@
                                           </p:stCondLst>
                                         </p:cTn>
                                         <p:tgtEl>
-                                          <p:spTgt spid="5"/>
+                                          <p:spTgt spid="4"/>
                                         </p:tgtEl>
                                         <p:attrNameLst>
                                           <p:attrName>style.visibility</p:attrName>
@@ -4330,7 +4303,60 @@
                                       <p:cBhvr>
                                         <p:cTn id="12" dur="500"/>
                                         <p:tgtEl>
-                                          <p:spTgt spid="5"/>
+                                          <p:spTgt spid="4"/>
+                                        </p:tgtEl>
+                                      </p:cBhvr>
+                                    </p:animEffect>
+                                  </p:childTnLst>
+                                </p:cTn>
+                              </p:par>
+                            </p:childTnLst>
+                          </p:cTn>
+                        </p:par>
+                      </p:childTnLst>
+                    </p:cTn>
+                  </p:par>
+                  <p:par>
+                    <p:cTn id="13" fill="hold">
+                      <p:stCondLst>
+                        <p:cond delay="indefinite"/>
+                      </p:stCondLst>
+                      <p:childTnLst>
+                        <p:par>
+                          <p:cTn id="14" fill="hold">
+                            <p:stCondLst>
+                              <p:cond delay="0"/>
+                            </p:stCondLst>
+                            <p:childTnLst>
+                              <p:par>
+                                <p:cTn id="15" presetID="10" presetClass="entr" presetSubtype="0" fill="hold" nodeType="clickEffect">
+                                  <p:stCondLst>
+                                    <p:cond delay="0"/>
+                                  </p:stCondLst>
+                                  <p:childTnLst>
+                                    <p:set>
+                                      <p:cBhvr>
+                                        <p:cTn id="16" dur="1" fill="hold">
+                                          <p:stCondLst>
+                                            <p:cond delay="0"/>
+                                          </p:stCondLst>
+                                        </p:cTn>
+                                        <p:tgtEl>
+                                          <p:spTgt spid="6"/>
+                                        </p:tgtEl>
+                                        <p:attrNameLst>
+                                          <p:attrName>style.visibility</p:attrName>
+                                        </p:attrNameLst>
+                                      </p:cBhvr>
+                                      <p:to>
+                                        <p:strVal val="visible"/>
+                                      </p:to>
+                                    </p:set>
+                                    <p:animEffect transition="in" filter="fade">
+                                      <p:cBhvr>
+                                        <p:cTn id="17" dur="500"/>
+                                        <p:tgtEl>
+                                          <p:spTgt spid="6"/>
                                         </p:tgtEl>
                                       </p:cBhvr>
                                     </p:animEffect>
@@ -4401,10 +4427,9 @@
           <a:lstStyle/>
           <a:p>
             <a:r>
-              <a:rPr lang="en-US" dirty="0" smtClean="0"/>
+              <a:rPr lang="en-US" dirty="0"/>
               <a:t>The Role of Templates</a:t>
             </a:r>
-            <a:endParaRPr lang="en-US" dirty="0"/>
           </a:p>
         </p:txBody>
       </p:sp>
@@ -4629,27 +4654,27 @@
           </a:lstStyle>
           <a:p>
             <a:r>
-              <a:rPr lang="en-US" kern="0" smtClean="0"/>
+              <a:rPr lang="en-US" kern="0"/>
               <a:t>Components</a:t>
             </a:r>
           </a:p>
           <a:p>
             <a:pPr lvl="1"/>
             <a:r>
-              <a:rPr lang="en-US" kern="0" smtClean="0"/>
+              <a:rPr lang="en-US" kern="0"/>
               <a:t>No direct DOM manipulation</a:t>
             </a:r>
           </a:p>
           <a:p>
             <a:r>
-              <a:rPr lang="en-US" kern="0" smtClean="0"/>
+              <a:rPr lang="en-US" kern="0"/>
               <a:t>Templates</a:t>
             </a:r>
           </a:p>
           <a:p>
             <a:pPr lvl="1"/>
             <a:r>
-              <a:rPr lang="en-US" kern="0" smtClean="0"/>
+              <a:rPr lang="en-US" kern="0"/>
               <a:t>No serious model manipulation</a:t>
             </a:r>
             <a:endParaRPr lang="en-US" kern="0" dirty="0"/>
@@ -4697,7 +4722,7 @@
           <a:p>
             <a:pPr algn="ctr"/>
             <a:r>
-              <a:rPr lang="en-US" sz="2000" dirty="0" smtClean="0">
+              <a:rPr lang="en-US" sz="2000" dirty="0">
                 <a:solidFill>
                   <a:schemeClr val="tx1"/>
                 </a:solidFill>
@@ -4705,12 +4730,6 @@
               </a:rPr>
               <a:t>&lt;template&gt;</a:t>
             </a:r>
-            <a:endParaRPr lang="en-US" sz="2000" dirty="0">
-              <a:solidFill>
-                <a:schemeClr val="tx1"/>
-              </a:solidFill>
-              <a:latin typeface="Tekton Pro" pitchFamily="34" charset="0"/>
-            </a:endParaRPr>
           </a:p>
         </p:txBody>
       </p:sp>
@@ -4755,7 +4774,7 @@
           <a:p>
             <a:pPr algn="ctr"/>
             <a:r>
-              <a:rPr lang="en-US" sz="2000" dirty="0" smtClean="0">
+              <a:rPr lang="en-US" sz="2000" dirty="0">
                 <a:solidFill>
                   <a:schemeClr val="tx1"/>
                 </a:solidFill>
@@ -4763,12 +4782,6 @@
               </a:rPr>
               <a:t>@Component</a:t>
             </a:r>
-            <a:endParaRPr lang="en-US" sz="2000" dirty="0">
-              <a:solidFill>
-                <a:schemeClr val="tx1"/>
-              </a:solidFill>
-              <a:latin typeface="Tekton Pro" pitchFamily="34" charset="0"/>
-            </a:endParaRPr>
           </a:p>
         </p:txBody>
       </p:sp>
@@ -4813,14 +4826,11 @@
           <a:p>
             <a:pPr algn="ctr"/>
             <a:r>
-              <a:rPr lang="en-US" sz="2000" dirty="0" smtClean="0">
+              <a:rPr lang="en-US" sz="2000" dirty="0">
                 <a:latin typeface="Tekton Pro" pitchFamily="34" charset="0"/>
               </a:rPr>
               <a:t>properties</a:t>
             </a:r>
-            <a:endParaRPr lang="en-US" sz="2000" dirty="0">
-              <a:latin typeface="Tekton Pro" pitchFamily="34" charset="0"/>
-            </a:endParaRPr>
           </a:p>
         </p:txBody>
       </p:sp>
@@ -4865,14 +4875,11 @@
           <a:p>
             <a:pPr algn="ctr"/>
             <a:r>
-              <a:rPr lang="en-US" sz="2000" dirty="0" smtClean="0">
+              <a:rPr lang="en-US" sz="2000" dirty="0">
                 <a:latin typeface="Tekton Pro" pitchFamily="34" charset="0"/>
               </a:rPr>
               <a:t>events</a:t>
             </a:r>
-            <a:endParaRPr lang="en-US" sz="2000" dirty="0">
-              <a:latin typeface="Tekton Pro" pitchFamily="34" charset="0"/>
-            </a:endParaRPr>
           </a:p>
         </p:txBody>
       </p:sp>
@@ -5381,10 +5388,9 @@
           <a:lstStyle/>
           <a:p>
             <a:r>
-              <a:rPr lang="en-US" dirty="0" smtClean="0"/>
-              <a:t>Null Conditional (Elvis) Operators</a:t>
-            </a:r>
-            <a:endParaRPr lang="en-US" dirty="0"/>
+              <a:rPr lang="en-US" dirty="0"/>
+              <a:t>Pipes</a:t>
+            </a:r>
           </a:p>
         </p:txBody>
       </p:sp>
@@ -5404,350 +5410,9 @@
           <a:lstStyle/>
           <a:p>
             <a:r>
-              <a:rPr lang="en-US" dirty="0" smtClean="0"/>
-              <a:t>Avoid dereferencing null and undefined values</a:t>
-            </a:r>
-            <a:endParaRPr lang="en-US" dirty="0"/>
-          </a:p>
-        </p:txBody>
-      </p:sp>
-      <p:pic>
-        <p:nvPicPr>
-          <p:cNvPr id="4" name="Picture 3"/>
-          <p:cNvPicPr>
-            <a:picLocks noChangeAspect="1"/>
-          </p:cNvPicPr>
-          <p:nvPr/>
-        </p:nvPicPr>
-        <p:blipFill>
-          <a:blip r:embed="rId2"/>
-          <a:stretch>
-            <a:fillRect/>
-          </a:stretch>
-        </p:blipFill>
-        <p:spPr>
-          <a:xfrm>
-            <a:off x="838200" y="3581400"/>
-            <a:ext cx="7610475" cy="762000"/>
-          </a:xfrm>
-          <a:prstGeom prst="rect">
-            <a:avLst/>
-          </a:prstGeom>
-        </p:spPr>
-      </p:pic>
-      <p:pic>
-        <p:nvPicPr>
-          <p:cNvPr id="5" name="Picture 4"/>
-          <p:cNvPicPr>
-            <a:picLocks noChangeAspect="1"/>
-          </p:cNvPicPr>
-          <p:nvPr/>
-        </p:nvPicPr>
-        <p:blipFill>
-          <a:blip r:embed="rId3"/>
-          <a:stretch>
-            <a:fillRect/>
-          </a:stretch>
-        </p:blipFill>
-        <p:spPr>
-          <a:xfrm>
-            <a:off x="2181225" y="2114550"/>
-            <a:ext cx="4781550" cy="1085850"/>
-          </a:xfrm>
-          <a:prstGeom prst="rect">
-            <a:avLst/>
-          </a:prstGeom>
-        </p:spPr>
-      </p:pic>
-      <p:pic>
-        <p:nvPicPr>
-          <p:cNvPr id="6" name="Picture 5"/>
-          <p:cNvPicPr>
-            <a:picLocks noChangeAspect="1"/>
-          </p:cNvPicPr>
-          <p:nvPr/>
-        </p:nvPicPr>
-        <p:blipFill>
-          <a:blip r:embed="rId4"/>
-          <a:stretch>
-            <a:fillRect/>
-          </a:stretch>
-        </p:blipFill>
-        <p:spPr>
-          <a:xfrm>
-            <a:off x="2286000" y="4819650"/>
-            <a:ext cx="4867275" cy="1123950"/>
-          </a:xfrm>
-          <a:prstGeom prst="rect">
-            <a:avLst/>
-          </a:prstGeom>
-        </p:spPr>
-      </p:pic>
-    </p:spTree>
-    <p:extLst>
-      <p:ext uri="{BB962C8B-B14F-4D97-AF65-F5344CB8AC3E}">
-        <p14:creationId xmlns:p14="http://schemas.microsoft.com/office/powerpoint/2010/main" val="1817446445"/>
-      </p:ext>
-    </p:extLst>
-  </p:cSld>
-  <p:clrMapOvr>
-    <a:masterClrMapping/>
-  </p:clrMapOvr>
-  <p:transition>
-    <p:fade/>
-  </p:transition>
-  <p:timing>
-    <p:tnLst>
-      <p:par>
-        <p:cTn id="1" dur="indefinite" restart="never" nodeType="tmRoot">
-          <p:childTnLst>
-            <p:seq concurrent="1" nextAc="seek">
-              <p:cTn id="2" dur="indefinite" nodeType="mainSeq">
-                <p:childTnLst>
-                  <p:par>
-                    <p:cTn id="3" fill="hold">
-                      <p:stCondLst>
-                        <p:cond delay="indefinite"/>
-                      </p:stCondLst>
-                      <p:childTnLst>
-                        <p:par>
-                          <p:cTn id="4" fill="hold">
-                            <p:stCondLst>
-                              <p:cond delay="0"/>
-                            </p:stCondLst>
-                            <p:childTnLst>
-                              <p:par>
-                                <p:cTn id="5" presetID="10" presetClass="entr" presetSubtype="0" fill="hold" nodeType="clickEffect">
-                                  <p:stCondLst>
-                                    <p:cond delay="0"/>
-                                  </p:stCondLst>
-                                  <p:childTnLst>
-                                    <p:set>
-                                      <p:cBhvr>
-                                        <p:cTn id="6" dur="1" fill="hold">
-                                          <p:stCondLst>
-                                            <p:cond delay="0"/>
-                                          </p:stCondLst>
-                                        </p:cTn>
-                                        <p:tgtEl>
-                                          <p:spTgt spid="5"/>
-                                        </p:tgtEl>
-                                        <p:attrNameLst>
-                                          <p:attrName>style.visibility</p:attrName>
-                                        </p:attrNameLst>
-                                      </p:cBhvr>
-                                      <p:to>
-                                        <p:strVal val="visible"/>
-                                      </p:to>
-                                    </p:set>
-                                    <p:animEffect transition="in" filter="fade">
-                                      <p:cBhvr>
-                                        <p:cTn id="7" dur="500"/>
-                                        <p:tgtEl>
-                                          <p:spTgt spid="5"/>
-                                        </p:tgtEl>
-                                      </p:cBhvr>
-                                    </p:animEffect>
-                                  </p:childTnLst>
-                                </p:cTn>
-                              </p:par>
-                            </p:childTnLst>
-                          </p:cTn>
-                        </p:par>
-                      </p:childTnLst>
-                    </p:cTn>
-                  </p:par>
-                  <p:par>
-                    <p:cTn id="8" fill="hold">
-                      <p:stCondLst>
-                        <p:cond delay="indefinite"/>
-                      </p:stCondLst>
-                      <p:childTnLst>
-                        <p:par>
-                          <p:cTn id="9" fill="hold">
-                            <p:stCondLst>
-                              <p:cond delay="0"/>
-                            </p:stCondLst>
-                            <p:childTnLst>
-                              <p:par>
-                                <p:cTn id="10" presetID="10" presetClass="entr" presetSubtype="0" fill="hold" nodeType="clickEffect">
-                                  <p:stCondLst>
-                                    <p:cond delay="0"/>
-                                  </p:stCondLst>
-                                  <p:childTnLst>
-                                    <p:set>
-                                      <p:cBhvr>
-                                        <p:cTn id="11" dur="1" fill="hold">
-                                          <p:stCondLst>
-                                            <p:cond delay="0"/>
-                                          </p:stCondLst>
-                                        </p:cTn>
-                                        <p:tgtEl>
-                                          <p:spTgt spid="4"/>
-                                        </p:tgtEl>
-                                        <p:attrNameLst>
-                                          <p:attrName>style.visibility</p:attrName>
-                                        </p:attrNameLst>
-                                      </p:cBhvr>
-                                      <p:to>
-                                        <p:strVal val="visible"/>
-                                      </p:to>
-                                    </p:set>
-                                    <p:animEffect transition="in" filter="fade">
-                                      <p:cBhvr>
-                                        <p:cTn id="12" dur="500"/>
-                                        <p:tgtEl>
-                                          <p:spTgt spid="4"/>
-                                        </p:tgtEl>
-                                      </p:cBhvr>
-                                    </p:animEffect>
-                                  </p:childTnLst>
-                                </p:cTn>
-                              </p:par>
-                            </p:childTnLst>
-                          </p:cTn>
-                        </p:par>
-                      </p:childTnLst>
-                    </p:cTn>
-                  </p:par>
-                  <p:par>
-                    <p:cTn id="13" fill="hold">
-                      <p:stCondLst>
-                        <p:cond delay="indefinite"/>
-                      </p:stCondLst>
-                      <p:childTnLst>
-                        <p:par>
-                          <p:cTn id="14" fill="hold">
-                            <p:stCondLst>
-                              <p:cond delay="0"/>
-                            </p:stCondLst>
-                            <p:childTnLst>
-                              <p:par>
-                                <p:cTn id="15" presetID="10" presetClass="entr" presetSubtype="0" fill="hold" nodeType="clickEffect">
-                                  <p:stCondLst>
-                                    <p:cond delay="0"/>
-                                  </p:stCondLst>
-                                  <p:childTnLst>
-                                    <p:set>
-                                      <p:cBhvr>
-                                        <p:cTn id="16" dur="1" fill="hold">
-                                          <p:stCondLst>
-                                            <p:cond delay="0"/>
-                                          </p:stCondLst>
-                                        </p:cTn>
-                                        <p:tgtEl>
-                                          <p:spTgt spid="6"/>
-                                        </p:tgtEl>
-                                        <p:attrNameLst>
-                                          <p:attrName>style.visibility</p:attrName>
-                                        </p:attrNameLst>
-                                      </p:cBhvr>
-                                      <p:to>
-                                        <p:strVal val="visible"/>
-                                      </p:to>
-                                    </p:set>
-                                    <p:animEffect transition="in" filter="fade">
-                                      <p:cBhvr>
-                                        <p:cTn id="17" dur="500"/>
-                                        <p:tgtEl>
-                                          <p:spTgt spid="6"/>
-                                        </p:tgtEl>
-                                      </p:cBhvr>
-                                    </p:animEffect>
-                                  </p:childTnLst>
-                                </p:cTn>
-                              </p:par>
-                            </p:childTnLst>
-                          </p:cTn>
-                        </p:par>
-                      </p:childTnLst>
-                    </p:cTn>
-                  </p:par>
-                </p:childTnLst>
-              </p:cTn>
-              <p:prevCondLst>
-                <p:cond evt="onPrev" delay="0">
-                  <p:tgtEl>
-                    <p:sldTgt/>
-                  </p:tgtEl>
-                </p:cond>
-              </p:prevCondLst>
-              <p:nextCondLst>
-                <p:cond evt="onNext" delay="0">
-                  <p:tgtEl>
-                    <p:sldTgt/>
-                  </p:tgtEl>
-                </p:cond>
-              </p:nextCondLst>
-            </p:seq>
-          </p:childTnLst>
-        </p:cTn>
-      </p:par>
-    </p:tnLst>
-  </p:timing>
-</p:sld>
-</file>
-
-<file path=ppt/slides/slide21.xml><?xml version="1.0" encoding="utf-8"?>
-<p:sld xmlns:a="http://schemas.openxmlformats.org/drawingml/2006/main" xmlns:r="http://schemas.openxmlformats.org/officeDocument/2006/relationships" xmlns:p="http://schemas.openxmlformats.org/presentationml/2006/main">
-  <p:cSld>
-    <p:spTree>
-      <p:nvGrpSpPr>
-        <p:cNvPr id="1" name=""/>
-        <p:cNvGrpSpPr/>
-        <p:nvPr/>
-      </p:nvGrpSpPr>
-      <p:grpSpPr>
-        <a:xfrm>
-          <a:off x="0" y="0"/>
-          <a:ext cx="0" cy="0"/>
-          <a:chOff x="0" y="0"/>
-          <a:chExt cx="0" cy="0"/>
-        </a:xfrm>
-      </p:grpSpPr>
-      <p:sp>
-        <p:nvSpPr>
-          <p:cNvPr id="2" name="Title 1"/>
-          <p:cNvSpPr>
-            <a:spLocks noGrp="1"/>
-          </p:cNvSpPr>
-          <p:nvPr>
-            <p:ph type="title"/>
-          </p:nvPr>
-        </p:nvSpPr>
-        <p:spPr/>
-        <p:txBody>
-          <a:bodyPr/>
-          <a:lstStyle/>
-          <a:p>
-            <a:r>
-              <a:rPr lang="en-US" dirty="0" smtClean="0"/>
-              <a:t>Pipes</a:t>
-            </a:r>
-            <a:endParaRPr lang="en-US" dirty="0"/>
-          </a:p>
-        </p:txBody>
-      </p:sp>
-      <p:sp>
-        <p:nvSpPr>
-          <p:cNvPr id="3" name="Text Placeholder 2"/>
-          <p:cNvSpPr>
-            <a:spLocks noGrp="1"/>
-          </p:cNvSpPr>
-          <p:nvPr>
-            <p:ph type="body" idx="1"/>
-          </p:nvPr>
-        </p:nvSpPr>
-        <p:spPr/>
-        <p:txBody>
-          <a:bodyPr/>
-          <a:lstStyle/>
-          <a:p>
-            <a:r>
-              <a:rPr lang="en-US" dirty="0" smtClean="0"/>
+              <a:rPr lang="en-US" dirty="0"/>
               <a:t>Typically format a model value for display</a:t>
             </a:r>
-            <a:endParaRPr lang="en-US" dirty="0"/>
           </a:p>
         </p:txBody>
       </p:sp>
@@ -5791,7 +5456,7 @@
 </p:sld>
 </file>
 
-<file path=ppt/slides/slide22.xml><?xml version="1.0" encoding="utf-8"?>
+<file path=ppt/slides/slide21.xml><?xml version="1.0" encoding="utf-8"?>
 <p:sld xmlns:a="http://schemas.openxmlformats.org/drawingml/2006/main" xmlns:r="http://schemas.openxmlformats.org/officeDocument/2006/relationships" xmlns:p="http://schemas.openxmlformats.org/presentationml/2006/main">
   <p:cSld>
     <p:spTree>
@@ -5824,10 +5489,9 @@
           <a:lstStyle/>
           <a:p>
             <a:r>
-              <a:rPr lang="en-US" dirty="0" smtClean="0"/>
+              <a:rPr lang="en-US" dirty="0"/>
               <a:t>Custom Pipes</a:t>
             </a:r>
-            <a:endParaRPr lang="en-US" dirty="0"/>
           </a:p>
         </p:txBody>
       </p:sp>
@@ -5847,21 +5511,21 @@
           <a:lstStyle/>
           <a:p>
             <a:r>
-              <a:rPr lang="en-US" dirty="0" smtClean="0"/>
+              <a:rPr lang="en-US" dirty="0"/>
               <a:t>Extend </a:t>
             </a:r>
             <a:r>
-              <a:rPr lang="en-US" dirty="0" err="1" smtClean="0"/>
+              <a:rPr lang="en-US" dirty="0" err="1"/>
               <a:t>PipeTransform</a:t>
             </a:r>
             <a:r>
-              <a:rPr lang="en-US" dirty="0" smtClean="0"/>
+              <a:rPr lang="en-US" dirty="0"/>
               <a:t> and use @Pipe decorator</a:t>
             </a:r>
           </a:p>
           <a:p>
             <a:r>
-              <a:rPr lang="en-US" dirty="0" smtClean="0"/>
+              <a:rPr lang="en-US" dirty="0"/>
               <a:t>Register pipe at component level</a:t>
             </a:r>
           </a:p>
@@ -6067,7 +5731,7 @@
 </p:sld>
 </file>
 
-<file path=ppt/slides/slide23.xml><?xml version="1.0" encoding="utf-8"?>
+<file path=ppt/slides/slide22.xml><?xml version="1.0" encoding="utf-8"?>
 <p:sld xmlns:a="http://schemas.openxmlformats.org/drawingml/2006/main" xmlns:r="http://schemas.openxmlformats.org/officeDocument/2006/relationships" xmlns:p="http://schemas.openxmlformats.org/presentationml/2006/main">
   <p:cSld>
     <p:spTree>
@@ -6101,13 +5765,8 @@
           <a:p>
             <a:r>
               <a:rPr lang="en-US" dirty="0"/>
-              <a:t>S</a:t>
-            </a:r>
-            <a:r>
-              <a:rPr lang="en-US" dirty="0" smtClean="0"/>
-              <a:t>ummary</a:t>
-            </a:r>
-            <a:endParaRPr lang="en-US" dirty="0"/>
+              <a:t>Summary</a:t>
+            </a:r>
           </a:p>
         </p:txBody>
       </p:sp>
@@ -6132,31 +5791,31 @@
           <a:lstStyle/>
           <a:p>
             <a:r>
-              <a:rPr lang="en-US" dirty="0" smtClean="0"/>
+              <a:rPr lang="en-US" dirty="0"/>
               <a:t>Templates present the component model</a:t>
             </a:r>
           </a:p>
           <a:p>
             <a:pPr lvl="1"/>
             <a:r>
-              <a:rPr lang="en-US" dirty="0" smtClean="0"/>
+              <a:rPr lang="en-US" dirty="0"/>
               <a:t>Data flows to the template</a:t>
             </a:r>
           </a:p>
           <a:p>
             <a:pPr lvl="1"/>
             <a:r>
-              <a:rPr lang="en-US" dirty="0" smtClean="0"/>
+              <a:rPr lang="en-US" dirty="0"/>
               <a:t>Events flow to the component</a:t>
             </a:r>
           </a:p>
           <a:p>
             <a:r>
-              <a:rPr lang="en-US" dirty="0" smtClean="0"/>
+              <a:rPr lang="en-US" dirty="0"/>
               <a:t>Directives are the underlying </a:t>
             </a:r>
             <a:r>
-              <a:rPr lang="en-US" smtClean="0"/>
+              <a:rPr lang="en-US"/>
               <a:t>building block</a:t>
             </a:r>
             <a:endParaRPr lang="en-US" dirty="0"/>
@@ -6204,7 +5863,7 @@
           <a:p>
             <a:pPr algn="ctr"/>
             <a:r>
-              <a:rPr lang="en-US" sz="2000" dirty="0" smtClean="0">
+              <a:rPr lang="en-US" sz="2000" dirty="0">
                 <a:solidFill>
                   <a:schemeClr val="tx1"/>
                 </a:solidFill>
@@ -6212,12 +5871,6 @@
               </a:rPr>
               <a:t>&lt;template&gt;</a:t>
             </a:r>
-            <a:endParaRPr lang="en-US" sz="2000" dirty="0">
-              <a:solidFill>
-                <a:schemeClr val="tx1"/>
-              </a:solidFill>
-              <a:latin typeface="Tekton Pro" pitchFamily="34" charset="0"/>
-            </a:endParaRPr>
           </a:p>
         </p:txBody>
       </p:sp>
@@ -6262,7 +5915,7 @@
           <a:p>
             <a:pPr algn="ctr"/>
             <a:r>
-              <a:rPr lang="en-US" sz="2000" dirty="0" smtClean="0">
+              <a:rPr lang="en-US" sz="2000" dirty="0">
                 <a:solidFill>
                   <a:schemeClr val="tx1"/>
                 </a:solidFill>
@@ -6270,12 +5923,6 @@
               </a:rPr>
               <a:t>@Component</a:t>
             </a:r>
-            <a:endParaRPr lang="en-US" sz="2000" dirty="0">
-              <a:solidFill>
-                <a:schemeClr val="tx1"/>
-              </a:solidFill>
-              <a:latin typeface="Tekton Pro" pitchFamily="34" charset="0"/>
-            </a:endParaRPr>
           </a:p>
         </p:txBody>
       </p:sp>
@@ -6320,14 +5967,11 @@
           <a:p>
             <a:pPr algn="ctr"/>
             <a:r>
-              <a:rPr lang="en-US" sz="2000" dirty="0" smtClean="0">
+              <a:rPr lang="en-US" sz="2000" dirty="0">
                 <a:latin typeface="Tekton Pro" pitchFamily="34" charset="0"/>
               </a:rPr>
               <a:t>properties</a:t>
             </a:r>
-            <a:endParaRPr lang="en-US" sz="2000" dirty="0">
-              <a:latin typeface="Tekton Pro" pitchFamily="34" charset="0"/>
-            </a:endParaRPr>
           </a:p>
         </p:txBody>
       </p:sp>
@@ -6372,14 +6016,11 @@
           <a:p>
             <a:pPr algn="ctr"/>
             <a:r>
-              <a:rPr lang="en-US" sz="2000" dirty="0" smtClean="0">
+              <a:rPr lang="en-US" sz="2000" dirty="0">
                 <a:latin typeface="Tekton Pro" pitchFamily="34" charset="0"/>
               </a:rPr>
               <a:t>events</a:t>
             </a:r>
-            <a:endParaRPr lang="en-US" sz="2000" dirty="0">
-              <a:latin typeface="Tekton Pro" pitchFamily="34" charset="0"/>
-            </a:endParaRPr>
           </a:p>
         </p:txBody>
       </p:sp>
@@ -6626,10 +6267,9 @@
           <a:lstStyle/>
           <a:p>
             <a:r>
-              <a:rPr lang="en-US" dirty="0" smtClean="0"/>
+              <a:rPr lang="en-US" dirty="0"/>
               <a:t>Interpolation</a:t>
             </a:r>
-            <a:endParaRPr lang="en-US" dirty="0"/>
           </a:p>
         </p:txBody>
       </p:sp>
@@ -6649,24 +6289,23 @@
           <a:lstStyle/>
           <a:p>
             <a:r>
-              <a:rPr lang="en-US" dirty="0" smtClean="0"/>
+              <a:rPr lang="en-US" dirty="0"/>
               <a:t>Expression evaluated against parent component</a:t>
             </a:r>
           </a:p>
           <a:p>
             <a:pPr lvl="1"/>
             <a:r>
-              <a:rPr lang="en-US" dirty="0" smtClean="0"/>
+              <a:rPr lang="en-US" dirty="0"/>
               <a:t>No access to global scope</a:t>
             </a:r>
           </a:p>
           <a:p>
             <a:pPr lvl="1"/>
             <a:r>
-              <a:rPr lang="en-US" dirty="0" smtClean="0"/>
+              <a:rPr lang="en-US" dirty="0"/>
               <a:t>Somewhat forgiving (errors logged to console)</a:t>
             </a:r>
-            <a:endParaRPr lang="en-US" dirty="0"/>
           </a:p>
         </p:txBody>
       </p:sp>
@@ -6927,10 +6566,9 @@
           <a:lstStyle/>
           <a:p>
             <a:r>
-              <a:rPr lang="en-US" dirty="0" smtClean="0"/>
+              <a:rPr lang="en-US" dirty="0"/>
               <a:t>Template Expressions</a:t>
             </a:r>
-            <a:endParaRPr lang="en-US" dirty="0"/>
           </a:p>
         </p:txBody>
       </p:sp>
@@ -6950,57 +6588,57 @@
           <a:lstStyle/>
           <a:p>
             <a:r>
-              <a:rPr lang="en-US" dirty="0" smtClean="0"/>
+              <a:rPr lang="en-US" dirty="0"/>
               <a:t>Object literals and array literals are allowed</a:t>
             </a:r>
           </a:p>
           <a:p>
             <a:r>
-              <a:rPr lang="en-US" dirty="0" smtClean="0"/>
+              <a:rPr lang="en-US" dirty="0"/>
               <a:t>Statements only allowed for events</a:t>
             </a:r>
           </a:p>
           <a:p>
             <a:r>
-              <a:rPr lang="en-US" dirty="0" smtClean="0"/>
+              <a:rPr lang="en-US" dirty="0"/>
               <a:t>No keywords (</a:t>
             </a:r>
             <a:r>
-              <a:rPr lang="en-US" i="1" dirty="0" smtClean="0"/>
+              <a:rPr lang="en-US" i="1" dirty="0"/>
               <a:t>new</a:t>
             </a:r>
             <a:r>
-              <a:rPr lang="en-US" dirty="0" smtClean="0"/>
+              <a:rPr lang="en-US" dirty="0"/>
               <a:t>, </a:t>
             </a:r>
             <a:r>
-              <a:rPr lang="en-US" i="1" dirty="0" smtClean="0"/>
+              <a:rPr lang="en-US" i="1" dirty="0"/>
               <a:t>if</a:t>
             </a:r>
             <a:r>
-              <a:rPr lang="en-US" dirty="0" smtClean="0"/>
+              <a:rPr lang="en-US" dirty="0"/>
               <a:t>, </a:t>
             </a:r>
             <a:r>
-              <a:rPr lang="en-US" i="1" dirty="0" smtClean="0"/>
+              <a:rPr lang="en-US" i="1" dirty="0"/>
               <a:t>class</a:t>
             </a:r>
             <a:r>
-              <a:rPr lang="en-US" dirty="0" smtClean="0"/>
+              <a:rPr lang="en-US" dirty="0"/>
               <a:t>, </a:t>
             </a:r>
             <a:r>
-              <a:rPr lang="en-US" i="1" dirty="0" smtClean="0"/>
+              <a:rPr lang="en-US" i="1" dirty="0"/>
               <a:t>function</a:t>
             </a:r>
             <a:r>
-              <a:rPr lang="en-US" dirty="0" smtClean="0"/>
+              <a:rPr lang="en-US" dirty="0"/>
               <a:t>)</a:t>
             </a:r>
           </a:p>
           <a:p>
             <a:r>
-              <a:rPr lang="en-US" dirty="0" smtClean="0"/>
+              <a:rPr lang="en-US" dirty="0"/>
               <a:t>Angular uses a parser to understand expressions</a:t>
             </a:r>
           </a:p>
@@ -7011,7 +6649,7 @@
       </p:sp>
       <p:pic>
         <p:nvPicPr>
-          <p:cNvPr id="4" name="Picture 3"/>
+          <p:cNvPr id="5" name="Picture 4"/>
           <p:cNvPicPr>
             <a:picLocks noChangeAspect="1"/>
           </p:cNvPicPr>
@@ -7025,8 +6663,8 @@
         </p:blipFill>
         <p:spPr>
           <a:xfrm>
-            <a:off x="809625" y="3581400"/>
-            <a:ext cx="7524750" cy="1971675"/>
+            <a:off x="457200" y="3660956"/>
+            <a:ext cx="8562975" cy="830053"/>
           </a:xfrm>
           <a:prstGeom prst="rect">
             <a:avLst/>
@@ -7082,10 +6720,9 @@
           <a:lstStyle/>
           <a:p>
             <a:r>
-              <a:rPr lang="en-US" dirty="0" smtClean="0"/>
+              <a:rPr lang="en-US" dirty="0"/>
               <a:t>Binding Overview</a:t>
             </a:r>
-            <a:endParaRPr lang="en-US" dirty="0"/>
           </a:p>
         </p:txBody>
       </p:sp>
@@ -7130,14 +6767,11 @@
           <a:p>
             <a:pPr algn="ctr"/>
             <a:r>
-              <a:rPr lang="en-US" sz="2000" dirty="0" smtClean="0">
+              <a:rPr lang="en-US" sz="2000" dirty="0">
                 <a:latin typeface="Tekton Pro" pitchFamily="34" charset="0"/>
               </a:rPr>
               <a:t>Event Binding</a:t>
             </a:r>
-            <a:endParaRPr lang="en-US" sz="2000" dirty="0">
-              <a:latin typeface="Tekton Pro" pitchFamily="34" charset="0"/>
-            </a:endParaRPr>
           </a:p>
         </p:txBody>
       </p:sp>
@@ -7181,20 +6815,17 @@
           <a:lstStyle/>
           <a:p>
             <a:r>
-              <a:rPr lang="en-US" sz="2000" dirty="0" smtClean="0">
+              <a:rPr lang="en-US" sz="2000" dirty="0">
                 <a:latin typeface="Tekton Pro" pitchFamily="34" charset="0"/>
               </a:rPr>
               <a:t>Property Binding</a:t>
             </a:r>
-            <a:endParaRPr lang="en-US" sz="2000" dirty="0">
-              <a:latin typeface="Tekton Pro" pitchFamily="34" charset="0"/>
-            </a:endParaRPr>
           </a:p>
         </p:txBody>
       </p:sp>
       <p:sp>
         <p:nvSpPr>
-          <p:cNvPr id="6" name="Rectangle 5"/>
+          <p:cNvPr id="7" name="Rectangle 6"/>
           <p:cNvSpPr/>
           <p:nvPr/>
         </p:nvSpPr>
@@ -7233,26 +6864,23 @@
           <a:p>
             <a:pPr algn="ctr"/>
             <a:r>
-              <a:rPr lang="en-US" sz="2000" dirty="0" smtClean="0">
+              <a:rPr lang="en-US" sz="2000" dirty="0">
                 <a:latin typeface="Tekton Pro" pitchFamily="34" charset="0"/>
               </a:rPr>
-              <a:t>Event Binding</a:t>
-            </a:r>
-            <a:endParaRPr lang="en-US" sz="2000" dirty="0">
-              <a:latin typeface="Tekton Pro" pitchFamily="34" charset="0"/>
-            </a:endParaRPr>
+              <a:t>Attribute Binding</a:t>
+            </a:r>
           </a:p>
         </p:txBody>
       </p:sp>
       <p:sp>
         <p:nvSpPr>
-          <p:cNvPr id="7" name="Rectangle 6"/>
+          <p:cNvPr id="8" name="Rectangle 7"/>
           <p:cNvSpPr/>
           <p:nvPr/>
         </p:nvSpPr>
         <p:spPr bwMode="auto">
           <a:xfrm>
-            <a:off x="1828800" y="3733800"/>
+            <a:off x="3346611" y="3810000"/>
             <a:ext cx="2286000" cy="1447800"/>
           </a:xfrm>
           <a:prstGeom prst="rect">
@@ -7285,66 +6913,11 @@
           <a:p>
             <a:pPr algn="ctr"/>
             <a:r>
-              <a:rPr lang="en-US" sz="2000" dirty="0" smtClean="0">
-                <a:latin typeface="Tekton Pro" pitchFamily="34" charset="0"/>
-              </a:rPr>
-              <a:t>Attribute Binding</a:t>
-            </a:r>
-            <a:endParaRPr lang="en-US" sz="2000" dirty="0">
-              <a:latin typeface="Tekton Pro" pitchFamily="34" charset="0"/>
-            </a:endParaRPr>
-          </a:p>
-        </p:txBody>
-      </p:sp>
-      <p:sp>
-        <p:nvSpPr>
-          <p:cNvPr id="8" name="Rectangle 7"/>
-          <p:cNvSpPr/>
-          <p:nvPr/>
-        </p:nvSpPr>
-        <p:spPr bwMode="auto">
-          <a:xfrm>
-            <a:off x="4854315" y="3732551"/>
-            <a:ext cx="2286000" cy="1447800"/>
-          </a:xfrm>
-          <a:prstGeom prst="rect">
-            <a:avLst/>
-          </a:prstGeom>
-          <a:ln>
-            <a:headEnd/>
-            <a:tailEnd/>
-          </a:ln>
-        </p:spPr>
-        <p:style>
-          <a:lnRef idx="2">
-            <a:schemeClr val="accent3">
-              <a:shade val="50000"/>
-            </a:schemeClr>
-          </a:lnRef>
-          <a:fillRef idx="1">
-            <a:schemeClr val="accent3"/>
-          </a:fillRef>
-          <a:effectRef idx="0">
-            <a:schemeClr val="accent3"/>
-          </a:effectRef>
-          <a:fontRef idx="minor">
-            <a:schemeClr val="lt1"/>
-          </a:fontRef>
-        </p:style>
-        <p:txBody>
-          <a:bodyPr wrap="none" rtlCol="0" anchor="ctr"/>
-          <a:lstStyle/>
-          <a:p>
-            <a:pPr algn="ctr"/>
-            <a:r>
-              <a:rPr lang="en-US" sz="2000" dirty="0" smtClean="0">
+              <a:rPr lang="en-US" sz="2000" dirty="0">
                 <a:latin typeface="Tekton Pro" pitchFamily="34" charset="0"/>
               </a:rPr>
               <a:t>Two Way Binding</a:t>
             </a:r>
-            <a:endParaRPr lang="en-US" sz="2000" dirty="0">
-              <a:latin typeface="Tekton Pro" pitchFamily="34" charset="0"/>
-            </a:endParaRPr>
           </a:p>
         </p:txBody>
       </p:sp>
@@ -7397,10 +6970,9 @@
           <a:lstStyle/>
           <a:p>
             <a:r>
-              <a:rPr lang="en-US" dirty="0" smtClean="0"/>
+              <a:rPr lang="en-US" dirty="0"/>
               <a:t>Property Binding</a:t>
             </a:r>
-            <a:endParaRPr lang="en-US" dirty="0"/>
           </a:p>
         </p:txBody>
       </p:sp>
@@ -7420,32 +6992,32 @@
           <a:lstStyle/>
           <a:p>
             <a:r>
-              <a:rPr lang="en-US" dirty="0" smtClean="0"/>
+              <a:rPr lang="en-US" dirty="0"/>
               <a:t>[ ] or bind are property bindings</a:t>
             </a:r>
           </a:p>
           <a:p>
             <a:pPr lvl="1"/>
             <a:r>
-              <a:rPr lang="en-US" dirty="0" smtClean="0"/>
+              <a:rPr lang="en-US" dirty="0"/>
               <a:t>Binding to </a:t>
             </a:r>
             <a:r>
-              <a:rPr lang="en-US" b="1" dirty="0" smtClean="0"/>
+              <a:rPr lang="en-US" b="1" dirty="0"/>
               <a:t>properties</a:t>
             </a:r>
             <a:r>
-              <a:rPr lang="en-US" dirty="0" smtClean="0"/>
+              <a:rPr lang="en-US" dirty="0"/>
               <a:t> not </a:t>
             </a:r>
             <a:r>
-              <a:rPr lang="en-US" b="1" dirty="0" smtClean="0"/>
+              <a:rPr lang="en-US" b="1" dirty="0"/>
               <a:t>attributes</a:t>
             </a:r>
           </a:p>
           <a:p>
             <a:r>
-              <a:rPr lang="en-US" dirty="0" smtClean="0"/>
+              <a:rPr lang="en-US" dirty="0"/>
               <a:t>Also works with custom components and directives</a:t>
             </a:r>
             <a:endParaRPr lang="en-US" b="1" dirty="0"/>
@@ -7525,10 +7097,9 @@
           <a:lstStyle/>
           <a:p>
             <a:r>
-              <a:rPr lang="en-US" dirty="0" smtClean="0"/>
+              <a:rPr lang="en-US" dirty="0"/>
               <a:t>Attribute Binding</a:t>
             </a:r>
-            <a:endParaRPr lang="en-US" dirty="0"/>
           </a:p>
         </p:txBody>
       </p:sp>
@@ -7548,7 +7119,7 @@
           <a:lstStyle/>
           <a:p>
             <a:r>
-              <a:rPr lang="en-US" dirty="0" smtClean="0"/>
+              <a:rPr lang="en-US" dirty="0"/>
               <a:t>Not all attributes are backed by a property</a:t>
             </a:r>
           </a:p>
@@ -7556,13 +7127,8 @@
             <a:pPr lvl="1"/>
             <a:r>
               <a:rPr lang="en-US" dirty="0"/>
-              <a:t>a</a:t>
-            </a:r>
-            <a:r>
-              <a:rPr lang="en-US" dirty="0" smtClean="0"/>
-              <a:t>ria-* attributes, for example</a:t>
-            </a:r>
-            <a:endParaRPr lang="en-US" dirty="0"/>
+              <a:t>aria-* attributes, for example</a:t>
+            </a:r>
           </a:p>
         </p:txBody>
       </p:sp>
@@ -7639,10 +7205,9 @@
           <a:lstStyle/>
           <a:p>
             <a:r>
-              <a:rPr lang="en-US" dirty="0" smtClean="0"/>
+              <a:rPr lang="en-US" dirty="0"/>
               <a:t>Class and Style Binding</a:t>
             </a:r>
-            <a:endParaRPr lang="en-US" dirty="0"/>
           </a:p>
         </p:txBody>
       </p:sp>
@@ -7662,30 +7227,29 @@
           <a:lstStyle/>
           <a:p>
             <a:r>
-              <a:rPr lang="en-US" dirty="0" smtClean="0"/>
+              <a:rPr lang="en-US" dirty="0"/>
               <a:t>Use </a:t>
             </a:r>
             <a:r>
-              <a:rPr lang="en-US" dirty="0" err="1" smtClean="0"/>
+              <a:rPr lang="en-US" dirty="0" err="1"/>
               <a:t>ngClass</a:t>
             </a:r>
             <a:r>
-              <a:rPr lang="en-US" dirty="0" smtClean="0"/>
+              <a:rPr lang="en-US" dirty="0"/>
               <a:t> and </a:t>
             </a:r>
             <a:r>
-              <a:rPr lang="en-US" dirty="0" err="1" smtClean="0"/>
+              <a:rPr lang="en-US" dirty="0" err="1"/>
               <a:t>ngStyle</a:t>
             </a:r>
-            <a:endParaRPr lang="en-US" dirty="0" smtClean="0"/>
+            <a:endParaRPr lang="en-US" dirty="0"/>
           </a:p>
           <a:p>
             <a:pPr lvl="1"/>
             <a:r>
-              <a:rPr lang="en-US" dirty="0" smtClean="0"/>
+              <a:rPr lang="en-US" dirty="0"/>
               <a:t>Special directives for special cases</a:t>
             </a:r>
-            <a:endParaRPr lang="en-US" dirty="0"/>
           </a:p>
         </p:txBody>
       </p:sp>
@@ -7762,11 +7326,11 @@
           <a:lstStyle/>
           <a:p>
             <a:r>
-              <a:rPr lang="en-US" dirty="0" smtClean="0"/>
+              <a:rPr lang="en-US" dirty="0"/>
               <a:t>Class Binding versus </a:t>
             </a:r>
             <a:r>
-              <a:rPr lang="en-US" dirty="0" err="1" smtClean="0"/>
+              <a:rPr lang="en-US" dirty="0" err="1"/>
               <a:t>NgClass</a:t>
             </a:r>
             <a:endParaRPr lang="en-US" dirty="0"/>
@@ -7789,10 +7353,9 @@
           <a:lstStyle/>
           <a:p>
             <a:r>
-              <a:rPr lang="en-US" dirty="0" smtClean="0"/>
+              <a:rPr lang="en-US" dirty="0"/>
               <a:t>Two approaches for binding classes and styles</a:t>
             </a:r>
-            <a:endParaRPr lang="en-US" dirty="0"/>
           </a:p>
         </p:txBody>
       </p:sp>
